--- a/intention motor representation with corrado sinigaglia/conf spp submit/intention and motor representation.pptx
+++ b/intention motor representation with corrado sinigaglia/conf spp submit/intention and motor representation.pptx
@@ -5,10 +5,10 @@
     <p:sldMasterId id="2147483648" r:id="rId1"/>
   </p:sldMasterIdLst>
   <p:notesMasterIdLst>
-    <p:notesMasterId r:id="rId48"/>
+    <p:notesMasterId r:id="rId49"/>
   </p:notesMasterIdLst>
   <p:handoutMasterIdLst>
-    <p:handoutMasterId r:id="rId49"/>
+    <p:handoutMasterId r:id="rId50"/>
   </p:handoutMasterIdLst>
   <p:sldIdLst>
     <p:sldId id="662" r:id="rId2"/>
@@ -34,29 +34,30 @@
     <p:sldId id="979" r:id="rId22"/>
     <p:sldId id="980" r:id="rId23"/>
     <p:sldId id="981" r:id="rId24"/>
-    <p:sldId id="982" r:id="rId25"/>
-    <p:sldId id="1005" r:id="rId26"/>
-    <p:sldId id="1004" r:id="rId27"/>
-    <p:sldId id="983" r:id="rId28"/>
-    <p:sldId id="984" r:id="rId29"/>
-    <p:sldId id="985" r:id="rId30"/>
-    <p:sldId id="986" r:id="rId31"/>
-    <p:sldId id="987" r:id="rId32"/>
-    <p:sldId id="988" r:id="rId33"/>
-    <p:sldId id="990" r:id="rId34"/>
-    <p:sldId id="991" r:id="rId35"/>
-    <p:sldId id="992" r:id="rId36"/>
-    <p:sldId id="993" r:id="rId37"/>
-    <p:sldId id="994" r:id="rId38"/>
-    <p:sldId id="995" r:id="rId39"/>
-    <p:sldId id="996" r:id="rId40"/>
-    <p:sldId id="997" r:id="rId41"/>
-    <p:sldId id="998" r:id="rId42"/>
-    <p:sldId id="999" r:id="rId43"/>
-    <p:sldId id="1000" r:id="rId44"/>
-    <p:sldId id="1001" r:id="rId45"/>
-    <p:sldId id="1006" r:id="rId46"/>
-    <p:sldId id="1007" r:id="rId47"/>
+    <p:sldId id="1008" r:id="rId25"/>
+    <p:sldId id="982" r:id="rId26"/>
+    <p:sldId id="1005" r:id="rId27"/>
+    <p:sldId id="1004" r:id="rId28"/>
+    <p:sldId id="983" r:id="rId29"/>
+    <p:sldId id="984" r:id="rId30"/>
+    <p:sldId id="985" r:id="rId31"/>
+    <p:sldId id="986" r:id="rId32"/>
+    <p:sldId id="987" r:id="rId33"/>
+    <p:sldId id="988" r:id="rId34"/>
+    <p:sldId id="990" r:id="rId35"/>
+    <p:sldId id="991" r:id="rId36"/>
+    <p:sldId id="992" r:id="rId37"/>
+    <p:sldId id="993" r:id="rId38"/>
+    <p:sldId id="994" r:id="rId39"/>
+    <p:sldId id="995" r:id="rId40"/>
+    <p:sldId id="996" r:id="rId41"/>
+    <p:sldId id="997" r:id="rId42"/>
+    <p:sldId id="998" r:id="rId43"/>
+    <p:sldId id="999" r:id="rId44"/>
+    <p:sldId id="1000" r:id="rId45"/>
+    <p:sldId id="1001" r:id="rId46"/>
+    <p:sldId id="1006" r:id="rId47"/>
+    <p:sldId id="1007" r:id="rId48"/>
   </p:sldIdLst>
   <p:sldSz cx="9144000" cy="6858000" type="screen4x3"/>
   <p:notesSz cx="9925050" cy="6796088"/>
@@ -1221,44 +1222,7 @@
           </a:bodyPr>
           <a:lstStyle/>
           <a:p>
-            <a:r>
-              <a:rPr lang="en-US" dirty="0" smtClean="0"/>
-              <a:t>The standard answer to this question involves intention.</a:t>
-            </a:r>
-          </a:p>
-          <a:p>
-            <a:r>
-              <a:rPr lang="en-US" dirty="0" smtClean="0"/>
-              <a:t>An intention (1) represents</a:t>
-            </a:r>
-            <a:r>
-              <a:rPr lang="en-US" baseline="0" dirty="0" smtClean="0"/>
-              <a:t> an outcome, (2) coordinates the one or several activities which comprise the action; and (3) coordinate these activities in a way that would normally facilitate the outcome’s occurrence.</a:t>
-            </a:r>
-          </a:p>
-          <a:p>
             <a:endParaRPr lang="en-US" baseline="0" dirty="0" smtClean="0"/>
-          </a:p>
-          <a:p>
-            <a:r>
-              <a:rPr lang="en-US" baseline="0" dirty="0" smtClean="0"/>
-              <a:t>What binds particular component actions together into larger purposive actions?  It is the fact that these actions are all parts of plans involving a single intention.</a:t>
-            </a:r>
-          </a:p>
-          <a:p>
-            <a:r>
-              <a:rPr lang="en-US" baseline="0" dirty="0" smtClean="0"/>
-              <a:t>What singles out an actual or possible outcome as one to which the component actions are collectively directed?  It is the fact that this outcome is represented by the intention.</a:t>
-            </a:r>
-          </a:p>
-          <a:p>
-            <a:endParaRPr lang="en-US" baseline="0" dirty="0" smtClean="0"/>
-          </a:p>
-          <a:p>
-            <a:r>
-              <a:rPr lang="en-US" baseline="0" dirty="0" smtClean="0"/>
-              <a:t>So the intention is what binds component actions together into purposive actions and links the action taken as a whole to the outcomes to which they are directed.</a:t>
-            </a:r>
           </a:p>
         </p:txBody>
       </p:sp>
@@ -1385,44 +1349,7 @@
           </a:bodyPr>
           <a:lstStyle/>
           <a:p>
-            <a:r>
-              <a:rPr lang="en-US" dirty="0" smtClean="0"/>
-              <a:t>The standard answer to this question involves intention.</a:t>
-            </a:r>
-          </a:p>
-          <a:p>
-            <a:r>
-              <a:rPr lang="en-US" dirty="0" smtClean="0"/>
-              <a:t>An intention (1) represents</a:t>
-            </a:r>
-            <a:r>
-              <a:rPr lang="en-US" baseline="0" dirty="0" smtClean="0"/>
-              <a:t> an outcome, (2) coordinates the one or several activities which comprise the action; and (3) coordinate these activities in a way that would normally facilitate the outcome’s occurrence.</a:t>
-            </a:r>
-          </a:p>
-          <a:p>
             <a:endParaRPr lang="en-US" baseline="0" dirty="0" smtClean="0"/>
-          </a:p>
-          <a:p>
-            <a:r>
-              <a:rPr lang="en-US" baseline="0" dirty="0" smtClean="0"/>
-              <a:t>What binds particular component actions together into larger purposive actions?  It is the fact that these actions are all parts of plans involving a single intention.</a:t>
-            </a:r>
-          </a:p>
-          <a:p>
-            <a:r>
-              <a:rPr lang="en-US" baseline="0" dirty="0" smtClean="0"/>
-              <a:t>What singles out an actual or possible outcome as one to which the component actions are collectively directed?  It is the fact that this outcome is represented by the intention.</a:t>
-            </a:r>
-          </a:p>
-          <a:p>
-            <a:endParaRPr lang="en-US" baseline="0" dirty="0" smtClean="0"/>
-          </a:p>
-          <a:p>
-            <a:r>
-              <a:rPr lang="en-US" baseline="0" dirty="0" smtClean="0"/>
-              <a:t>So the intention is what binds component actions together into purposive actions and links the action taken as a whole to the outcomes to which they are directed.</a:t>
-            </a:r>
           </a:p>
         </p:txBody>
       </p:sp>
@@ -1549,44 +1476,7 @@
           </a:bodyPr>
           <a:lstStyle/>
           <a:p>
-            <a:r>
-              <a:rPr lang="en-US" dirty="0" smtClean="0"/>
-              <a:t>The standard answer to this question involves intention.</a:t>
-            </a:r>
-          </a:p>
-          <a:p>
-            <a:r>
-              <a:rPr lang="en-US" dirty="0" smtClean="0"/>
-              <a:t>An intention (1) represents</a:t>
-            </a:r>
-            <a:r>
-              <a:rPr lang="en-US" baseline="0" dirty="0" smtClean="0"/>
-              <a:t> an outcome, (2) coordinates the one or several activities which comprise the action; and (3) coordinate these activities in a way that would normally facilitate the outcome’s occurrence.</a:t>
-            </a:r>
-          </a:p>
-          <a:p>
             <a:endParaRPr lang="en-US" baseline="0" dirty="0" smtClean="0"/>
-          </a:p>
-          <a:p>
-            <a:r>
-              <a:rPr lang="en-US" baseline="0" dirty="0" smtClean="0"/>
-              <a:t>What binds particular component actions together into larger purposive actions?  It is the fact that these actions are all parts of plans involving a single intention.</a:t>
-            </a:r>
-          </a:p>
-          <a:p>
-            <a:r>
-              <a:rPr lang="en-US" baseline="0" dirty="0" smtClean="0"/>
-              <a:t>What singles out an actual or possible outcome as one to which the component actions are collectively directed?  It is the fact that this outcome is represented by the intention.</a:t>
-            </a:r>
-          </a:p>
-          <a:p>
-            <a:endParaRPr lang="en-US" baseline="0" dirty="0" smtClean="0"/>
-          </a:p>
-          <a:p>
-            <a:r>
-              <a:rPr lang="en-US" baseline="0" dirty="0" smtClean="0"/>
-              <a:t>So the intention is what binds component actions together into purposive actions and links the action taken as a whole to the outcomes to which they are directed.</a:t>
-            </a:r>
           </a:p>
         </p:txBody>
       </p:sp>
@@ -1713,44 +1603,7 @@
           </a:bodyPr>
           <a:lstStyle/>
           <a:p>
-            <a:r>
-              <a:rPr lang="en-US" dirty="0" smtClean="0"/>
-              <a:t>The standard answer to this question involves intention.</a:t>
-            </a:r>
-          </a:p>
-          <a:p>
-            <a:r>
-              <a:rPr lang="en-US" dirty="0" smtClean="0"/>
-              <a:t>An intention (1) represents</a:t>
-            </a:r>
-            <a:r>
-              <a:rPr lang="en-US" baseline="0" dirty="0" smtClean="0"/>
-              <a:t> an outcome, (2) coordinates the one or several activities which comprise the action; and (3) coordinate these activities in a way that would normally facilitate the outcome’s occurrence.</a:t>
-            </a:r>
-          </a:p>
-          <a:p>
             <a:endParaRPr lang="en-US" baseline="0" dirty="0" smtClean="0"/>
-          </a:p>
-          <a:p>
-            <a:r>
-              <a:rPr lang="en-US" baseline="0" dirty="0" smtClean="0"/>
-              <a:t>What binds particular component actions together into larger purposive actions?  It is the fact that these actions are all parts of plans involving a single intention.</a:t>
-            </a:r>
-          </a:p>
-          <a:p>
-            <a:r>
-              <a:rPr lang="en-US" baseline="0" dirty="0" smtClean="0"/>
-              <a:t>What singles out an actual or possible outcome as one to which the component actions are collectively directed?  It is the fact that this outcome is represented by the intention.</a:t>
-            </a:r>
-          </a:p>
-          <a:p>
-            <a:endParaRPr lang="en-US" baseline="0" dirty="0" smtClean="0"/>
-          </a:p>
-          <a:p>
-            <a:r>
-              <a:rPr lang="en-US" baseline="0" dirty="0" smtClean="0"/>
-              <a:t>So the intention is what binds component actions together into purposive actions and links the action taken as a whole to the outcomes to which they are directed.</a:t>
-            </a:r>
           </a:p>
         </p:txBody>
       </p:sp>
@@ -1877,44 +1730,7 @@
           </a:bodyPr>
           <a:lstStyle/>
           <a:p>
-            <a:r>
-              <a:rPr lang="en-US" dirty="0" smtClean="0"/>
-              <a:t>The standard answer to this question involves intention.</a:t>
-            </a:r>
-          </a:p>
-          <a:p>
-            <a:r>
-              <a:rPr lang="en-US" dirty="0" smtClean="0"/>
-              <a:t>An intention (1) represents</a:t>
-            </a:r>
-            <a:r>
-              <a:rPr lang="en-US" baseline="0" dirty="0" smtClean="0"/>
-              <a:t> an outcome, (2) coordinates the one or several activities which comprise the action; and (3) coordinate these activities in a way that would normally facilitate the outcome’s occurrence.</a:t>
-            </a:r>
-          </a:p>
-          <a:p>
             <a:endParaRPr lang="en-US" baseline="0" dirty="0" smtClean="0"/>
-          </a:p>
-          <a:p>
-            <a:r>
-              <a:rPr lang="en-US" baseline="0" dirty="0" smtClean="0"/>
-              <a:t>What binds particular component actions together into larger purposive actions?  It is the fact that these actions are all parts of plans involving a single intention.</a:t>
-            </a:r>
-          </a:p>
-          <a:p>
-            <a:r>
-              <a:rPr lang="en-US" baseline="0" dirty="0" smtClean="0"/>
-              <a:t>What singles out an actual or possible outcome as one to which the component actions are collectively directed?  It is the fact that this outcome is represented by the intention.</a:t>
-            </a:r>
-          </a:p>
-          <a:p>
-            <a:endParaRPr lang="en-US" baseline="0" dirty="0" smtClean="0"/>
-          </a:p>
-          <a:p>
-            <a:r>
-              <a:rPr lang="en-US" baseline="0" dirty="0" smtClean="0"/>
-              <a:t>So the intention is what binds component actions together into purposive actions and links the action taken as a whole to the outcomes to which they are directed.</a:t>
-            </a:r>
           </a:p>
         </p:txBody>
       </p:sp>
@@ -2041,44 +1857,7 @@
           </a:bodyPr>
           <a:lstStyle/>
           <a:p>
-            <a:r>
-              <a:rPr lang="en-US" dirty="0" smtClean="0"/>
-              <a:t>The standard answer to this question involves intention.</a:t>
-            </a:r>
-          </a:p>
-          <a:p>
-            <a:r>
-              <a:rPr lang="en-US" dirty="0" smtClean="0"/>
-              <a:t>An intention (1) represents</a:t>
-            </a:r>
-            <a:r>
-              <a:rPr lang="en-US" baseline="0" dirty="0" smtClean="0"/>
-              <a:t> an outcome, (2) coordinates the one or several activities which comprise the action; and (3) coordinate these activities in a way that would normally facilitate the outcome’s occurrence.</a:t>
-            </a:r>
-          </a:p>
-          <a:p>
             <a:endParaRPr lang="en-US" baseline="0" dirty="0" smtClean="0"/>
-          </a:p>
-          <a:p>
-            <a:r>
-              <a:rPr lang="en-US" baseline="0" dirty="0" smtClean="0"/>
-              <a:t>What binds particular component actions together into larger purposive actions?  It is the fact that these actions are all parts of plans involving a single intention.</a:t>
-            </a:r>
-          </a:p>
-          <a:p>
-            <a:r>
-              <a:rPr lang="en-US" baseline="0" dirty="0" smtClean="0"/>
-              <a:t>What singles out an actual or possible outcome as one to which the component actions are collectively directed?  It is the fact that this outcome is represented by the intention.</a:t>
-            </a:r>
-          </a:p>
-          <a:p>
-            <a:endParaRPr lang="en-US" baseline="0" dirty="0" smtClean="0"/>
-          </a:p>
-          <a:p>
-            <a:r>
-              <a:rPr lang="en-US" baseline="0" dirty="0" smtClean="0"/>
-              <a:t>So the intention is what binds component actions together into purposive actions and links the action taken as a whole to the outcomes to which they are directed.</a:t>
-            </a:r>
           </a:p>
         </p:txBody>
       </p:sp>
@@ -2205,44 +1984,7 @@
           </a:bodyPr>
           <a:lstStyle/>
           <a:p>
-            <a:r>
-              <a:rPr lang="en-US" dirty="0" smtClean="0"/>
-              <a:t>The standard answer to this question involves intention.</a:t>
-            </a:r>
-          </a:p>
-          <a:p>
-            <a:r>
-              <a:rPr lang="en-US" dirty="0" smtClean="0"/>
-              <a:t>An intention (1) represents</a:t>
-            </a:r>
-            <a:r>
-              <a:rPr lang="en-US" baseline="0" dirty="0" smtClean="0"/>
-              <a:t> an outcome, (2) coordinates the one or several activities which comprise the action; and (3) coordinate these activities in a way that would normally facilitate the outcome’s occurrence.</a:t>
-            </a:r>
-          </a:p>
-          <a:p>
             <a:endParaRPr lang="en-US" baseline="0" dirty="0" smtClean="0"/>
-          </a:p>
-          <a:p>
-            <a:r>
-              <a:rPr lang="en-US" baseline="0" dirty="0" smtClean="0"/>
-              <a:t>What binds particular component actions together into larger purposive actions?  It is the fact that these actions are all parts of plans involving a single intention.</a:t>
-            </a:r>
-          </a:p>
-          <a:p>
-            <a:r>
-              <a:rPr lang="en-US" baseline="0" dirty="0" smtClean="0"/>
-              <a:t>What singles out an actual or possible outcome as one to which the component actions are collectively directed?  It is the fact that this outcome is represented by the intention.</a:t>
-            </a:r>
-          </a:p>
-          <a:p>
-            <a:endParaRPr lang="en-US" baseline="0" dirty="0" smtClean="0"/>
-          </a:p>
-          <a:p>
-            <a:r>
-              <a:rPr lang="en-US" baseline="0" dirty="0" smtClean="0"/>
-              <a:t>So the intention is what binds component actions together into purposive actions and links the action taken as a whole to the outcomes to which they are directed.</a:t>
-            </a:r>
           </a:p>
         </p:txBody>
       </p:sp>
@@ -2369,44 +2111,7 @@
           </a:bodyPr>
           <a:lstStyle/>
           <a:p>
-            <a:r>
-              <a:rPr lang="en-US" dirty="0" smtClean="0"/>
-              <a:t>The standard answer to this question involves intention.</a:t>
-            </a:r>
-          </a:p>
-          <a:p>
-            <a:r>
-              <a:rPr lang="en-US" dirty="0" smtClean="0"/>
-              <a:t>An intention (1) represents</a:t>
-            </a:r>
-            <a:r>
-              <a:rPr lang="en-US" baseline="0" dirty="0" smtClean="0"/>
-              <a:t> an outcome, (2) coordinates the one or several activities which comprise the action; and (3) coordinate these activities in a way that would normally facilitate the outcome’s occurrence.</a:t>
-            </a:r>
-          </a:p>
-          <a:p>
             <a:endParaRPr lang="en-US" baseline="0" dirty="0" smtClean="0"/>
-          </a:p>
-          <a:p>
-            <a:r>
-              <a:rPr lang="en-US" baseline="0" dirty="0" smtClean="0"/>
-              <a:t>What binds particular component actions together into larger purposive actions?  It is the fact that these actions are all parts of plans involving a single intention.</a:t>
-            </a:r>
-          </a:p>
-          <a:p>
-            <a:r>
-              <a:rPr lang="en-US" baseline="0" dirty="0" smtClean="0"/>
-              <a:t>What singles out an actual or possible outcome as one to which the component actions are collectively directed?  It is the fact that this outcome is represented by the intention.</a:t>
-            </a:r>
-          </a:p>
-          <a:p>
-            <a:endParaRPr lang="en-US" baseline="0" dirty="0" smtClean="0"/>
-          </a:p>
-          <a:p>
-            <a:r>
-              <a:rPr lang="en-US" baseline="0" dirty="0" smtClean="0"/>
-              <a:t>So the intention is what binds component actions together into purposive actions and links the action taken as a whole to the outcomes to which they are directed.</a:t>
-            </a:r>
           </a:p>
         </p:txBody>
       </p:sp>
@@ -3861,6 +3566,18 @@
                 <a:tab pos="10058400" algn="l"/>
               </a:tabLst>
             </a:pPr>
+            <a:r>
+              <a:rPr lang="en-US" baseline="0" dirty="0" smtClean="0"/>
+              <a:t>explain general reasoning about characteristic </a:t>
+            </a:r>
+            <a:r>
+              <a:rPr lang="en-US" baseline="0" dirty="0" err="1" smtClean="0"/>
+              <a:t>perormance</a:t>
+            </a:r>
+            <a:r>
+              <a:rPr lang="en-US" baseline="0" dirty="0" smtClean="0"/>
+              <a:t> profile</a:t>
+            </a:r>
             <a:endParaRPr lang="en-US" baseline="0" dirty="0" smtClean="0"/>
           </a:p>
         </p:txBody>
@@ -4290,10 +4007,7 @@
                 <a:tab pos="10058400" algn="l"/>
               </a:tabLst>
             </a:pPr>
-            <a:r>
-              <a:rPr lang="en-US" baseline="0" dirty="0" smtClean="0"/>
-              <a:t>This brings me to the argument ...</a:t>
-            </a:r>
+            <a:endParaRPr lang="en-US" baseline="0" dirty="0" smtClean="0"/>
           </a:p>
         </p:txBody>
       </p:sp>
@@ -4436,7 +4150,10 @@
                 <a:tab pos="10058400" algn="l"/>
               </a:tabLst>
             </a:pPr>
-            <a:endParaRPr lang="en-US" baseline="0" dirty="0" smtClean="0"/>
+            <a:r>
+              <a:rPr lang="en-US" baseline="0" dirty="0" smtClean="0"/>
+              <a:t>This brings me to the argument ...</a:t>
+            </a:r>
           </a:p>
         </p:txBody>
       </p:sp>
@@ -4579,10 +4296,7 @@
                 <a:tab pos="10058400" algn="l"/>
               </a:tabLst>
             </a:pPr>
-            <a:r>
-              <a:rPr lang="en-US" baseline="0" dirty="0" smtClean="0"/>
-              <a:t>This brings me to the argument ...</a:t>
-            </a:r>
+            <a:endParaRPr lang="en-US" baseline="0" dirty="0" smtClean="0"/>
           </a:p>
         </p:txBody>
       </p:sp>
@@ -4912,13 +4626,8 @@
             </a:pPr>
             <a:r>
               <a:rPr lang="en-US" baseline="0" dirty="0" smtClean="0"/>
-              <a:t>This brings me to </a:t>
-            </a:r>
-            <a:r>
-              <a:rPr lang="en-US" baseline="0" smtClean="0"/>
-              <a:t>the argument ...</a:t>
-            </a:r>
-            <a:endParaRPr lang="en-US" baseline="0" dirty="0" smtClean="0"/>
+              <a:t>This brings me to the argument ...</a:t>
+            </a:r>
           </a:p>
         </p:txBody>
       </p:sp>
@@ -5063,104 +4772,13 @@
             </a:pPr>
             <a:r>
               <a:rPr lang="en-US" baseline="0" dirty="0" smtClean="0"/>
-              <a:t>This step is questionable.  I don’t have an argument for this and I’m not sure it isn’t terminological.  </a:t>
-            </a:r>
-          </a:p>
-          <a:p>
-            <a:pPr>
-              <a:tabLst>
-                <a:tab pos="0" algn="l"/>
-                <a:tab pos="914400" algn="l"/>
-                <a:tab pos="1828800" algn="l"/>
-                <a:tab pos="2743200" algn="l"/>
-                <a:tab pos="3657600" algn="l"/>
-                <a:tab pos="4572000" algn="l"/>
-                <a:tab pos="5486400" algn="l"/>
-                <a:tab pos="6400800" algn="l"/>
-                <a:tab pos="7315200" algn="l"/>
-                <a:tab pos="8229600" algn="l"/>
-                <a:tab pos="9144000" algn="l"/>
-                <a:tab pos="10058400" algn="l"/>
-              </a:tabLst>
-            </a:pPr>
-            <a:r>
-              <a:rPr lang="en-US" baseline="0" dirty="0" smtClean="0"/>
-              <a:t>What I care about is that we distinguish attitudes according to the processes in which they feature.</a:t>
-            </a:r>
-          </a:p>
-          <a:p>
-            <a:pPr>
-              <a:tabLst>
-                <a:tab pos="0" algn="l"/>
-                <a:tab pos="914400" algn="l"/>
-                <a:tab pos="1828800" algn="l"/>
-                <a:tab pos="2743200" algn="l"/>
-                <a:tab pos="3657600" algn="l"/>
-                <a:tab pos="4572000" algn="l"/>
-                <a:tab pos="5486400" algn="l"/>
-                <a:tab pos="6400800" algn="l"/>
-                <a:tab pos="7315200" algn="l"/>
-                <a:tab pos="8229600" algn="l"/>
-                <a:tab pos="9144000" algn="l"/>
-                <a:tab pos="10058400" algn="l"/>
-              </a:tabLst>
-            </a:pPr>
-            <a:r>
-              <a:rPr lang="en-US" baseline="0" dirty="0" smtClean="0"/>
-              <a:t>So if you like we could distinguish two kinds of intention, one propositional the other motor.</a:t>
-            </a:r>
-          </a:p>
-          <a:p>
-            <a:pPr>
-              <a:tabLst>
-                <a:tab pos="0" algn="l"/>
-                <a:tab pos="914400" algn="l"/>
-                <a:tab pos="1828800" algn="l"/>
-                <a:tab pos="2743200" algn="l"/>
-                <a:tab pos="3657600" algn="l"/>
-                <a:tab pos="4572000" algn="l"/>
-                <a:tab pos="5486400" algn="l"/>
-                <a:tab pos="6400800" algn="l"/>
-                <a:tab pos="7315200" algn="l"/>
-                <a:tab pos="8229600" algn="l"/>
-                <a:tab pos="9144000" algn="l"/>
-                <a:tab pos="10058400" algn="l"/>
-              </a:tabLst>
-            </a:pPr>
-            <a:r>
-              <a:rPr lang="en-US" baseline="0" dirty="0" smtClean="0"/>
-              <a:t>As long as we distinguish representations of different formats I don’t see that it matters too much whether we call them all intentions or whether we use that term for only some of them.</a:t>
-            </a:r>
-          </a:p>
-          <a:p>
-            <a:pPr>
-              <a:tabLst>
-                <a:tab pos="0" algn="l"/>
-                <a:tab pos="914400" algn="l"/>
-                <a:tab pos="1828800" algn="l"/>
-                <a:tab pos="2743200" algn="l"/>
-                <a:tab pos="3657600" algn="l"/>
-                <a:tab pos="4572000" algn="l"/>
-                <a:tab pos="5486400" algn="l"/>
-                <a:tab pos="6400800" algn="l"/>
-                <a:tab pos="7315200" algn="l"/>
-                <a:tab pos="8229600" algn="l"/>
-                <a:tab pos="9144000" algn="l"/>
-                <a:tab pos="10058400" algn="l"/>
-              </a:tabLst>
-            </a:pPr>
-            <a:r>
-              <a:rPr lang="en-US" baseline="0" dirty="0" smtClean="0"/>
-              <a:t>[*intention in narrow sense and intention in the broad sense (</a:t>
-            </a:r>
-            <a:r>
-              <a:rPr lang="en-US" baseline="0" dirty="0" err="1" smtClean="0"/>
-              <a:t>cf</a:t>
-            </a:r>
-            <a:r>
-              <a:rPr lang="en-US" baseline="0" dirty="0" smtClean="0"/>
-              <a:t> desire); in the broad sense, desires can be intentions and so can instructions.]</a:t>
-            </a:r>
+              <a:t>This brings me to </a:t>
+            </a:r>
+            <a:r>
+              <a:rPr lang="en-US" baseline="0" smtClean="0"/>
+              <a:t>the argument ...</a:t>
+            </a:r>
+            <a:endParaRPr lang="en-US" baseline="0" dirty="0" smtClean="0"/>
           </a:p>
         </p:txBody>
       </p:sp>
@@ -5305,7 +4923,7 @@
             </a:pPr>
             <a:r>
               <a:rPr lang="en-US" baseline="0" dirty="0" smtClean="0"/>
-              <a:t>So where does this leave us?</a:t>
+              <a:t>This step is questionable.  I don’t have an argument for this and I’m not sure it isn’t terminological.  </a:t>
             </a:r>
           </a:p>
           <a:p>
@@ -5327,7 +4945,7 @@
             </a:pPr>
             <a:r>
               <a:rPr lang="en-US" baseline="0" dirty="0" smtClean="0"/>
-              <a:t>The question was whether reciprocal agent-neutral motor intentions could count as shared intentions.</a:t>
+              <a:t>What I care about is that we distinguish attitudes according to the processes in which they feature.</a:t>
             </a:r>
           </a:p>
           <a:p>
@@ -5347,7 +4965,62 @@
                 <a:tab pos="10058400" algn="l"/>
               </a:tabLst>
             </a:pPr>
-            <a:endParaRPr lang="en-US" baseline="0" dirty="0" smtClean="0"/>
+            <a:r>
+              <a:rPr lang="en-US" baseline="0" dirty="0" smtClean="0"/>
+              <a:t>So if you like we could distinguish two kinds of intention, one propositional the other motor.</a:t>
+            </a:r>
+          </a:p>
+          <a:p>
+            <a:pPr>
+              <a:tabLst>
+                <a:tab pos="0" algn="l"/>
+                <a:tab pos="914400" algn="l"/>
+                <a:tab pos="1828800" algn="l"/>
+                <a:tab pos="2743200" algn="l"/>
+                <a:tab pos="3657600" algn="l"/>
+                <a:tab pos="4572000" algn="l"/>
+                <a:tab pos="5486400" algn="l"/>
+                <a:tab pos="6400800" algn="l"/>
+                <a:tab pos="7315200" algn="l"/>
+                <a:tab pos="8229600" algn="l"/>
+                <a:tab pos="9144000" algn="l"/>
+                <a:tab pos="10058400" algn="l"/>
+              </a:tabLst>
+            </a:pPr>
+            <a:r>
+              <a:rPr lang="en-US" baseline="0" dirty="0" smtClean="0"/>
+              <a:t>As long as we distinguish representations of different formats I don’t see that it matters too much whether we call them all intentions or whether we use that term for only some of them.</a:t>
+            </a:r>
+          </a:p>
+          <a:p>
+            <a:pPr>
+              <a:tabLst>
+                <a:tab pos="0" algn="l"/>
+                <a:tab pos="914400" algn="l"/>
+                <a:tab pos="1828800" algn="l"/>
+                <a:tab pos="2743200" algn="l"/>
+                <a:tab pos="3657600" algn="l"/>
+                <a:tab pos="4572000" algn="l"/>
+                <a:tab pos="5486400" algn="l"/>
+                <a:tab pos="6400800" algn="l"/>
+                <a:tab pos="7315200" algn="l"/>
+                <a:tab pos="8229600" algn="l"/>
+                <a:tab pos="9144000" algn="l"/>
+                <a:tab pos="10058400" algn="l"/>
+              </a:tabLst>
+            </a:pPr>
+            <a:r>
+              <a:rPr lang="en-US" baseline="0" dirty="0" smtClean="0"/>
+              <a:t>[*intention in narrow sense and intention in the broad sense (</a:t>
+            </a:r>
+            <a:r>
+              <a:rPr lang="en-US" baseline="0" dirty="0" err="1" smtClean="0"/>
+              <a:t>cf</a:t>
+            </a:r>
+            <a:r>
+              <a:rPr lang="en-US" baseline="0" dirty="0" smtClean="0"/>
+              <a:t> desire); in the broad sense, desires can be intentions and so can instructions.]</a:t>
+            </a:r>
           </a:p>
         </p:txBody>
       </p:sp>
@@ -5474,22 +5147,7 @@
           </a:bodyPr>
           <a:lstStyle/>
           <a:p>
-            <a:pPr marL="0" marR="0" indent="0" algn="l" defTabSz="449263" rtl="0" eaLnBrk="0" fontAlgn="base" latinLnBrk="0" hangingPunct="0">
-              <a:lnSpc>
-                <a:spcPct val="100000"/>
-              </a:lnSpc>
-              <a:spcBef>
-                <a:spcPct val="30000"/>
-              </a:spcBef>
-              <a:spcAft>
-                <a:spcPct val="0"/>
-              </a:spcAft>
-              <a:buClr>
-                <a:srgbClr val="000000"/>
-              </a:buClr>
-              <a:buSzPct val="100000"/>
-              <a:buFont typeface="Times New Roman" charset="0"/>
-              <a:buNone/>
+            <a:pPr>
               <a:tabLst>
                 <a:tab pos="0" algn="l"/>
                 <a:tab pos="914400" algn="l"/>
@@ -5504,7 +5162,50 @@
                 <a:tab pos="9144000" algn="l"/>
                 <a:tab pos="10058400" algn="l"/>
               </a:tabLst>
-              <a:defRPr/>
+            </a:pPr>
+            <a:r>
+              <a:rPr lang="en-US" baseline="0" dirty="0" smtClean="0"/>
+              <a:t>So where does this leave us?</a:t>
+            </a:r>
+          </a:p>
+          <a:p>
+            <a:pPr>
+              <a:tabLst>
+                <a:tab pos="0" algn="l"/>
+                <a:tab pos="914400" algn="l"/>
+                <a:tab pos="1828800" algn="l"/>
+                <a:tab pos="2743200" algn="l"/>
+                <a:tab pos="3657600" algn="l"/>
+                <a:tab pos="4572000" algn="l"/>
+                <a:tab pos="5486400" algn="l"/>
+                <a:tab pos="6400800" algn="l"/>
+                <a:tab pos="7315200" algn="l"/>
+                <a:tab pos="8229600" algn="l"/>
+                <a:tab pos="9144000" algn="l"/>
+                <a:tab pos="10058400" algn="l"/>
+              </a:tabLst>
+            </a:pPr>
+            <a:r>
+              <a:rPr lang="en-US" baseline="0" dirty="0" smtClean="0"/>
+              <a:t>The question was whether reciprocal agent-neutral motor intentions could count as shared intentions.</a:t>
+            </a:r>
+          </a:p>
+          <a:p>
+            <a:pPr>
+              <a:tabLst>
+                <a:tab pos="0" algn="l"/>
+                <a:tab pos="914400" algn="l"/>
+                <a:tab pos="1828800" algn="l"/>
+                <a:tab pos="2743200" algn="l"/>
+                <a:tab pos="3657600" algn="l"/>
+                <a:tab pos="4572000" algn="l"/>
+                <a:tab pos="5486400" algn="l"/>
+                <a:tab pos="6400800" algn="l"/>
+                <a:tab pos="7315200" algn="l"/>
+                <a:tab pos="8229600" algn="l"/>
+                <a:tab pos="9144000" algn="l"/>
+                <a:tab pos="10058400" algn="l"/>
+              </a:tabLst>
             </a:pPr>
             <a:endParaRPr lang="en-US" baseline="0" dirty="0" smtClean="0"/>
           </a:p>
@@ -6460,10 +6161,7 @@
               </a:tabLst>
               <a:defRPr/>
             </a:pPr>
-            <a:r>
-              <a:rPr lang="en-US" baseline="0" dirty="0" smtClean="0"/>
-              <a:t>interface problem arises in the individual case as well as the joint case, of course ...</a:t>
-            </a:r>
+            <a:endParaRPr lang="en-US" baseline="0" dirty="0" smtClean="0"/>
           </a:p>
         </p:txBody>
       </p:sp>
@@ -6733,7 +6431,22 @@
           </a:bodyPr>
           <a:lstStyle/>
           <a:p>
-            <a:pPr>
+            <a:pPr marL="0" marR="0" indent="0" algn="l" defTabSz="449263" rtl="0" eaLnBrk="0" fontAlgn="base" latinLnBrk="0" hangingPunct="0">
+              <a:lnSpc>
+                <a:spcPct val="100000"/>
+              </a:lnSpc>
+              <a:spcBef>
+                <a:spcPct val="30000"/>
+              </a:spcBef>
+              <a:spcAft>
+                <a:spcPct val="0"/>
+              </a:spcAft>
+              <a:buClr>
+                <a:srgbClr val="000000"/>
+              </a:buClr>
+              <a:buSzPct val="100000"/>
+              <a:buFont typeface="Times New Roman" charset="0"/>
+              <a:buNone/>
               <a:tabLst>
                 <a:tab pos="0" algn="l"/>
                 <a:tab pos="914400" algn="l"/>
@@ -6748,10 +6461,11 @@
                 <a:tab pos="9144000" algn="l"/>
                 <a:tab pos="10058400" algn="l"/>
               </a:tabLst>
+              <a:defRPr/>
             </a:pPr>
             <a:r>
               <a:rPr lang="en-US" baseline="0" dirty="0" smtClean="0"/>
-              <a:t>There is a way to make the problem of comparison between representational formats trivial</a:t>
+              <a:t>interface problem arises in the individual case as well as the joint case, of course ...</a:t>
             </a:r>
           </a:p>
         </p:txBody>
@@ -6897,7 +6611,7 @@
             </a:pPr>
             <a:r>
               <a:rPr lang="en-US" baseline="0" dirty="0" smtClean="0"/>
-              <a:t>Suppose one representation involves a demonstrative that refers by deferring to another representation</a:t>
+              <a:t>There is a way to make the problem of comparison between representational formats trivial</a:t>
             </a:r>
           </a:p>
         </p:txBody>
@@ -7043,266 +6757,8 @@
             </a:pPr>
             <a:r>
               <a:rPr lang="en-US" baseline="0" dirty="0" smtClean="0"/>
-              <a:t>Then the comparison doesn’t require translation between formats after all.</a:t>
-            </a:r>
-          </a:p>
-          <a:p>
-            <a:pPr>
-              <a:tabLst>
-                <a:tab pos="0" algn="l"/>
-                <a:tab pos="914400" algn="l"/>
-                <a:tab pos="1828800" algn="l"/>
-                <a:tab pos="2743200" algn="l"/>
-                <a:tab pos="3657600" algn="l"/>
-                <a:tab pos="4572000" algn="l"/>
-                <a:tab pos="5486400" algn="l"/>
-                <a:tab pos="6400800" algn="l"/>
-                <a:tab pos="7315200" algn="l"/>
-                <a:tab pos="8229600" algn="l"/>
-                <a:tab pos="9144000" algn="l"/>
-                <a:tab pos="10058400" algn="l"/>
-              </a:tabLst>
-            </a:pPr>
-            <a:r>
-              <a:rPr lang="en-US" baseline="0" dirty="0" smtClean="0"/>
-              <a:t>Maybe the same can be true for intentions and motor representations.</a:t>
-            </a:r>
-          </a:p>
-          <a:p>
-            <a:pPr>
-              <a:tabLst>
-                <a:tab pos="0" algn="l"/>
-                <a:tab pos="914400" algn="l"/>
-                <a:tab pos="1828800" algn="l"/>
-                <a:tab pos="2743200" algn="l"/>
-                <a:tab pos="3657600" algn="l"/>
-                <a:tab pos="4572000" algn="l"/>
-                <a:tab pos="5486400" algn="l"/>
-                <a:tab pos="6400800" algn="l"/>
-                <a:tab pos="7315200" algn="l"/>
-                <a:tab pos="8229600" algn="l"/>
-                <a:tab pos="9144000" algn="l"/>
-                <a:tab pos="10058400" algn="l"/>
-              </a:tabLst>
-            </a:pPr>
-            <a:r>
-              <a:rPr lang="en-US" baseline="0" dirty="0" smtClean="0"/>
-              <a:t>Maybe intentions can involve demonstrative concepts which refer to actions by deferring to motor representations?</a:t>
-            </a:r>
-          </a:p>
-          <a:p>
-            <a:pPr>
-              <a:tabLst>
-                <a:tab pos="0" algn="l"/>
-                <a:tab pos="914400" algn="l"/>
-                <a:tab pos="1828800" algn="l"/>
-                <a:tab pos="2743200" algn="l"/>
-                <a:tab pos="3657600" algn="l"/>
-                <a:tab pos="4572000" algn="l"/>
-                <a:tab pos="5486400" algn="l"/>
-                <a:tab pos="6400800" algn="l"/>
-                <a:tab pos="7315200" algn="l"/>
-                <a:tab pos="8229600" algn="l"/>
-                <a:tab pos="9144000" algn="l"/>
-                <a:tab pos="10058400" algn="l"/>
-              </a:tabLst>
-            </a:pPr>
-            <a:endParaRPr lang="en-US" baseline="0" dirty="0" smtClean="0"/>
-          </a:p>
-          <a:p>
-            <a:pPr>
-              <a:tabLst>
-                <a:tab pos="0" algn="l"/>
-                <a:tab pos="914400" algn="l"/>
-                <a:tab pos="1828800" algn="l"/>
-                <a:tab pos="2743200" algn="l"/>
-                <a:tab pos="3657600" algn="l"/>
-                <a:tab pos="4572000" algn="l"/>
-                <a:tab pos="5486400" algn="l"/>
-                <a:tab pos="6400800" algn="l"/>
-                <a:tab pos="7315200" algn="l"/>
-                <a:tab pos="8229600" algn="l"/>
-                <a:tab pos="9144000" algn="l"/>
-                <a:tab pos="10058400" algn="l"/>
-              </a:tabLst>
-            </a:pPr>
-            <a:r>
-              <a:rPr lang="en-US" baseline="0" dirty="0" smtClean="0"/>
-              <a:t>[*cut:</a:t>
-            </a:r>
-          </a:p>
-          <a:p>
-            <a:pPr>
-              <a:tabLst>
-                <a:tab pos="0" algn="l"/>
-                <a:tab pos="914400" algn="l"/>
-                <a:tab pos="1828800" algn="l"/>
-                <a:tab pos="2743200" algn="l"/>
-                <a:tab pos="3657600" algn="l"/>
-                <a:tab pos="4572000" algn="l"/>
-                <a:tab pos="5486400" algn="l"/>
-                <a:tab pos="6400800" algn="l"/>
-                <a:tab pos="7315200" algn="l"/>
-                <a:tab pos="8229600" algn="l"/>
-                <a:tab pos="9144000" algn="l"/>
-                <a:tab pos="10058400" algn="l"/>
-              </a:tabLst>
-            </a:pPr>
-            <a:r>
-              <a:rPr lang="en-US" baseline="0" dirty="0" smtClean="0"/>
-              <a:t>Set that aside, suppose it can be solved --- essentially because MR must give rise to experience of action.</a:t>
-            </a:r>
-          </a:p>
-          <a:p>
-            <a:pPr>
-              <a:tabLst>
-                <a:tab pos="0" algn="l"/>
-                <a:tab pos="914400" algn="l"/>
-                <a:tab pos="1828800" algn="l"/>
-                <a:tab pos="2743200" algn="l"/>
-                <a:tab pos="3657600" algn="l"/>
-                <a:tab pos="4572000" algn="l"/>
-                <a:tab pos="5486400" algn="l"/>
-                <a:tab pos="6400800" algn="l"/>
-                <a:tab pos="7315200" algn="l"/>
-                <a:tab pos="8229600" algn="l"/>
-                <a:tab pos="9144000" algn="l"/>
-                <a:tab pos="10058400" algn="l"/>
-              </a:tabLst>
-            </a:pPr>
-            <a:r>
-              <a:rPr lang="en-US" baseline="0" dirty="0" smtClean="0"/>
-              <a:t>On this view, it is demonstrative deference to motor representation that connects intentions to bodily movements.</a:t>
-            </a:r>
-          </a:p>
-          <a:p>
-            <a:r>
-              <a:rPr lang="en-US" sz="1200" kern="1200" dirty="0" smtClean="0">
-                <a:solidFill>
-                  <a:srgbClr val="000000"/>
-                </a:solidFill>
-                <a:latin typeface="Times New Roman" charset="0"/>
-                <a:ea typeface="+mn-ea"/>
-                <a:cs typeface="+mn-cs"/>
-              </a:rPr>
-              <a:t>Only by </a:t>
-            </a:r>
-            <a:r>
-              <a:rPr lang="en-US" sz="1200" kern="1200" dirty="0" err="1" smtClean="0">
-                <a:solidFill>
-                  <a:srgbClr val="000000"/>
-                </a:solidFill>
-                <a:latin typeface="Times New Roman" charset="0"/>
-                <a:ea typeface="+mn-ea"/>
-                <a:cs typeface="+mn-cs"/>
-              </a:rPr>
-              <a:t>recognising</a:t>
-            </a:r>
-            <a:r>
-              <a:rPr lang="en-US" sz="1200" kern="1200" dirty="0" smtClean="0">
-                <a:solidFill>
-                  <a:srgbClr val="000000"/>
-                </a:solidFill>
-                <a:latin typeface="Times New Roman" charset="0"/>
-                <a:ea typeface="+mn-ea"/>
-                <a:cs typeface="+mn-cs"/>
-              </a:rPr>
-              <a:t> how intentions interlock with motor representations can we hope to understand how our intentions ever make a difference to the world</a:t>
-            </a:r>
-            <a:r>
-              <a:rPr lang="en-US" sz="1200" kern="1200" baseline="0" dirty="0" smtClean="0">
-                <a:solidFill>
-                  <a:srgbClr val="000000"/>
-                </a:solidFill>
-                <a:latin typeface="Times New Roman" charset="0"/>
-                <a:ea typeface="+mn-ea"/>
-                <a:cs typeface="+mn-cs"/>
-              </a:rPr>
-              <a:t> </a:t>
-            </a:r>
-            <a:r>
-              <a:rPr lang="en-US" sz="1200" kern="1200" dirty="0" smtClean="0">
-                <a:solidFill>
-                  <a:srgbClr val="000000"/>
-                </a:solidFill>
-                <a:latin typeface="Times New Roman" charset="0"/>
-                <a:ea typeface="+mn-ea"/>
-                <a:cs typeface="+mn-cs"/>
-              </a:rPr>
-              <a:t>around us. </a:t>
-            </a:r>
-          </a:p>
-          <a:p>
-            <a:r>
-              <a:rPr lang="en-US" sz="1200" kern="1200" dirty="0" smtClean="0">
-                <a:solidFill>
-                  <a:srgbClr val="000000"/>
-                </a:solidFill>
-                <a:latin typeface="Times New Roman" charset="0"/>
-                <a:ea typeface="+mn-ea"/>
-                <a:cs typeface="+mn-cs"/>
-              </a:rPr>
-              <a:t>On this view experience of action plays a novel role. </a:t>
-            </a:r>
-          </a:p>
-          <a:p>
-            <a:r>
-              <a:rPr lang="en-US" sz="1200" kern="1200" dirty="0" smtClean="0">
-                <a:solidFill>
-                  <a:srgbClr val="000000"/>
-                </a:solidFill>
-                <a:latin typeface="Times New Roman" charset="0"/>
-                <a:ea typeface="+mn-ea"/>
-                <a:cs typeface="+mn-cs"/>
-              </a:rPr>
-              <a:t>Action experiences in which motor representations feature, such as those associated with motor imagery and those associated with really acting, are arguably necessary for there to be concepts which are constituents of intentions and refer to actions by deferring to motor representations. </a:t>
-            </a:r>
-          </a:p>
-          <a:p>
-            <a:r>
-              <a:rPr lang="en-US" sz="1200" kern="1200" dirty="0" smtClean="0">
-                <a:solidFill>
-                  <a:srgbClr val="000000"/>
-                </a:solidFill>
-                <a:latin typeface="Times New Roman" charset="0"/>
-                <a:ea typeface="+mn-ea"/>
-                <a:cs typeface="+mn-cs"/>
-              </a:rPr>
-              <a:t>But if, as we conjecture, such deference is necessary for intentions to properly and reliably result in bodily movements, it may turn out that intentionally acting in the world de- pends on action experiences featuring motor representation. </a:t>
-            </a:r>
-          </a:p>
-          <a:p>
-            <a:r>
-              <a:rPr lang="en-US" sz="1200" kern="1200" dirty="0" smtClean="0">
-                <a:solidFill>
-                  <a:srgbClr val="000000"/>
-                </a:solidFill>
-                <a:latin typeface="Times New Roman" charset="0"/>
-                <a:ea typeface="+mn-ea"/>
-                <a:cs typeface="+mn-cs"/>
-              </a:rPr>
-              <a:t>Much as on some views thought about objects depends on perceptual experience (e.g. Campbell 2002), so also intending actions may depend on motor experience.</a:t>
-            </a:r>
-            <a:endParaRPr lang="en-US" baseline="0" dirty="0" smtClean="0"/>
-          </a:p>
-          <a:p>
-            <a:pPr>
-              <a:tabLst>
-                <a:tab pos="0" algn="l"/>
-                <a:tab pos="914400" algn="l"/>
-                <a:tab pos="1828800" algn="l"/>
-                <a:tab pos="2743200" algn="l"/>
-                <a:tab pos="3657600" algn="l"/>
-                <a:tab pos="4572000" algn="l"/>
-                <a:tab pos="5486400" algn="l"/>
-                <a:tab pos="6400800" algn="l"/>
-                <a:tab pos="7315200" algn="l"/>
-                <a:tab pos="8229600" algn="l"/>
-                <a:tab pos="9144000" algn="l"/>
-                <a:tab pos="10058400" algn="l"/>
-              </a:tabLst>
-            </a:pPr>
-            <a:endParaRPr lang="en-US" baseline="0" dirty="0" smtClean="0"/>
+              <a:t>Suppose one representation involves a demonstrative that refers by deferring to another representation</a:t>
+            </a:r>
           </a:p>
         </p:txBody>
       </p:sp>
@@ -7447,7 +6903,7 @@
             </a:pPr>
             <a:r>
               <a:rPr lang="en-US" baseline="0" dirty="0" smtClean="0"/>
-              <a:t>But we can’t point to motor representations like we can point to maps!</a:t>
+              <a:t>Then the comparison doesn’t require translation between formats after all.</a:t>
             </a:r>
           </a:p>
           <a:p>
@@ -7469,7 +6925,7 @@
             </a:pPr>
             <a:r>
               <a:rPr lang="en-US" baseline="0" dirty="0" smtClean="0"/>
-              <a:t>What we need for reference by deference to a motor representation is experience of motor action.</a:t>
+              <a:t>Maybe the same can be true for intentions and motor representations.</a:t>
             </a:r>
           </a:p>
           <a:p>
@@ -7491,7 +6947,7 @@
             </a:pPr>
             <a:r>
               <a:rPr lang="en-US" baseline="0" dirty="0" smtClean="0"/>
-              <a:t>And if you think about motor imagination it seems quite plausible that we do have such experiences.</a:t>
+              <a:t>Maybe intentions can involve demonstrative concepts which refer to actions by deferring to motor representations?</a:t>
             </a:r>
           </a:p>
           <a:p>
@@ -7511,10 +6967,7 @@
                 <a:tab pos="10058400" algn="l"/>
               </a:tabLst>
             </a:pPr>
-            <a:r>
-              <a:rPr lang="en-US" baseline="0" dirty="0" smtClean="0"/>
-              <a:t>So here’s the thought:</a:t>
-            </a:r>
+            <a:endParaRPr lang="en-US" baseline="0" dirty="0" smtClean="0"/>
           </a:p>
           <a:p>
             <a:pPr>
@@ -7535,7 +6988,7 @@
             </a:pPr>
             <a:r>
               <a:rPr lang="en-US" baseline="0" dirty="0" smtClean="0"/>
-              <a:t>There are no direct inferential connections between intentions and motor representations.</a:t>
+              <a:t>[*cut:</a:t>
             </a:r>
           </a:p>
           <a:p>
@@ -7557,7 +7010,7 @@
             </a:pPr>
             <a:r>
               <a:rPr lang="en-US" baseline="0" dirty="0" smtClean="0"/>
-              <a:t>Harmony is ensured by the fact that where an intention involves a bodily movement, either executing that intention involves forming a further intention or else the intention involves a demonstrative that refers to an action by deferring to a motor representation.</a:t>
+              <a:t>Set that aside, suppose it can be solved --- essentially because MR must give rise to experience of action.</a:t>
             </a:r>
           </a:p>
           <a:p>
@@ -7579,34 +7032,8 @@
             </a:pPr>
             <a:r>
               <a:rPr lang="en-US" baseline="0" dirty="0" smtClean="0"/>
-              <a:t>So what connects intentions to motor representations---what connects the reflective to the pre-reflective---is the use of demonstratives, and this depends on experience of motor action.</a:t>
-            </a:r>
-          </a:p>
-          <a:p>
-            <a:pPr>
-              <a:tabLst>
-                <a:tab pos="0" algn="l"/>
-                <a:tab pos="914400" algn="l"/>
-                <a:tab pos="1828800" algn="l"/>
-                <a:tab pos="2743200" algn="l"/>
-                <a:tab pos="3657600" algn="l"/>
-                <a:tab pos="4572000" algn="l"/>
-                <a:tab pos="5486400" algn="l"/>
-                <a:tab pos="6400800" algn="l"/>
-                <a:tab pos="7315200" algn="l"/>
-                <a:tab pos="8229600" algn="l"/>
-                <a:tab pos="9144000" algn="l"/>
-                <a:tab pos="10058400" algn="l"/>
-              </a:tabLst>
-            </a:pPr>
-            <a:endParaRPr lang="en-US" sz="1200" kern="1200" dirty="0" smtClean="0">
-              <a:solidFill>
-                <a:srgbClr val="000000"/>
-              </a:solidFill>
-              <a:latin typeface="Times New Roman" charset="0"/>
-              <a:ea typeface="+mn-ea"/>
-              <a:cs typeface="+mn-cs"/>
-            </a:endParaRPr>
+              <a:t>On this view, it is demonstrative deference to motor representation that connects intentions to bodily movements.</a:t>
+            </a:r>
           </a:p>
           <a:p>
             <a:r>
@@ -7618,7 +7045,29 @@
                 <a:ea typeface="+mn-ea"/>
                 <a:cs typeface="+mn-cs"/>
               </a:rPr>
-              <a:t>Much as on some views all thought about objects ultimately</a:t>
+              <a:t>Only by </a:t>
+            </a:r>
+            <a:r>
+              <a:rPr lang="en-US" sz="1200" kern="1200" dirty="0" err="1" smtClean="0">
+                <a:solidFill>
+                  <a:srgbClr val="000000"/>
+                </a:solidFill>
+                <a:latin typeface="Times New Roman" charset="0"/>
+                <a:ea typeface="+mn-ea"/>
+                <a:cs typeface="+mn-cs"/>
+              </a:rPr>
+              <a:t>recognising</a:t>
+            </a:r>
+            <a:r>
+              <a:rPr lang="en-US" sz="1200" kern="1200" dirty="0" smtClean="0">
+                <a:solidFill>
+                  <a:srgbClr val="000000"/>
+                </a:solidFill>
+                <a:latin typeface="Times New Roman" charset="0"/>
+                <a:ea typeface="+mn-ea"/>
+                <a:cs typeface="+mn-cs"/>
+              </a:rPr>
+              <a:t> how intentions interlock with motor representations can we hope to understand how our intentions ever make a difference to the world</a:t>
             </a:r>
             <a:r>
               <a:rPr lang="en-US" sz="1200" kern="1200" baseline="0" dirty="0" smtClean="0">
@@ -7640,12 +7089,12 @@
                 <a:ea typeface="+mn-ea"/>
                 <a:cs typeface="+mn-cs"/>
               </a:rPr>
-              <a:t>depends on perceptual experience (e.g. Campbell 2002), so also intending bodily actions may ultimately depend on motor experience.</a:t>
-            </a:r>
-          </a:p>
-          <a:p>
-            <a:r>
-              <a:rPr lang="en-US" sz="1200" kern="1200" baseline="0" dirty="0" smtClean="0">
+              <a:t>around us. </a:t>
+            </a:r>
+          </a:p>
+          <a:p>
+            <a:r>
+              <a:rPr lang="en-US" sz="1200" kern="1200" dirty="0" smtClean="0">
                 <a:solidFill>
                   <a:srgbClr val="000000"/>
                 </a:solidFill>
@@ -7653,7 +7102,46 @@
                 <a:ea typeface="+mn-ea"/>
                 <a:cs typeface="+mn-cs"/>
               </a:rPr>
-              <a:t>Experience anchors the reflective in the pre-reflective.</a:t>
+              <a:t>On this view experience of action plays a novel role. </a:t>
+            </a:r>
+          </a:p>
+          <a:p>
+            <a:r>
+              <a:rPr lang="en-US" sz="1200" kern="1200" dirty="0" smtClean="0">
+                <a:solidFill>
+                  <a:srgbClr val="000000"/>
+                </a:solidFill>
+                <a:latin typeface="Times New Roman" charset="0"/>
+                <a:ea typeface="+mn-ea"/>
+                <a:cs typeface="+mn-cs"/>
+              </a:rPr>
+              <a:t>Action experiences in which motor representations feature, such as those associated with motor imagery and those associated with really acting, are arguably necessary for there to be concepts which are constituents of intentions and refer to actions by deferring to motor representations. </a:t>
+            </a:r>
+          </a:p>
+          <a:p>
+            <a:r>
+              <a:rPr lang="en-US" sz="1200" kern="1200" dirty="0" smtClean="0">
+                <a:solidFill>
+                  <a:srgbClr val="000000"/>
+                </a:solidFill>
+                <a:latin typeface="Times New Roman" charset="0"/>
+                <a:ea typeface="+mn-ea"/>
+                <a:cs typeface="+mn-cs"/>
+              </a:rPr>
+              <a:t>But if, as we conjecture, such deference is necessary for intentions to properly and reliably result in bodily movements, it may turn out that intentionally acting in the world de- pends on action experiences featuring motor representation. </a:t>
+            </a:r>
+          </a:p>
+          <a:p>
+            <a:r>
+              <a:rPr lang="en-US" sz="1200" kern="1200" dirty="0" smtClean="0">
+                <a:solidFill>
+                  <a:srgbClr val="000000"/>
+                </a:solidFill>
+                <a:latin typeface="Times New Roman" charset="0"/>
+                <a:ea typeface="+mn-ea"/>
+                <a:cs typeface="+mn-cs"/>
+              </a:rPr>
+              <a:t>Much as on some views thought about objects depends on perceptual experience (e.g. Campbell 2002), so also intending actions may depend on motor experience.</a:t>
             </a:r>
             <a:endParaRPr lang="en-US" baseline="0" dirty="0" smtClean="0"/>
           </a:p>
@@ -8105,7 +7593,7 @@
               <a:pPr/>
               <a:t>45</a:t>
             </a:fld>
-            <a:endParaRPr lang="en-GB" dirty="0"/>
+            <a:endParaRPr lang="en-GB"/>
           </a:p>
         </p:txBody>
       </p:sp>
@@ -8173,132 +7661,252 @@
           </a:bodyPr>
           <a:lstStyle/>
           <a:p>
-            <a:pPr marL="0" marR="0" indent="0" algn="l" defTabSz="449263" rtl="0" eaLnBrk="0" fontAlgn="base" latinLnBrk="0" hangingPunct="0">
-              <a:lnSpc>
-                <a:spcPct val="100000"/>
-              </a:lnSpc>
-              <a:spcBef>
-                <a:spcPct val="30000"/>
-              </a:spcBef>
-              <a:spcAft>
-                <a:spcPct val="0"/>
-              </a:spcAft>
-              <a:buClr>
+            <a:pPr>
+              <a:tabLst>
+                <a:tab pos="0" algn="l"/>
+                <a:tab pos="914400" algn="l"/>
+                <a:tab pos="1828800" algn="l"/>
+                <a:tab pos="2743200" algn="l"/>
+                <a:tab pos="3657600" algn="l"/>
+                <a:tab pos="4572000" algn="l"/>
+                <a:tab pos="5486400" algn="l"/>
+                <a:tab pos="6400800" algn="l"/>
+                <a:tab pos="7315200" algn="l"/>
+                <a:tab pos="8229600" algn="l"/>
+                <a:tab pos="9144000" algn="l"/>
+                <a:tab pos="10058400" algn="l"/>
+              </a:tabLst>
+            </a:pPr>
+            <a:r>
+              <a:rPr lang="en-US" baseline="0" dirty="0" smtClean="0"/>
+              <a:t>But we can’t point to motor representations like we can point to maps!</a:t>
+            </a:r>
+          </a:p>
+          <a:p>
+            <a:pPr>
+              <a:tabLst>
+                <a:tab pos="0" algn="l"/>
+                <a:tab pos="914400" algn="l"/>
+                <a:tab pos="1828800" algn="l"/>
+                <a:tab pos="2743200" algn="l"/>
+                <a:tab pos="3657600" algn="l"/>
+                <a:tab pos="4572000" algn="l"/>
+                <a:tab pos="5486400" algn="l"/>
+                <a:tab pos="6400800" algn="l"/>
+                <a:tab pos="7315200" algn="l"/>
+                <a:tab pos="8229600" algn="l"/>
+                <a:tab pos="9144000" algn="l"/>
+                <a:tab pos="10058400" algn="l"/>
+              </a:tabLst>
+            </a:pPr>
+            <a:r>
+              <a:rPr lang="en-US" baseline="0" dirty="0" smtClean="0"/>
+              <a:t>What we need for reference by deference to a motor representation is experience of motor action.</a:t>
+            </a:r>
+          </a:p>
+          <a:p>
+            <a:pPr>
+              <a:tabLst>
+                <a:tab pos="0" algn="l"/>
+                <a:tab pos="914400" algn="l"/>
+                <a:tab pos="1828800" algn="l"/>
+                <a:tab pos="2743200" algn="l"/>
+                <a:tab pos="3657600" algn="l"/>
+                <a:tab pos="4572000" algn="l"/>
+                <a:tab pos="5486400" algn="l"/>
+                <a:tab pos="6400800" algn="l"/>
+                <a:tab pos="7315200" algn="l"/>
+                <a:tab pos="8229600" algn="l"/>
+                <a:tab pos="9144000" algn="l"/>
+                <a:tab pos="10058400" algn="l"/>
+              </a:tabLst>
+            </a:pPr>
+            <a:r>
+              <a:rPr lang="en-US" baseline="0" dirty="0" smtClean="0"/>
+              <a:t>And if you think about motor imagination it seems quite plausible that we do have such experiences.</a:t>
+            </a:r>
+          </a:p>
+          <a:p>
+            <a:pPr>
+              <a:tabLst>
+                <a:tab pos="0" algn="l"/>
+                <a:tab pos="914400" algn="l"/>
+                <a:tab pos="1828800" algn="l"/>
+                <a:tab pos="2743200" algn="l"/>
+                <a:tab pos="3657600" algn="l"/>
+                <a:tab pos="4572000" algn="l"/>
+                <a:tab pos="5486400" algn="l"/>
+                <a:tab pos="6400800" algn="l"/>
+                <a:tab pos="7315200" algn="l"/>
+                <a:tab pos="8229600" algn="l"/>
+                <a:tab pos="9144000" algn="l"/>
+                <a:tab pos="10058400" algn="l"/>
+              </a:tabLst>
+            </a:pPr>
+            <a:r>
+              <a:rPr lang="en-US" baseline="0" dirty="0" smtClean="0"/>
+              <a:t>So here’s the thought:</a:t>
+            </a:r>
+          </a:p>
+          <a:p>
+            <a:pPr>
+              <a:tabLst>
+                <a:tab pos="0" algn="l"/>
+                <a:tab pos="914400" algn="l"/>
+                <a:tab pos="1828800" algn="l"/>
+                <a:tab pos="2743200" algn="l"/>
+                <a:tab pos="3657600" algn="l"/>
+                <a:tab pos="4572000" algn="l"/>
+                <a:tab pos="5486400" algn="l"/>
+                <a:tab pos="6400800" algn="l"/>
+                <a:tab pos="7315200" algn="l"/>
+                <a:tab pos="8229600" algn="l"/>
+                <a:tab pos="9144000" algn="l"/>
+                <a:tab pos="10058400" algn="l"/>
+              </a:tabLst>
+            </a:pPr>
+            <a:r>
+              <a:rPr lang="en-US" baseline="0" dirty="0" smtClean="0"/>
+              <a:t>There are no direct inferential connections between intentions and motor representations.</a:t>
+            </a:r>
+          </a:p>
+          <a:p>
+            <a:pPr>
+              <a:tabLst>
+                <a:tab pos="0" algn="l"/>
+                <a:tab pos="914400" algn="l"/>
+                <a:tab pos="1828800" algn="l"/>
+                <a:tab pos="2743200" algn="l"/>
+                <a:tab pos="3657600" algn="l"/>
+                <a:tab pos="4572000" algn="l"/>
+                <a:tab pos="5486400" algn="l"/>
+                <a:tab pos="6400800" algn="l"/>
+                <a:tab pos="7315200" algn="l"/>
+                <a:tab pos="8229600" algn="l"/>
+                <a:tab pos="9144000" algn="l"/>
+                <a:tab pos="10058400" algn="l"/>
+              </a:tabLst>
+            </a:pPr>
+            <a:r>
+              <a:rPr lang="en-US" baseline="0" dirty="0" smtClean="0"/>
+              <a:t>Harmony is ensured by the fact that where an intention involves a bodily movement, either executing that intention involves forming a further intention or else the intention involves a demonstrative that refers to an action by deferring to a motor representation.</a:t>
+            </a:r>
+          </a:p>
+          <a:p>
+            <a:pPr>
+              <a:tabLst>
+                <a:tab pos="0" algn="l"/>
+                <a:tab pos="914400" algn="l"/>
+                <a:tab pos="1828800" algn="l"/>
+                <a:tab pos="2743200" algn="l"/>
+                <a:tab pos="3657600" algn="l"/>
+                <a:tab pos="4572000" algn="l"/>
+                <a:tab pos="5486400" algn="l"/>
+                <a:tab pos="6400800" algn="l"/>
+                <a:tab pos="7315200" algn="l"/>
+                <a:tab pos="8229600" algn="l"/>
+                <a:tab pos="9144000" algn="l"/>
+                <a:tab pos="10058400" algn="l"/>
+              </a:tabLst>
+            </a:pPr>
+            <a:r>
+              <a:rPr lang="en-US" baseline="0" dirty="0" smtClean="0"/>
+              <a:t>So what connects intentions to motor representations---what connects the reflective to the pre-reflective---is the use of demonstratives, and this depends on experience of motor action.</a:t>
+            </a:r>
+          </a:p>
+          <a:p>
+            <a:pPr>
+              <a:tabLst>
+                <a:tab pos="0" algn="l"/>
+                <a:tab pos="914400" algn="l"/>
+                <a:tab pos="1828800" algn="l"/>
+                <a:tab pos="2743200" algn="l"/>
+                <a:tab pos="3657600" algn="l"/>
+                <a:tab pos="4572000" algn="l"/>
+                <a:tab pos="5486400" algn="l"/>
+                <a:tab pos="6400800" algn="l"/>
+                <a:tab pos="7315200" algn="l"/>
+                <a:tab pos="8229600" algn="l"/>
+                <a:tab pos="9144000" algn="l"/>
+                <a:tab pos="10058400" algn="l"/>
+              </a:tabLst>
+            </a:pPr>
+            <a:endParaRPr lang="en-US" sz="1200" kern="1200" dirty="0" smtClean="0">
+              <a:solidFill>
                 <a:srgbClr val="000000"/>
-              </a:buClr>
-              <a:buSzPct val="100000"/>
-              <a:buFont typeface="Times New Roman" charset="0"/>
-              <a:buNone/>
-              <a:tabLst/>
-              <a:defRPr/>
-            </a:pPr>
-            <a:r>
-              <a:rPr lang="en-US" baseline="0" dirty="0" smtClean="0"/>
-              <a:t>Motor representations are involved in this kind of planning ...</a:t>
-            </a:r>
-          </a:p>
-          <a:p>
-            <a:pPr marL="0" marR="0" indent="0" algn="l" defTabSz="449263" rtl="0" eaLnBrk="0" fontAlgn="base" latinLnBrk="0" hangingPunct="0">
-              <a:lnSpc>
-                <a:spcPct val="100000"/>
-              </a:lnSpc>
-              <a:spcBef>
-                <a:spcPct val="30000"/>
-              </a:spcBef>
-              <a:spcAft>
-                <a:spcPct val="0"/>
-              </a:spcAft>
-              <a:buClr>
-                <a:srgbClr val="000000"/>
-              </a:buClr>
-              <a:buSzPct val="100000"/>
-              <a:buFont typeface="Times New Roman" charset="0"/>
-              <a:buNone/>
-              <a:tabLst/>
-              <a:defRPr/>
+              </a:solidFill>
+              <a:latin typeface="Times New Roman" charset="0"/>
+              <a:ea typeface="+mn-ea"/>
+              <a:cs typeface="+mn-cs"/>
+            </a:endParaRPr>
+          </a:p>
+          <a:p>
+            <a:r>
+              <a:rPr lang="en-US" sz="1200" kern="1200" dirty="0" smtClean="0">
+                <a:solidFill>
+                  <a:srgbClr val="000000"/>
+                </a:solidFill>
+                <a:latin typeface="Times New Roman" charset="0"/>
+                <a:ea typeface="+mn-ea"/>
+                <a:cs typeface="+mn-cs"/>
+              </a:rPr>
+              <a:t>Much as on some views all thought about objects ultimately</a:t>
+            </a:r>
+            <a:r>
+              <a:rPr lang="en-US" sz="1200" kern="1200" baseline="0" dirty="0" smtClean="0">
+                <a:solidFill>
+                  <a:srgbClr val="000000"/>
+                </a:solidFill>
+                <a:latin typeface="Times New Roman" charset="0"/>
+                <a:ea typeface="+mn-ea"/>
+                <a:cs typeface="+mn-cs"/>
+              </a:rPr>
+              <a:t> </a:t>
+            </a:r>
+            <a:r>
+              <a:rPr lang="en-US" sz="1200" kern="1200" dirty="0" smtClean="0">
+                <a:solidFill>
+                  <a:srgbClr val="000000"/>
+                </a:solidFill>
+                <a:latin typeface="Times New Roman" charset="0"/>
+                <a:ea typeface="+mn-ea"/>
+                <a:cs typeface="+mn-cs"/>
+              </a:rPr>
+              <a:t>depends on perceptual experience (e.g. Campbell 2002), so also intending bodily actions may ultimately depend on motor experience.</a:t>
+            </a:r>
+          </a:p>
+          <a:p>
+            <a:r>
+              <a:rPr lang="en-US" sz="1200" kern="1200" baseline="0" dirty="0" smtClean="0">
+                <a:solidFill>
+                  <a:srgbClr val="000000"/>
+                </a:solidFill>
+                <a:latin typeface="Times New Roman" charset="0"/>
+                <a:ea typeface="+mn-ea"/>
+                <a:cs typeface="+mn-cs"/>
+              </a:rPr>
+              <a:t>Experience anchors the reflective in the pre-reflective.</a:t>
+            </a:r>
+            <a:endParaRPr lang="en-US" baseline="0" dirty="0" smtClean="0"/>
+          </a:p>
+          <a:p>
+            <a:pPr>
+              <a:tabLst>
+                <a:tab pos="0" algn="l"/>
+                <a:tab pos="914400" algn="l"/>
+                <a:tab pos="1828800" algn="l"/>
+                <a:tab pos="2743200" algn="l"/>
+                <a:tab pos="3657600" algn="l"/>
+                <a:tab pos="4572000" algn="l"/>
+                <a:tab pos="5486400" algn="l"/>
+                <a:tab pos="6400800" algn="l"/>
+                <a:tab pos="7315200" algn="l"/>
+                <a:tab pos="8229600" algn="l"/>
+                <a:tab pos="9144000" algn="l"/>
+                <a:tab pos="10058400" algn="l"/>
+              </a:tabLst>
             </a:pPr>
             <a:endParaRPr lang="en-US" baseline="0" dirty="0" smtClean="0"/>
-          </a:p>
-          <a:p>
-            <a:pPr marL="0" marR="0" indent="0" algn="l" defTabSz="449263" rtl="0" eaLnBrk="0" fontAlgn="base" latinLnBrk="0" hangingPunct="0">
-              <a:lnSpc>
-                <a:spcPct val="100000"/>
-              </a:lnSpc>
-              <a:spcBef>
-                <a:spcPct val="30000"/>
-              </a:spcBef>
-              <a:spcAft>
-                <a:spcPct val="0"/>
-              </a:spcAft>
-              <a:buClr>
-                <a:srgbClr val="000000"/>
-              </a:buClr>
-              <a:buSzPct val="100000"/>
-              <a:buFont typeface="Times New Roman" charset="0"/>
-              <a:buNone/>
-              <a:tabLst/>
-              <a:defRPr/>
-            </a:pPr>
-            <a:r>
-              <a:rPr lang="en-US" baseline="0" dirty="0" smtClean="0"/>
-              <a:t>[Motor representations enable quite sophisticated planning over short periods of time and sequences of action; for example, how you grasp a pointer will depend on what you are about to do with it \</a:t>
-            </a:r>
-            <a:r>
-              <a:rPr lang="en-US" baseline="0" dirty="0" err="1" smtClean="0"/>
-              <a:t>citep</a:t>
-            </a:r>
-            <a:r>
-              <a:rPr lang="en-US" baseline="0" dirty="0" smtClean="0"/>
-              <a:t>{zhang:2007_planning}.</a:t>
-            </a:r>
-          </a:p>
-          <a:p>
-            <a:pPr marL="0" marR="0" indent="0" algn="l" defTabSz="449263" rtl="0" eaLnBrk="0" fontAlgn="base" latinLnBrk="0" hangingPunct="0">
-              <a:lnSpc>
-                <a:spcPct val="100000"/>
-              </a:lnSpc>
-              <a:spcBef>
-                <a:spcPct val="30000"/>
-              </a:spcBef>
-              <a:spcAft>
-                <a:spcPct val="0"/>
-              </a:spcAft>
-              <a:buClr>
-                <a:srgbClr val="000000"/>
-              </a:buClr>
-              <a:buSzPct val="100000"/>
-              <a:buFont typeface="Times New Roman" charset="0"/>
-              <a:buNone/>
-              <a:tabLst/>
-              <a:defRPr/>
-            </a:pPr>
-            <a:endParaRPr lang="en-US" baseline="0" dirty="0" smtClean="0"/>
-          </a:p>
-          <a:p>
-            <a:pPr marL="0" marR="0" indent="0" algn="l" defTabSz="449263" rtl="0" eaLnBrk="0" fontAlgn="base" latinLnBrk="0" hangingPunct="0">
-              <a:lnSpc>
-                <a:spcPct val="100000"/>
-              </a:lnSpc>
-              <a:spcBef>
-                <a:spcPct val="30000"/>
-              </a:spcBef>
-              <a:spcAft>
-                <a:spcPct val="0"/>
-              </a:spcAft>
-              <a:buClr>
-                <a:srgbClr val="000000"/>
-              </a:buClr>
-              <a:buSzPct val="100000"/>
-              <a:buFont typeface="Times New Roman" charset="0"/>
-              <a:buNone/>
-              <a:tabLst/>
-              <a:defRPr/>
-            </a:pPr>
-            <a:r>
-              <a:rPr lang="en-US" baseline="0" dirty="0" smtClean="0"/>
-              <a:t>This sort of planning does not need intentions at all.  So what are intentions for?</a:t>
-            </a:r>
-            <a:endParaRPr lang="en-US" dirty="0" smtClean="0"/>
           </a:p>
         </p:txBody>
       </p:sp>
@@ -8356,6 +7964,258 @@
               <a:rPr lang="en-GB"/>
               <a:pPr/>
               <a:t>46</a:t>
+            </a:fld>
+            <a:endParaRPr lang="en-GB" dirty="0"/>
+          </a:p>
+        </p:txBody>
+      </p:sp>
+      <p:sp>
+        <p:nvSpPr>
+          <p:cNvPr id="15361" name="Text Box 1"/>
+          <p:cNvSpPr txBox="1">
+            <a:spLocks noGrp="1" noRot="1" noChangeAspect="1" noChangeArrowheads="1"/>
+          </p:cNvSpPr>
+          <p:nvPr>
+            <p:ph type="sldImg"/>
+          </p:nvPr>
+        </p:nvSpPr>
+        <p:spPr bwMode="auto">
+          <a:xfrm>
+            <a:off x="3263900" y="509588"/>
+            <a:ext cx="3398838" cy="2549525"/>
+          </a:xfrm>
+          <a:prstGeom prst="rect">
+            <a:avLst/>
+          </a:prstGeom>
+          <a:solidFill>
+            <a:srgbClr val="FFFFFF"/>
+          </a:solidFill>
+          <a:ln>
+            <a:solidFill>
+              <a:srgbClr val="000000"/>
+            </a:solidFill>
+            <a:miter lim="800000"/>
+            <a:headEnd/>
+            <a:tailEnd/>
+          </a:ln>
+        </p:spPr>
+      </p:sp>
+      <p:sp>
+        <p:nvSpPr>
+          <p:cNvPr id="15362" name="Text Box 2"/>
+          <p:cNvSpPr txBox="1">
+            <a:spLocks noGrp="1" noChangeArrowheads="1"/>
+          </p:cNvSpPr>
+          <p:nvPr>
+            <p:ph type="body" idx="1"/>
+          </p:nvPr>
+        </p:nvSpPr>
+        <p:spPr bwMode="auto">
+          <a:xfrm>
+            <a:off x="992274" y="3228468"/>
+            <a:ext cx="7942821" cy="3123027"/>
+          </a:xfrm>
+          <a:prstGeom prst="rect">
+            <a:avLst/>
+          </a:prstGeom>
+          <a:noFill/>
+          <a:ln>
+            <a:round/>
+            <a:headEnd/>
+            <a:tailEnd/>
+          </a:ln>
+        </p:spPr>
+        <p:txBody>
+          <a:bodyPr wrap="none" anchor="ctr">
+            <a:prstTxWarp prst="textNoShape">
+              <a:avLst/>
+            </a:prstTxWarp>
+          </a:bodyPr>
+          <a:lstStyle/>
+          <a:p>
+            <a:pPr marL="0" marR="0" indent="0" algn="l" defTabSz="449263" rtl="0" eaLnBrk="0" fontAlgn="base" latinLnBrk="0" hangingPunct="0">
+              <a:lnSpc>
+                <a:spcPct val="100000"/>
+              </a:lnSpc>
+              <a:spcBef>
+                <a:spcPct val="30000"/>
+              </a:spcBef>
+              <a:spcAft>
+                <a:spcPct val="0"/>
+              </a:spcAft>
+              <a:buClr>
+                <a:srgbClr val="000000"/>
+              </a:buClr>
+              <a:buSzPct val="100000"/>
+              <a:buFont typeface="Times New Roman" charset="0"/>
+              <a:buNone/>
+              <a:tabLst/>
+              <a:defRPr/>
+            </a:pPr>
+            <a:r>
+              <a:rPr lang="en-US" baseline="0" dirty="0" smtClean="0"/>
+              <a:t>Motor representations are involved in this kind of planning ...</a:t>
+            </a:r>
+          </a:p>
+          <a:p>
+            <a:pPr marL="0" marR="0" indent="0" algn="l" defTabSz="449263" rtl="0" eaLnBrk="0" fontAlgn="base" latinLnBrk="0" hangingPunct="0">
+              <a:lnSpc>
+                <a:spcPct val="100000"/>
+              </a:lnSpc>
+              <a:spcBef>
+                <a:spcPct val="30000"/>
+              </a:spcBef>
+              <a:spcAft>
+                <a:spcPct val="0"/>
+              </a:spcAft>
+              <a:buClr>
+                <a:srgbClr val="000000"/>
+              </a:buClr>
+              <a:buSzPct val="100000"/>
+              <a:buFont typeface="Times New Roman" charset="0"/>
+              <a:buNone/>
+              <a:tabLst/>
+              <a:defRPr/>
+            </a:pPr>
+            <a:endParaRPr lang="en-US" baseline="0" dirty="0" smtClean="0"/>
+          </a:p>
+          <a:p>
+            <a:pPr marL="0" marR="0" indent="0" algn="l" defTabSz="449263" rtl="0" eaLnBrk="0" fontAlgn="base" latinLnBrk="0" hangingPunct="0">
+              <a:lnSpc>
+                <a:spcPct val="100000"/>
+              </a:lnSpc>
+              <a:spcBef>
+                <a:spcPct val="30000"/>
+              </a:spcBef>
+              <a:spcAft>
+                <a:spcPct val="0"/>
+              </a:spcAft>
+              <a:buClr>
+                <a:srgbClr val="000000"/>
+              </a:buClr>
+              <a:buSzPct val="100000"/>
+              <a:buFont typeface="Times New Roman" charset="0"/>
+              <a:buNone/>
+              <a:tabLst/>
+              <a:defRPr/>
+            </a:pPr>
+            <a:r>
+              <a:rPr lang="en-US" baseline="0" dirty="0" smtClean="0"/>
+              <a:t>[Motor representations enable quite sophisticated planning over short periods of time and sequences of action; for example, how you grasp a pointer will depend on what you are about to do with it \</a:t>
+            </a:r>
+            <a:r>
+              <a:rPr lang="en-US" baseline="0" dirty="0" err="1" smtClean="0"/>
+              <a:t>citep</a:t>
+            </a:r>
+            <a:r>
+              <a:rPr lang="en-US" baseline="0" dirty="0" smtClean="0"/>
+              <a:t>{zhang:2007_planning}.</a:t>
+            </a:r>
+          </a:p>
+          <a:p>
+            <a:pPr marL="0" marR="0" indent="0" algn="l" defTabSz="449263" rtl="0" eaLnBrk="0" fontAlgn="base" latinLnBrk="0" hangingPunct="0">
+              <a:lnSpc>
+                <a:spcPct val="100000"/>
+              </a:lnSpc>
+              <a:spcBef>
+                <a:spcPct val="30000"/>
+              </a:spcBef>
+              <a:spcAft>
+                <a:spcPct val="0"/>
+              </a:spcAft>
+              <a:buClr>
+                <a:srgbClr val="000000"/>
+              </a:buClr>
+              <a:buSzPct val="100000"/>
+              <a:buFont typeface="Times New Roman" charset="0"/>
+              <a:buNone/>
+              <a:tabLst/>
+              <a:defRPr/>
+            </a:pPr>
+            <a:endParaRPr lang="en-US" baseline="0" dirty="0" smtClean="0"/>
+          </a:p>
+          <a:p>
+            <a:pPr marL="0" marR="0" indent="0" algn="l" defTabSz="449263" rtl="0" eaLnBrk="0" fontAlgn="base" latinLnBrk="0" hangingPunct="0">
+              <a:lnSpc>
+                <a:spcPct val="100000"/>
+              </a:lnSpc>
+              <a:spcBef>
+                <a:spcPct val="30000"/>
+              </a:spcBef>
+              <a:spcAft>
+                <a:spcPct val="0"/>
+              </a:spcAft>
+              <a:buClr>
+                <a:srgbClr val="000000"/>
+              </a:buClr>
+              <a:buSzPct val="100000"/>
+              <a:buFont typeface="Times New Roman" charset="0"/>
+              <a:buNone/>
+              <a:tabLst/>
+              <a:defRPr/>
+            </a:pPr>
+            <a:r>
+              <a:rPr lang="en-US" baseline="0" dirty="0" smtClean="0"/>
+              <a:t>This sort of planning does not need intentions at all.  So what are intentions for?</a:t>
+            </a:r>
+            <a:endParaRPr lang="en-US" dirty="0" smtClean="0"/>
+          </a:p>
+        </p:txBody>
+      </p:sp>
+    </p:spTree>
+  </p:cSld>
+  <p:clrMapOvr>
+    <a:masterClrMapping/>
+  </p:clrMapOvr>
+</p:notes>
+</file>
+
+<file path=ppt/notesSlides/notesSlide47.xml><?xml version="1.0" encoding="utf-8"?>
+<p:notes xmlns:a="http://schemas.openxmlformats.org/drawingml/2006/main" xmlns:r="http://schemas.openxmlformats.org/officeDocument/2006/relationships" xmlns:p="http://schemas.openxmlformats.org/presentationml/2006/main">
+  <p:cSld>
+    <p:bg>
+      <p:bgPr>
+        <a:solidFill>
+          <a:srgbClr val="FFFFFF"/>
+        </a:solidFill>
+        <a:effectLst/>
+      </p:bgPr>
+    </p:bg>
+    <p:spTree>
+      <p:nvGrpSpPr>
+        <p:cNvPr id="1" name=""/>
+        <p:cNvGrpSpPr/>
+        <p:nvPr/>
+      </p:nvGrpSpPr>
+      <p:grpSpPr>
+        <a:xfrm>
+          <a:off x="0" y="0"/>
+          <a:ext cx="0" cy="0"/>
+          <a:chOff x="0" y="0"/>
+          <a:chExt cx="0" cy="0"/>
+        </a:xfrm>
+      </p:grpSpPr>
+      <p:sp>
+        <p:nvSpPr>
+          <p:cNvPr id="4" name="Rectangle 7"/>
+          <p:cNvSpPr>
+            <a:spLocks noGrp="1" noChangeArrowheads="1"/>
+          </p:cNvSpPr>
+          <p:nvPr>
+            <p:ph type="sldNum"/>
+          </p:nvPr>
+        </p:nvSpPr>
+        <p:spPr>
+          <a:ln/>
+        </p:spPr>
+        <p:txBody>
+          <a:bodyPr/>
+          <a:lstStyle/>
+          <a:p>
+            <a:fld id="{2C70B47E-AA18-B148-A454-7D1852D64A23}" type="slidenum">
+              <a:rPr lang="en-GB"/>
+              <a:pPr/>
+              <a:t>47</a:t>
             </a:fld>
             <a:endParaRPr lang="en-GB" dirty="0"/>
           </a:p>
@@ -30414,146 +30274,42 @@
       </p:grpSpPr>
       <p:sp>
         <p:nvSpPr>
-          <p:cNvPr id="30" name="Oval 17"/>
-          <p:cNvSpPr>
-            <a:spLocks noChangeArrowheads="1"/>
-          </p:cNvSpPr>
+          <p:cNvPr id="4" name="Rectangle 3"/>
+          <p:cNvSpPr/>
           <p:nvPr/>
         </p:nvSpPr>
-        <p:spPr bwMode="auto">
+        <p:spPr>
           <a:xfrm>
-            <a:off x="3267348" y="4222750"/>
-            <a:ext cx="1441450" cy="1441450"/>
+            <a:off x="5004048" y="980728"/>
+            <a:ext cx="2987824" cy="1446550"/>
           </a:xfrm>
-          <a:prstGeom prst="ellipse">
+          <a:prstGeom prst="rect">
             <a:avLst/>
           </a:prstGeom>
-          <a:solidFill>
-            <a:schemeClr val="tx1">
-              <a:lumMod val="75000"/>
-              <a:lumOff val="25000"/>
-              <a:alpha val="50000"/>
-            </a:schemeClr>
-          </a:solidFill>
-          <a:ln>
-            <a:noFill/>
-          </a:ln>
-          <a:effectLst/>
         </p:spPr>
         <p:txBody>
-          <a:bodyPr wrap="none" anchor="ctr"/>
+          <a:bodyPr wrap="square">
+            <a:spAutoFit/>
+          </a:bodyPr>
           <a:lstStyle/>
           <a:p>
-            <a:endParaRPr lang="en-US" dirty="0"/>
-          </a:p>
-        </p:txBody>
-      </p:sp>
-      <p:sp>
-        <p:nvSpPr>
-          <p:cNvPr id="31" name="Oval 18"/>
-          <p:cNvSpPr>
-            <a:spLocks noChangeArrowheads="1"/>
-          </p:cNvSpPr>
-          <p:nvPr/>
-        </p:nvSpPr>
-        <p:spPr bwMode="auto">
-          <a:xfrm>
-            <a:off x="3635648" y="4202113"/>
-            <a:ext cx="1441450" cy="1482725"/>
-          </a:xfrm>
-          <a:prstGeom prst="ellipse">
-            <a:avLst/>
-          </a:prstGeom>
-          <a:solidFill>
-            <a:schemeClr val="tx1"/>
-          </a:solidFill>
-          <a:ln w="38100">
-            <a:solidFill>
-              <a:srgbClr val="000000"/>
-            </a:solidFill>
-            <a:round/>
-            <a:headEnd/>
-            <a:tailEnd/>
-          </a:ln>
-          <a:effectLst/>
-        </p:spPr>
-        <p:txBody>
-          <a:bodyPr wrap="none" anchor="ctr"/>
-          <a:lstStyle/>
-          <a:p>
-            <a:endParaRPr lang="en-US" dirty="0"/>
-          </a:p>
-        </p:txBody>
-      </p:sp>
-      <p:sp>
-        <p:nvSpPr>
-          <p:cNvPr id="28" name="Oval 17"/>
-          <p:cNvSpPr>
-            <a:spLocks noChangeArrowheads="1"/>
-          </p:cNvSpPr>
-          <p:nvPr/>
-        </p:nvSpPr>
-        <p:spPr bwMode="auto">
-          <a:xfrm>
-            <a:off x="3648596" y="4222750"/>
-            <a:ext cx="1441450" cy="1441450"/>
-          </a:xfrm>
-          <a:prstGeom prst="ellipse">
-            <a:avLst/>
-          </a:prstGeom>
-          <a:solidFill>
-            <a:schemeClr val="bg1">
-              <a:lumMod val="50000"/>
-              <a:alpha val="50000"/>
-            </a:schemeClr>
-          </a:solidFill>
-          <a:ln>
-            <a:noFill/>
-          </a:ln>
-          <a:effectLst/>
-        </p:spPr>
-        <p:txBody>
-          <a:bodyPr wrap="none" anchor="ctr"/>
-          <a:lstStyle/>
-          <a:p>
-            <a:endParaRPr lang="en-US" dirty="0"/>
-          </a:p>
-        </p:txBody>
-      </p:sp>
-      <p:sp>
-        <p:nvSpPr>
-          <p:cNvPr id="29" name="Oval 18"/>
-          <p:cNvSpPr>
-            <a:spLocks noChangeArrowheads="1"/>
-          </p:cNvSpPr>
-          <p:nvPr/>
-        </p:nvSpPr>
-        <p:spPr bwMode="auto">
-          <a:xfrm>
-            <a:off x="4016896" y="4202113"/>
-            <a:ext cx="1441450" cy="1482725"/>
-          </a:xfrm>
-          <a:prstGeom prst="ellipse">
-            <a:avLst/>
-          </a:prstGeom>
-          <a:solidFill>
-            <a:schemeClr val="tx1"/>
-          </a:solidFill>
-          <a:ln w="38100">
-            <a:solidFill>
-              <a:srgbClr val="000000"/>
-            </a:solidFill>
-            <a:round/>
-            <a:headEnd/>
-            <a:tailEnd/>
-          </a:ln>
-          <a:effectLst/>
-        </p:spPr>
-        <p:txBody>
-          <a:bodyPr wrap="none" anchor="ctr"/>
-          <a:lstStyle/>
-          <a:p>
-            <a:endParaRPr lang="en-US" dirty="0"/>
+            <a:r>
+              <a:rPr lang="en-US" i="0" dirty="0" smtClean="0">
+                <a:effectLst>
+                  <a:glow rad="101600">
+                    <a:srgbClr val="000000"/>
+                  </a:glow>
+                </a:effectLst>
+              </a:rPr>
+              <a:t>e.g. rapid identification of key landmarks; slow translation into compass directions</a:t>
+            </a:r>
+            <a:endParaRPr lang="en-US" i="0" dirty="0">
+              <a:effectLst>
+                <a:glow rad="101600">
+                  <a:srgbClr val="000000"/>
+                </a:glow>
+              </a:effectLst>
+            </a:endParaRPr>
           </a:p>
         </p:txBody>
       </p:sp>
@@ -30565,8 +30321,8 @@
         </p:nvSpPr>
         <p:spPr>
           <a:xfrm>
-            <a:off x="611560" y="836712"/>
-            <a:ext cx="2987824" cy="430887"/>
+            <a:off x="1296622" y="980728"/>
+            <a:ext cx="2987824" cy="1785104"/>
           </a:xfrm>
           <a:prstGeom prst="rect">
             <a:avLst/>
@@ -30578,7 +30334,6 @@
           </a:bodyPr>
           <a:lstStyle/>
           <a:p>
-            <a:pPr algn="ctr"/>
             <a:r>
               <a:rPr lang="en-US" i="0" dirty="0" smtClean="0">
                 <a:effectLst>
@@ -30587,7 +30342,67 @@
                   </a:glow>
                 </a:effectLst>
               </a:rPr>
-              <a:t>imagine</a:t>
+              <a:t>Head </a:t>
+            </a:r>
+            <a:r>
+              <a:rPr lang="en-US" i="0" dirty="0">
+                <a:effectLst>
+                  <a:glow rad="101600">
+                    <a:srgbClr val="000000"/>
+                  </a:glow>
+                </a:effectLst>
+              </a:rPr>
+              <a:t>southeast on Rue </a:t>
+            </a:r>
+            <a:r>
+              <a:rPr lang="en-US" i="0" dirty="0" err="1">
+                <a:effectLst>
+                  <a:glow rad="101600">
+                    <a:srgbClr val="000000"/>
+                  </a:glow>
+                </a:effectLst>
+              </a:rPr>
+              <a:t>Cujas</a:t>
+            </a:r>
+            <a:r>
+              <a:rPr lang="en-US" i="0" dirty="0">
+                <a:effectLst>
+                  <a:glow rad="101600">
+                    <a:srgbClr val="000000"/>
+                  </a:glow>
+                </a:effectLst>
+              </a:rPr>
+              <a:t> toward Rue Victor </a:t>
+            </a:r>
+            <a:r>
+              <a:rPr lang="en-US" i="0" dirty="0" smtClean="0">
+                <a:effectLst>
+                  <a:glow rad="101600">
+                    <a:srgbClr val="000000"/>
+                  </a:glow>
+                </a:effectLst>
+              </a:rPr>
+              <a:t>Cousin.  Turn </a:t>
+            </a:r>
+            <a:r>
+              <a:rPr lang="en-US" i="0" dirty="0">
+                <a:effectLst>
+                  <a:glow rad="101600">
+                    <a:srgbClr val="000000"/>
+                  </a:glow>
+                </a:effectLst>
+              </a:rPr>
+              <a:t>right onto Rue Saint-</a:t>
+            </a:r>
+            <a:r>
+              <a:rPr lang="en-US" i="0" dirty="0" smtClean="0">
+                <a:effectLst>
+                  <a:glow rad="101600">
+                    <a:srgbClr val="000000"/>
+                  </a:glow>
+                </a:effectLst>
+              </a:rPr>
+              <a:t>Jacques. ...</a:t>
             </a:r>
             <a:endParaRPr lang="en-US" i="0" dirty="0">
               <a:effectLst>
@@ -30599,163 +30414,88 @@
           </a:p>
         </p:txBody>
       </p:sp>
-      <p:sp>
-        <p:nvSpPr>
-          <p:cNvPr id="8" name="Rectangle 7"/>
-          <p:cNvSpPr/>
+      <p:pic>
+        <p:nvPicPr>
+          <p:cNvPr id="15" name="Picture 14"/>
+          <p:cNvPicPr>
+            <a:picLocks noChangeAspect="1"/>
+          </p:cNvPicPr>
           <p:nvPr/>
-        </p:nvSpPr>
+        </p:nvPicPr>
+        <p:blipFill rotWithShape="1">
+          <a:blip r:embed="rId3">
+            <a:extLst>
+              <a:ext uri="{BEBA8EAE-BF5A-486C-A8C5-ECC9F3942E4B}">
+                <a14:imgProps xmlns:a14="http://schemas.microsoft.com/office/drawing/2010/main">
+                  <a14:imgLayer r:embed="rId4">
+                    <a14:imgEffect>
+                      <a14:sharpenSoften amount="-100000"/>
+                    </a14:imgEffect>
+                    <a14:imgEffect>
+                      <a14:colorTemperature colorTemp="11500"/>
+                    </a14:imgEffect>
+                    <a14:imgEffect>
+                      <a14:saturation sat="0"/>
+                    </a14:imgEffect>
+                    <a14:imgEffect>
+                      <a14:brightnessContrast bright="-37000" contrast="57000"/>
+                    </a14:imgEffect>
+                  </a14:imgLayer>
+                </a14:imgProps>
+              </a:ext>
+            </a:extLst>
+          </a:blip>
+          <a:srcRect l="18369"/>
+          <a:stretch/>
+        </p:blipFill>
         <p:spPr>
           <a:xfrm>
-            <a:off x="5364088" y="836712"/>
-            <a:ext cx="2987824" cy="430887"/>
+            <a:off x="1348372" y="3140968"/>
+            <a:ext cx="3032264" cy="3208536"/>
           </a:xfrm>
           <a:prstGeom prst="rect">
             <a:avLst/>
           </a:prstGeom>
         </p:spPr>
-        <p:txBody>
-          <a:bodyPr wrap="square">
-            <a:spAutoFit/>
-          </a:bodyPr>
-          <a:lstStyle/>
-          <a:p>
-            <a:pPr algn="ctr"/>
-            <a:r>
-              <a:rPr lang="en-US" i="0" dirty="0" smtClean="0">
-                <a:effectLst>
-                  <a:glow rad="101600">
-                    <a:srgbClr val="000000"/>
-                  </a:glow>
-                </a:effectLst>
-              </a:rPr>
-              <a:t>actually</a:t>
-            </a:r>
-            <a:endParaRPr lang="en-US" i="0" dirty="0">
-              <a:effectLst>
-                <a:glow rad="101600">
-                  <a:srgbClr val="000000"/>
-                </a:glow>
-              </a:effectLst>
-            </a:endParaRPr>
-          </a:p>
-        </p:txBody>
-      </p:sp>
+      </p:pic>
       <p:sp>
         <p:nvSpPr>
-          <p:cNvPr id="9" name="Rectangle 8"/>
+          <p:cNvPr id="16" name="Rectangle 15"/>
           <p:cNvSpPr/>
           <p:nvPr/>
         </p:nvSpPr>
-        <p:spPr>
+        <p:spPr bwMode="auto">
           <a:xfrm>
-            <a:off x="683568" y="1412776"/>
-            <a:ext cx="1296144" cy="430887"/>
+            <a:off x="1296622" y="3142934"/>
+            <a:ext cx="3139920" cy="3240360"/>
           </a:xfrm>
           <a:prstGeom prst="rect">
             <a:avLst/>
           </a:prstGeom>
-        </p:spPr>
-        <p:txBody>
-          <a:bodyPr wrap="square">
-            <a:spAutoFit/>
-          </a:bodyPr>
-          <a:lstStyle/>
-          <a:p>
-            <a:pPr algn="ctr"/>
-            <a:r>
-              <a:rPr lang="en-US" i="0" dirty="0" smtClean="0">
-                <a:effectLst>
-                  <a:glow rad="101600">
-                    <a:srgbClr val="000000"/>
-                  </a:glow>
-                </a:effectLst>
-              </a:rPr>
-              <a:t>seeing</a:t>
-            </a:r>
-            <a:endParaRPr lang="en-US" i="0" dirty="0">
-              <a:effectLst>
-                <a:glow rad="101600">
-                  <a:srgbClr val="000000"/>
-                </a:glow>
-              </a:effectLst>
-            </a:endParaRPr>
-          </a:p>
-        </p:txBody>
-      </p:sp>
-      <p:sp>
-        <p:nvSpPr>
-          <p:cNvPr id="15" name="Rectangle 14"/>
-          <p:cNvSpPr/>
-          <p:nvPr/>
-        </p:nvSpPr>
-        <p:spPr>
-          <a:xfrm>
-            <a:off x="5364088" y="1412776"/>
-            <a:ext cx="1296144" cy="430887"/>
-          </a:xfrm>
-          <a:prstGeom prst="rect">
-            <a:avLst/>
-          </a:prstGeom>
-        </p:spPr>
-        <p:txBody>
-          <a:bodyPr wrap="square">
-            <a:spAutoFit/>
-          </a:bodyPr>
-          <a:lstStyle/>
-          <a:p>
-            <a:pPr algn="ctr"/>
-            <a:r>
-              <a:rPr lang="en-US" i="0" dirty="0" smtClean="0">
-                <a:effectLst>
-                  <a:glow rad="101600">
-                    <a:srgbClr val="000000"/>
-                  </a:glow>
-                </a:effectLst>
-              </a:rPr>
-              <a:t>seeing</a:t>
-            </a:r>
-            <a:endParaRPr lang="en-US" i="0" dirty="0">
-              <a:effectLst>
-                <a:glow rad="101600">
-                  <a:srgbClr val="000000"/>
-                </a:glow>
-              </a:effectLst>
-            </a:endParaRPr>
-          </a:p>
-        </p:txBody>
-      </p:sp>
-      <p:sp>
-        <p:nvSpPr>
-          <p:cNvPr id="7" name="Right Bracket 6"/>
-          <p:cNvSpPr/>
-          <p:nvPr/>
-        </p:nvSpPr>
-        <p:spPr bwMode="auto">
-          <a:xfrm rot="5400000">
-            <a:off x="3455876" y="-423428"/>
-            <a:ext cx="216024" cy="4896544"/>
-          </a:xfrm>
-          <a:prstGeom prst="rightBracket">
-            <a:avLst/>
-          </a:prstGeom>
-          <a:noFill/>
-          <a:ln w="38100" cap="flat" cmpd="sng" algn="ctr">
-            <a:solidFill>
-              <a:schemeClr val="bg1"/>
-            </a:solidFill>
+          <a:gradFill flip="none" rotWithShape="1">
+            <a:gsLst>
+              <a:gs pos="76000">
+                <a:schemeClr val="tx1">
+                  <a:alpha val="0"/>
+                </a:schemeClr>
+              </a:gs>
+              <a:gs pos="100000">
+                <a:schemeClr val="tx1"/>
+              </a:gs>
+            </a:gsLst>
+            <a:path path="circle">
+              <a:fillToRect l="50000" t="50000" r="50000" b="50000"/>
+            </a:path>
+            <a:tileRect/>
+          </a:gradFill>
+          <a:ln w="9525" cap="flat" cmpd="sng" algn="ctr">
+            <a:noFill/>
             <a:prstDash val="solid"/>
             <a:round/>
             <a:headEnd type="none" w="med" len="med"/>
             <a:tailEnd type="none" w="med" len="med"/>
           </a:ln>
-          <a:effectLst>
-            <a:glow rad="101600">
-              <a:schemeClr val="tx1">
-                <a:alpha val="75000"/>
-              </a:schemeClr>
-            </a:glow>
-          </a:effectLst>
+          <a:effectLst/>
         </p:spPr>
         <p:txBody>
           <a:bodyPr vert="horz" wrap="square" lIns="91440" tIns="45720" rIns="91440" bIns="45720" numCol="1" rtlCol="0" anchor="t" anchorCtr="0" compatLnSpc="1">
@@ -30798,31 +30538,118 @@
       </p:sp>
       <p:sp>
         <p:nvSpPr>
-          <p:cNvPr id="19" name="Rectangle 18"/>
+          <p:cNvPr id="18" name="Rectangle 17"/>
+          <p:cNvSpPr/>
+          <p:nvPr/>
+        </p:nvSpPr>
+        <p:spPr>
+          <a:xfrm rot="16200000">
+            <a:off x="-973196" y="3213557"/>
+            <a:ext cx="3168352" cy="430887"/>
+          </a:xfrm>
+          <a:prstGeom prst="rect">
+            <a:avLst/>
+          </a:prstGeom>
+          <a:solidFill>
+            <a:schemeClr val="bg1"/>
+          </a:solidFill>
+        </p:spPr>
+        <p:txBody>
+          <a:bodyPr wrap="square" rIns="108000">
+            <a:spAutoFit/>
+          </a:bodyPr>
+          <a:lstStyle/>
+          <a:p>
+            <a:pPr algn="ctr"/>
+            <a:r>
+              <a:rPr lang="en-US" i="0" dirty="0" smtClean="0">
+                <a:solidFill>
+                  <a:srgbClr val="000000"/>
+                </a:solidFill>
+                <a:effectLst>
+                  <a:glow rad="101600">
+                    <a:srgbClr val="FFFFFF"/>
+                  </a:glow>
+                </a:effectLst>
+                <a:ea typeface="Arial" charset="0"/>
+                <a:cs typeface="Arial" charset="0"/>
+              </a:rPr>
+              <a:t>&lt; different format &gt;</a:t>
+            </a:r>
+            <a:endParaRPr lang="en-US" i="0" dirty="0">
+              <a:solidFill>
+                <a:srgbClr val="000000"/>
+              </a:solidFill>
+              <a:effectLst>
+                <a:glow rad="101600">
+                  <a:srgbClr val="FFFFFF"/>
+                </a:glow>
+              </a:effectLst>
+            </a:endParaRPr>
+          </a:p>
+        </p:txBody>
+      </p:sp>
+      <p:sp>
+        <p:nvSpPr>
+          <p:cNvPr id="10" name="Rectangle 9"/>
           <p:cNvSpPr/>
           <p:nvPr/>
         </p:nvSpPr>
         <p:spPr>
           <a:xfrm>
-            <a:off x="1331640" y="2060848"/>
-            <a:ext cx="360040" cy="430887"/>
+            <a:off x="5119632" y="3212976"/>
+            <a:ext cx="2987824" cy="1446550"/>
+          </a:xfrm>
+          <a:prstGeom prst="rect">
+            <a:avLst/>
+          </a:prstGeom>
+        </p:spPr>
+        <p:txBody>
+          <a:bodyPr wrap="square">
+            <a:spAutoFit/>
+          </a:bodyPr>
+          <a:lstStyle/>
+          <a:p>
+            <a:r>
+              <a:rPr lang="en-US" i="0" dirty="0" smtClean="0">
+                <a:effectLst>
+                  <a:glow rad="101600">
+                    <a:srgbClr val="000000"/>
+                  </a:glow>
+                </a:effectLst>
+              </a:rPr>
+              <a:t>Rapid identification of direction of start from end (projection-dependent)</a:t>
+            </a:r>
+            <a:endParaRPr lang="en-US" i="0" dirty="0">
+              <a:effectLst>
+                <a:glow rad="101600">
+                  <a:srgbClr val="000000"/>
+                </a:glow>
+              </a:effectLst>
+            </a:endParaRPr>
+          </a:p>
+        </p:txBody>
+      </p:sp>
+      <p:sp>
+        <p:nvSpPr>
+          <p:cNvPr id="11" name="Rectangle 10"/>
+          <p:cNvSpPr/>
+          <p:nvPr/>
+        </p:nvSpPr>
+        <p:spPr>
+          <a:xfrm rot="5400000">
+            <a:off x="7019691" y="3213557"/>
+            <a:ext cx="3456385" cy="430887"/>
           </a:xfrm>
           <a:prstGeom prst="rect">
             <a:avLst/>
           </a:prstGeom>
           <a:solidFill>
-            <a:srgbClr val="FFFFFF"/>
+            <a:schemeClr val="bg1"/>
           </a:solidFill>
-          <a:effectLst>
-            <a:glow rad="101600">
-              <a:schemeClr val="tx1">
-                <a:alpha val="75000"/>
-              </a:schemeClr>
-            </a:glow>
-          </a:effectLst>
         </p:spPr>
         <p:txBody>
-          <a:bodyPr wrap="square">
+          <a:bodyPr wrap="square" rIns="108000">
             <a:spAutoFit/>
           </a:bodyPr>
           <a:lstStyle/>
@@ -30833,127 +30660,48 @@
                 <a:solidFill>
                   <a:srgbClr val="000000"/>
                 </a:solidFill>
-                <a:effectLst/>
+                <a:effectLst>
+                  <a:glow rad="101600">
+                    <a:srgbClr val="FFFFFF"/>
+                  </a:glow>
+                </a:effectLst>
+                <a:ea typeface="Arial" charset="0"/>
+                <a:cs typeface="Arial" charset="0"/>
               </a:rPr>
-              <a:t>1</a:t>
+              <a:t>&lt; different </a:t>
+            </a:r>
+            <a:r>
+              <a:rPr lang="en-US" i="0" dirty="0" smtClean="0">
+                <a:solidFill>
+                  <a:srgbClr val="000000"/>
+                </a:solidFill>
+                <a:effectLst>
+                  <a:glow rad="101600">
+                    <a:srgbClr val="FFFFFF"/>
+                  </a:glow>
+                </a:effectLst>
+                <a:ea typeface="Arial" charset="0"/>
+                <a:cs typeface="Arial" charset="0"/>
+              </a:rPr>
+              <a:t>performance&gt;</a:t>
             </a:r>
             <a:endParaRPr lang="en-US" i="0" dirty="0">
               <a:solidFill>
                 <a:srgbClr val="000000"/>
               </a:solidFill>
-              <a:effectLst/>
+              <a:effectLst>
+                <a:glow rad="101600">
+                  <a:srgbClr val="FFFFFF"/>
+                </a:glow>
+              </a:effectLst>
             </a:endParaRPr>
-          </a:p>
-        </p:txBody>
-      </p:sp>
-      <p:sp>
-        <p:nvSpPr>
-          <p:cNvPr id="22" name="Oval 17"/>
-          <p:cNvSpPr>
-            <a:spLocks noChangeArrowheads="1"/>
-          </p:cNvSpPr>
-          <p:nvPr/>
-        </p:nvSpPr>
-        <p:spPr bwMode="auto">
-          <a:xfrm>
-            <a:off x="4032994" y="4222750"/>
-            <a:ext cx="1441450" cy="1441450"/>
-          </a:xfrm>
-          <a:prstGeom prst="ellipse">
-            <a:avLst/>
-          </a:prstGeom>
-          <a:solidFill>
-            <a:schemeClr val="bg1">
-              <a:lumMod val="75000"/>
-              <a:alpha val="50000"/>
-            </a:schemeClr>
-          </a:solidFill>
-          <a:ln>
-            <a:noFill/>
-          </a:ln>
-          <a:effectLst/>
-        </p:spPr>
-        <p:txBody>
-          <a:bodyPr wrap="none" anchor="ctr"/>
-          <a:lstStyle/>
-          <a:p>
-            <a:endParaRPr lang="en-US" dirty="0"/>
-          </a:p>
-        </p:txBody>
-      </p:sp>
-      <p:sp>
-        <p:nvSpPr>
-          <p:cNvPr id="23" name="Oval 18"/>
-          <p:cNvSpPr>
-            <a:spLocks noChangeArrowheads="1"/>
-          </p:cNvSpPr>
-          <p:nvPr/>
-        </p:nvSpPr>
-        <p:spPr bwMode="auto">
-          <a:xfrm>
-            <a:off x="4401294" y="4202113"/>
-            <a:ext cx="1441450" cy="1482725"/>
-          </a:xfrm>
-          <a:prstGeom prst="ellipse">
-            <a:avLst/>
-          </a:prstGeom>
-          <a:solidFill>
-            <a:schemeClr val="tx1"/>
-          </a:solidFill>
-          <a:ln w="38100">
-            <a:solidFill>
-              <a:srgbClr val="000000"/>
-            </a:solidFill>
-            <a:round/>
-            <a:headEnd/>
-            <a:tailEnd/>
-          </a:ln>
-          <a:effectLst/>
-        </p:spPr>
-        <p:txBody>
-          <a:bodyPr wrap="none" anchor="ctr"/>
-          <a:lstStyle/>
-          <a:p>
-            <a:endParaRPr lang="en-US" dirty="0"/>
-          </a:p>
-        </p:txBody>
-      </p:sp>
-      <p:sp>
-        <p:nvSpPr>
-          <p:cNvPr id="24" name="Oval 19"/>
-          <p:cNvSpPr>
-            <a:spLocks noChangeArrowheads="1"/>
-          </p:cNvSpPr>
-          <p:nvPr/>
-        </p:nvSpPr>
-        <p:spPr bwMode="auto">
-          <a:xfrm>
-            <a:off x="4426694" y="4222750"/>
-            <a:ext cx="1441450" cy="1441450"/>
-          </a:xfrm>
-          <a:prstGeom prst="ellipse">
-            <a:avLst/>
-          </a:prstGeom>
-          <a:solidFill>
-            <a:srgbClr val="FFFFFF"/>
-          </a:solidFill>
-          <a:ln>
-            <a:noFill/>
-          </a:ln>
-          <a:effectLst/>
-        </p:spPr>
-        <p:txBody>
-          <a:bodyPr wrap="none" anchor="ctr"/>
-          <a:lstStyle/>
-          <a:p>
-            <a:endParaRPr lang="en-US" dirty="0"/>
           </a:p>
         </p:txBody>
       </p:sp>
     </p:spTree>
     <p:extLst>
       <p:ext uri="{BB962C8B-B14F-4D97-AF65-F5344CB8AC3E}">
-        <p14:creationId xmlns:p14="http://schemas.microsoft.com/office/powerpoint/2010/main" val="1157409906"/>
+        <p14:creationId xmlns:p14="http://schemas.microsoft.com/office/powerpoint/2010/main" val="2085650691"/>
       </p:ext>
     </p:extLst>
   </p:cSld>
@@ -31261,48 +31009,6 @@
       </p:sp>
       <p:sp>
         <p:nvSpPr>
-          <p:cNvPr id="10" name="Rectangle 9"/>
-          <p:cNvSpPr/>
-          <p:nvPr/>
-        </p:nvSpPr>
-        <p:spPr>
-          <a:xfrm>
-            <a:off x="2555776" y="1412776"/>
-            <a:ext cx="1296144" cy="430887"/>
-          </a:xfrm>
-          <a:prstGeom prst="rect">
-            <a:avLst/>
-          </a:prstGeom>
-        </p:spPr>
-        <p:txBody>
-          <a:bodyPr wrap="square">
-            <a:spAutoFit/>
-          </a:bodyPr>
-          <a:lstStyle/>
-          <a:p>
-            <a:pPr algn="ctr"/>
-            <a:r>
-              <a:rPr lang="en-US" i="0" dirty="0" smtClean="0">
-                <a:effectLst>
-                  <a:glow rad="101600">
-                    <a:srgbClr val="000000"/>
-                  </a:glow>
-                </a:effectLst>
-              </a:rPr>
-              <a:t>acting</a:t>
-            </a:r>
-            <a:endParaRPr lang="en-US" i="0" dirty="0">
-              <a:effectLst>
-                <a:glow rad="101600">
-                  <a:srgbClr val="000000"/>
-                </a:glow>
-              </a:effectLst>
-            </a:endParaRPr>
-          </a:p>
-        </p:txBody>
-      </p:sp>
-      <p:sp>
-        <p:nvSpPr>
           <p:cNvPr id="15" name="Rectangle 14"/>
           <p:cNvSpPr/>
           <p:nvPr/>
@@ -31332,48 +31038,6 @@
                 </a:effectLst>
               </a:rPr>
               <a:t>seeing</a:t>
-            </a:r>
-            <a:endParaRPr lang="en-US" i="0" dirty="0">
-              <a:effectLst>
-                <a:glow rad="101600">
-                  <a:srgbClr val="000000"/>
-                </a:glow>
-              </a:effectLst>
-            </a:endParaRPr>
-          </a:p>
-        </p:txBody>
-      </p:sp>
-      <p:sp>
-        <p:nvSpPr>
-          <p:cNvPr id="16" name="Rectangle 15"/>
-          <p:cNvSpPr/>
-          <p:nvPr/>
-        </p:nvSpPr>
-        <p:spPr>
-          <a:xfrm>
-            <a:off x="7236296" y="1412776"/>
-            <a:ext cx="1296144" cy="430887"/>
-          </a:xfrm>
-          <a:prstGeom prst="rect">
-            <a:avLst/>
-          </a:prstGeom>
-        </p:spPr>
-        <p:txBody>
-          <a:bodyPr wrap="square">
-            <a:spAutoFit/>
-          </a:bodyPr>
-          <a:lstStyle/>
-          <a:p>
-            <a:pPr algn="ctr"/>
-            <a:r>
-              <a:rPr lang="en-US" i="0" dirty="0" smtClean="0">
-                <a:effectLst>
-                  <a:glow rad="101600">
-                    <a:srgbClr val="000000"/>
-                  </a:glow>
-                </a:effectLst>
-              </a:rPr>
-              <a:t>acting</a:t>
             </a:r>
             <a:endParaRPr lang="en-US" i="0" dirty="0">
               <a:effectLst>
@@ -31458,77 +31122,6 @@
       </p:sp>
       <p:sp>
         <p:nvSpPr>
-          <p:cNvPr id="17" name="Right Bracket 16"/>
-          <p:cNvSpPr/>
-          <p:nvPr/>
-        </p:nvSpPr>
-        <p:spPr bwMode="auto">
-          <a:xfrm rot="5400000">
-            <a:off x="5328084" y="-279412"/>
-            <a:ext cx="504056" cy="4896544"/>
-          </a:xfrm>
-          <a:prstGeom prst="rightBracket">
-            <a:avLst/>
-          </a:prstGeom>
-          <a:noFill/>
-          <a:ln w="38100" cap="flat" cmpd="sng" algn="ctr">
-            <a:solidFill>
-              <a:schemeClr val="bg1"/>
-            </a:solidFill>
-            <a:prstDash val="solid"/>
-            <a:round/>
-            <a:headEnd type="none" w="med" len="med"/>
-            <a:tailEnd type="none" w="med" len="med"/>
-          </a:ln>
-          <a:effectLst>
-            <a:glow rad="101600">
-              <a:schemeClr val="tx1">
-                <a:alpha val="75000"/>
-              </a:schemeClr>
-            </a:glow>
-          </a:effectLst>
-        </p:spPr>
-        <p:txBody>
-          <a:bodyPr vert="horz" wrap="square" lIns="91440" tIns="45720" rIns="91440" bIns="45720" numCol="1" rtlCol="0" anchor="t" anchorCtr="0" compatLnSpc="1">
-            <a:prstTxWarp prst="textNoShape">
-              <a:avLst/>
-            </a:prstTxWarp>
-          </a:bodyPr>
-          <a:lstStyle/>
-          <a:p>
-            <a:pPr marL="0" marR="0" indent="0" algn="l" defTabSz="449263" rtl="0" eaLnBrk="1" fontAlgn="base" latinLnBrk="0" hangingPunct="1">
-              <a:lnSpc>
-                <a:spcPct val="100000"/>
-              </a:lnSpc>
-              <a:spcBef>
-                <a:spcPct val="0"/>
-              </a:spcBef>
-              <a:spcAft>
-                <a:spcPct val="0"/>
-              </a:spcAft>
-              <a:buClr>
-                <a:srgbClr val="000000"/>
-              </a:buClr>
-              <a:buSzPct val="100000"/>
-              <a:buFont typeface="Times New Roman" charset="0"/>
-              <a:buNone/>
-              <a:tabLst/>
-            </a:pPr>
-            <a:endParaRPr kumimoji="0" lang="en-US" sz="2200" b="0" i="1" u="none" strike="noStrike" cap="none" normalizeH="0" baseline="0">
-              <a:ln>
-                <a:noFill/>
-              </a:ln>
-              <a:solidFill>
-                <a:schemeClr val="bg1"/>
-              </a:solidFill>
-              <a:effectLst/>
-              <a:latin typeface="Myriad Web" charset="0"/>
-            </a:endParaRPr>
-          </a:p>
-        </p:txBody>
-      </p:sp>
-      <p:sp>
-        <p:nvSpPr>
           <p:cNvPr id="19" name="Rectangle 18"/>
           <p:cNvSpPr/>
           <p:nvPr/>
@@ -31567,56 +31160,6 @@
                 <a:effectLst/>
               </a:rPr>
               <a:t>1</a:t>
-            </a:r>
-            <a:endParaRPr lang="en-US" i="0" dirty="0">
-              <a:solidFill>
-                <a:srgbClr val="000000"/>
-              </a:solidFill>
-              <a:effectLst/>
-            </a:endParaRPr>
-          </a:p>
-        </p:txBody>
-      </p:sp>
-      <p:sp>
-        <p:nvSpPr>
-          <p:cNvPr id="20" name="Rectangle 19"/>
-          <p:cNvSpPr/>
-          <p:nvPr/>
-        </p:nvSpPr>
-        <p:spPr>
-          <a:xfrm>
-            <a:off x="3419872" y="2348880"/>
-            <a:ext cx="360040" cy="430887"/>
-          </a:xfrm>
-          <a:prstGeom prst="rect">
-            <a:avLst/>
-          </a:prstGeom>
-          <a:solidFill>
-            <a:srgbClr val="FFFFFF"/>
-          </a:solidFill>
-          <a:effectLst>
-            <a:glow rad="101600">
-              <a:schemeClr val="tx1">
-                <a:alpha val="75000"/>
-              </a:schemeClr>
-            </a:glow>
-          </a:effectLst>
-        </p:spPr>
-        <p:txBody>
-          <a:bodyPr wrap="square">
-            <a:spAutoFit/>
-          </a:bodyPr>
-          <a:lstStyle/>
-          <a:p>
-            <a:pPr algn="ctr"/>
-            <a:r>
-              <a:rPr lang="en-US" i="0" dirty="0" smtClean="0">
-                <a:solidFill>
-                  <a:srgbClr val="000000"/>
-                </a:solidFill>
-                <a:effectLst/>
-              </a:rPr>
-              <a:t>2</a:t>
             </a:r>
             <a:endParaRPr lang="en-US" i="0" dirty="0">
               <a:solidFill>
@@ -31734,7 +31277,7 @@
     </p:spTree>
     <p:extLst>
       <p:ext uri="{BB962C8B-B14F-4D97-AF65-F5344CB8AC3E}">
-        <p14:creationId xmlns:p14="http://schemas.microsoft.com/office/powerpoint/2010/main" val="2244099071"/>
+        <p14:creationId xmlns:p14="http://schemas.microsoft.com/office/powerpoint/2010/main" val="1157409906"/>
       </p:ext>
     </p:extLst>
   </p:cSld>
@@ -32410,129 +31953,6 @@
       </p:sp>
       <p:sp>
         <p:nvSpPr>
-          <p:cNvPr id="21" name="Rectangle 20"/>
-          <p:cNvSpPr/>
-          <p:nvPr/>
-        </p:nvSpPr>
-        <p:spPr>
-          <a:xfrm>
-            <a:off x="2195736" y="1196752"/>
-            <a:ext cx="360040" cy="430887"/>
-          </a:xfrm>
-          <a:prstGeom prst="rect">
-            <a:avLst/>
-          </a:prstGeom>
-          <a:solidFill>
-            <a:srgbClr val="FFFFFF"/>
-          </a:solidFill>
-          <a:effectLst>
-            <a:glow rad="101600">
-              <a:schemeClr val="tx1">
-                <a:alpha val="75000"/>
-              </a:schemeClr>
-            </a:glow>
-          </a:effectLst>
-        </p:spPr>
-        <p:txBody>
-          <a:bodyPr wrap="square">
-            <a:spAutoFit/>
-          </a:bodyPr>
-          <a:lstStyle/>
-          <a:p>
-            <a:pPr algn="ctr"/>
-            <a:r>
-              <a:rPr lang="en-US" i="0" dirty="0" smtClean="0">
-                <a:solidFill>
-                  <a:srgbClr val="000000"/>
-                </a:solidFill>
-                <a:effectLst/>
-              </a:rPr>
-              <a:t>3</a:t>
-            </a:r>
-            <a:endParaRPr lang="en-US" i="0" dirty="0">
-              <a:solidFill>
-                <a:srgbClr val="000000"/>
-              </a:solidFill>
-              <a:effectLst/>
-            </a:endParaRPr>
-          </a:p>
-        </p:txBody>
-      </p:sp>
-      <p:sp>
-        <p:nvSpPr>
-          <p:cNvPr id="18" name="Lightning Bolt 17"/>
-          <p:cNvSpPr/>
-          <p:nvPr/>
-        </p:nvSpPr>
-        <p:spPr bwMode="auto">
-          <a:xfrm rot="470342">
-            <a:off x="1999937" y="1481693"/>
-            <a:ext cx="360040" cy="402237"/>
-          </a:xfrm>
-          <a:prstGeom prst="lightningBolt">
-            <a:avLst/>
-          </a:prstGeom>
-          <a:solidFill>
-            <a:srgbClr val="FFFFFF"/>
-          </a:solidFill>
-          <a:ln w="9525" cap="flat" cmpd="sng" algn="ctr">
-            <a:solidFill>
-              <a:schemeClr val="tx1"/>
-            </a:solidFill>
-            <a:prstDash val="solid"/>
-            <a:round/>
-            <a:headEnd type="none" w="med" len="med"/>
-            <a:tailEnd type="none" w="med" len="med"/>
-          </a:ln>
-          <a:effectLst>
-            <a:glow rad="101600">
-              <a:srgbClr val="FF0080">
-                <a:alpha val="50000"/>
-              </a:srgbClr>
-            </a:glow>
-          </a:effectLst>
-        </p:spPr>
-        <p:txBody>
-          <a:bodyPr vert="horz" wrap="square" lIns="91440" tIns="45720" rIns="91440" bIns="45720" numCol="1" rtlCol="0" anchor="t" anchorCtr="0" compatLnSpc="1">
-            <a:prstTxWarp prst="textNoShape">
-              <a:avLst/>
-            </a:prstTxWarp>
-          </a:bodyPr>
-          <a:lstStyle/>
-          <a:p>
-            <a:pPr marL="0" marR="0" indent="0" algn="l" defTabSz="449263" rtl="0" eaLnBrk="1" fontAlgn="base" latinLnBrk="0" hangingPunct="1">
-              <a:lnSpc>
-                <a:spcPct val="100000"/>
-              </a:lnSpc>
-              <a:spcBef>
-                <a:spcPct val="0"/>
-              </a:spcBef>
-              <a:spcAft>
-                <a:spcPct val="0"/>
-              </a:spcAft>
-              <a:buClr>
-                <a:srgbClr val="000000"/>
-              </a:buClr>
-              <a:buSzPct val="100000"/>
-              <a:buFont typeface="Times New Roman" charset="0"/>
-              <a:buNone/>
-              <a:tabLst/>
-            </a:pPr>
-            <a:endParaRPr kumimoji="0" lang="en-US" sz="2200" b="0" i="1" u="none" strike="noStrike" cap="none" normalizeH="0" baseline="0" dirty="0">
-              <a:ln>
-                <a:noFill/>
-              </a:ln>
-              <a:solidFill>
-                <a:schemeClr val="bg1"/>
-              </a:solidFill>
-              <a:effectLst/>
-              <a:latin typeface="Myriad Web" charset="0"/>
-            </a:endParaRPr>
-          </a:p>
-        </p:txBody>
-      </p:sp>
-      <p:sp>
-        <p:nvSpPr>
           <p:cNvPr id="22" name="Oval 17"/>
           <p:cNvSpPr>
             <a:spLocks noChangeArrowheads="1"/>
@@ -32638,7 +32058,7 @@
     </p:spTree>
     <p:extLst>
       <p:ext uri="{BB962C8B-B14F-4D97-AF65-F5344CB8AC3E}">
-        <p14:creationId xmlns:p14="http://schemas.microsoft.com/office/powerpoint/2010/main" val="3401642987"/>
+        <p14:creationId xmlns:p14="http://schemas.microsoft.com/office/powerpoint/2010/main" val="2244099071"/>
       </p:ext>
     </p:extLst>
   </p:cSld>
@@ -32675,14 +32095,159 @@
       </p:grpSpPr>
       <p:sp>
         <p:nvSpPr>
-          <p:cNvPr id="2" name="Rectangle 1"/>
+          <p:cNvPr id="30" name="Oval 17"/>
+          <p:cNvSpPr>
+            <a:spLocks noChangeArrowheads="1"/>
+          </p:cNvSpPr>
+          <p:nvPr/>
+        </p:nvSpPr>
+        <p:spPr bwMode="auto">
+          <a:xfrm>
+            <a:off x="3267348" y="4222750"/>
+            <a:ext cx="1441450" cy="1441450"/>
+          </a:xfrm>
+          <a:prstGeom prst="ellipse">
+            <a:avLst/>
+          </a:prstGeom>
+          <a:solidFill>
+            <a:schemeClr val="tx1">
+              <a:lumMod val="75000"/>
+              <a:lumOff val="25000"/>
+              <a:alpha val="50000"/>
+            </a:schemeClr>
+          </a:solidFill>
+          <a:ln>
+            <a:noFill/>
+          </a:ln>
+          <a:effectLst/>
+        </p:spPr>
+        <p:txBody>
+          <a:bodyPr wrap="none" anchor="ctr"/>
+          <a:lstStyle/>
+          <a:p>
+            <a:endParaRPr lang="en-US" dirty="0"/>
+          </a:p>
+        </p:txBody>
+      </p:sp>
+      <p:sp>
+        <p:nvSpPr>
+          <p:cNvPr id="31" name="Oval 18"/>
+          <p:cNvSpPr>
+            <a:spLocks noChangeArrowheads="1"/>
+          </p:cNvSpPr>
+          <p:nvPr/>
+        </p:nvSpPr>
+        <p:spPr bwMode="auto">
+          <a:xfrm>
+            <a:off x="3635648" y="4202113"/>
+            <a:ext cx="1441450" cy="1482725"/>
+          </a:xfrm>
+          <a:prstGeom prst="ellipse">
+            <a:avLst/>
+          </a:prstGeom>
+          <a:solidFill>
+            <a:schemeClr val="tx1"/>
+          </a:solidFill>
+          <a:ln w="38100">
+            <a:solidFill>
+              <a:srgbClr val="000000"/>
+            </a:solidFill>
+            <a:round/>
+            <a:headEnd/>
+            <a:tailEnd/>
+          </a:ln>
+          <a:effectLst/>
+        </p:spPr>
+        <p:txBody>
+          <a:bodyPr wrap="none" anchor="ctr"/>
+          <a:lstStyle/>
+          <a:p>
+            <a:endParaRPr lang="en-US" dirty="0"/>
+          </a:p>
+        </p:txBody>
+      </p:sp>
+      <p:sp>
+        <p:nvSpPr>
+          <p:cNvPr id="28" name="Oval 17"/>
+          <p:cNvSpPr>
+            <a:spLocks noChangeArrowheads="1"/>
+          </p:cNvSpPr>
+          <p:nvPr/>
+        </p:nvSpPr>
+        <p:spPr bwMode="auto">
+          <a:xfrm>
+            <a:off x="3648596" y="4222750"/>
+            <a:ext cx="1441450" cy="1441450"/>
+          </a:xfrm>
+          <a:prstGeom prst="ellipse">
+            <a:avLst/>
+          </a:prstGeom>
+          <a:solidFill>
+            <a:schemeClr val="bg1">
+              <a:lumMod val="50000"/>
+              <a:alpha val="50000"/>
+            </a:schemeClr>
+          </a:solidFill>
+          <a:ln>
+            <a:noFill/>
+          </a:ln>
+          <a:effectLst/>
+        </p:spPr>
+        <p:txBody>
+          <a:bodyPr wrap="none" anchor="ctr"/>
+          <a:lstStyle/>
+          <a:p>
+            <a:endParaRPr lang="en-US" dirty="0"/>
+          </a:p>
+        </p:txBody>
+      </p:sp>
+      <p:sp>
+        <p:nvSpPr>
+          <p:cNvPr id="29" name="Oval 18"/>
+          <p:cNvSpPr>
+            <a:spLocks noChangeArrowheads="1"/>
+          </p:cNvSpPr>
+          <p:nvPr/>
+        </p:nvSpPr>
+        <p:spPr bwMode="auto">
+          <a:xfrm>
+            <a:off x="4016896" y="4202113"/>
+            <a:ext cx="1441450" cy="1482725"/>
+          </a:xfrm>
+          <a:prstGeom prst="ellipse">
+            <a:avLst/>
+          </a:prstGeom>
+          <a:solidFill>
+            <a:schemeClr val="tx1"/>
+          </a:solidFill>
+          <a:ln w="38100">
+            <a:solidFill>
+              <a:srgbClr val="000000"/>
+            </a:solidFill>
+            <a:round/>
+            <a:headEnd/>
+            <a:tailEnd/>
+          </a:ln>
+          <a:effectLst/>
+        </p:spPr>
+        <p:txBody>
+          <a:bodyPr wrap="none" anchor="ctr"/>
+          <a:lstStyle/>
+          <a:p>
+            <a:endParaRPr lang="en-US" dirty="0"/>
+          </a:p>
+        </p:txBody>
+      </p:sp>
+      <p:sp>
+        <p:nvSpPr>
+          <p:cNvPr id="14" name="Rectangle 13"/>
           <p:cNvSpPr/>
           <p:nvPr/>
         </p:nvSpPr>
         <p:spPr>
           <a:xfrm>
-            <a:off x="323528" y="188640"/>
-            <a:ext cx="4104456" cy="3816429"/>
+            <a:off x="611560" y="836712"/>
+            <a:ext cx="2987824" cy="430887"/>
           </a:xfrm>
           <a:prstGeom prst="rect">
             <a:avLst/>
@@ -32694,36 +32259,710 @@
           </a:bodyPr>
           <a:lstStyle/>
           <a:p>
-            <a:r>
-              <a:rPr lang="en-US" i="0" dirty="0" smtClean="0"/>
-              <a:t>Only representations with a common format can be inferentially integrated.</a:t>
-            </a:r>
-          </a:p>
-          <a:p>
-            <a:endParaRPr lang="en-US" i="0" dirty="0" smtClean="0"/>
-          </a:p>
-          <a:p>
-            <a:r>
-              <a:rPr lang="en-US" i="0" dirty="0" smtClean="0"/>
-              <a:t>Any two intentions can be inferentially integrated in practical reasoning.</a:t>
-            </a:r>
-          </a:p>
-          <a:p>
-            <a:endParaRPr lang="en-US" i="0" dirty="0" smtClean="0"/>
-          </a:p>
-          <a:p>
-            <a:r>
-              <a:rPr lang="en-US" i="0" dirty="0" smtClean="0"/>
-              <a:t>My intention that I visit Paris on Friday is a propositional attitude.</a:t>
-            </a:r>
-            <a:endParaRPr lang="en-US" i="0" dirty="0"/>
+            <a:pPr algn="ctr"/>
+            <a:r>
+              <a:rPr lang="en-US" i="0" dirty="0" smtClean="0">
+                <a:effectLst>
+                  <a:glow rad="101600">
+                    <a:srgbClr val="000000"/>
+                  </a:glow>
+                </a:effectLst>
+              </a:rPr>
+              <a:t>imagine</a:t>
+            </a:r>
+            <a:endParaRPr lang="en-US" i="0" dirty="0">
+              <a:effectLst>
+                <a:glow rad="101600">
+                  <a:srgbClr val="000000"/>
+                </a:glow>
+              </a:effectLst>
+            </a:endParaRPr>
+          </a:p>
+        </p:txBody>
+      </p:sp>
+      <p:sp>
+        <p:nvSpPr>
+          <p:cNvPr id="8" name="Rectangle 7"/>
+          <p:cNvSpPr/>
+          <p:nvPr/>
+        </p:nvSpPr>
+        <p:spPr>
+          <a:xfrm>
+            <a:off x="5364088" y="836712"/>
+            <a:ext cx="2987824" cy="430887"/>
+          </a:xfrm>
+          <a:prstGeom prst="rect">
+            <a:avLst/>
+          </a:prstGeom>
+        </p:spPr>
+        <p:txBody>
+          <a:bodyPr wrap="square">
+            <a:spAutoFit/>
+          </a:bodyPr>
+          <a:lstStyle/>
+          <a:p>
+            <a:pPr algn="ctr"/>
+            <a:r>
+              <a:rPr lang="en-US" i="0" dirty="0" smtClean="0">
+                <a:effectLst>
+                  <a:glow rad="101600">
+                    <a:srgbClr val="000000"/>
+                  </a:glow>
+                </a:effectLst>
+              </a:rPr>
+              <a:t>actually</a:t>
+            </a:r>
+            <a:endParaRPr lang="en-US" i="0" dirty="0">
+              <a:effectLst>
+                <a:glow rad="101600">
+                  <a:srgbClr val="000000"/>
+                </a:glow>
+              </a:effectLst>
+            </a:endParaRPr>
+          </a:p>
+        </p:txBody>
+      </p:sp>
+      <p:sp>
+        <p:nvSpPr>
+          <p:cNvPr id="9" name="Rectangle 8"/>
+          <p:cNvSpPr/>
+          <p:nvPr/>
+        </p:nvSpPr>
+        <p:spPr>
+          <a:xfrm>
+            <a:off x="683568" y="1412776"/>
+            <a:ext cx="1296144" cy="430887"/>
+          </a:xfrm>
+          <a:prstGeom prst="rect">
+            <a:avLst/>
+          </a:prstGeom>
+        </p:spPr>
+        <p:txBody>
+          <a:bodyPr wrap="square">
+            <a:spAutoFit/>
+          </a:bodyPr>
+          <a:lstStyle/>
+          <a:p>
+            <a:pPr algn="ctr"/>
+            <a:r>
+              <a:rPr lang="en-US" i="0" dirty="0" smtClean="0">
+                <a:effectLst>
+                  <a:glow rad="101600">
+                    <a:srgbClr val="000000"/>
+                  </a:glow>
+                </a:effectLst>
+              </a:rPr>
+              <a:t>seeing</a:t>
+            </a:r>
+            <a:endParaRPr lang="en-US" i="0" dirty="0">
+              <a:effectLst>
+                <a:glow rad="101600">
+                  <a:srgbClr val="000000"/>
+                </a:glow>
+              </a:effectLst>
+            </a:endParaRPr>
+          </a:p>
+        </p:txBody>
+      </p:sp>
+      <p:sp>
+        <p:nvSpPr>
+          <p:cNvPr id="10" name="Rectangle 9"/>
+          <p:cNvSpPr/>
+          <p:nvPr/>
+        </p:nvSpPr>
+        <p:spPr>
+          <a:xfrm>
+            <a:off x="2555776" y="1412776"/>
+            <a:ext cx="1296144" cy="430887"/>
+          </a:xfrm>
+          <a:prstGeom prst="rect">
+            <a:avLst/>
+          </a:prstGeom>
+        </p:spPr>
+        <p:txBody>
+          <a:bodyPr wrap="square">
+            <a:spAutoFit/>
+          </a:bodyPr>
+          <a:lstStyle/>
+          <a:p>
+            <a:pPr algn="ctr"/>
+            <a:r>
+              <a:rPr lang="en-US" i="0" dirty="0" smtClean="0">
+                <a:effectLst>
+                  <a:glow rad="101600">
+                    <a:srgbClr val="000000"/>
+                  </a:glow>
+                </a:effectLst>
+              </a:rPr>
+              <a:t>acting</a:t>
+            </a:r>
+            <a:endParaRPr lang="en-US" i="0" dirty="0">
+              <a:effectLst>
+                <a:glow rad="101600">
+                  <a:srgbClr val="000000"/>
+                </a:glow>
+              </a:effectLst>
+            </a:endParaRPr>
+          </a:p>
+        </p:txBody>
+      </p:sp>
+      <p:sp>
+        <p:nvSpPr>
+          <p:cNvPr id="15" name="Rectangle 14"/>
+          <p:cNvSpPr/>
+          <p:nvPr/>
+        </p:nvSpPr>
+        <p:spPr>
+          <a:xfrm>
+            <a:off x="5364088" y="1412776"/>
+            <a:ext cx="1296144" cy="430887"/>
+          </a:xfrm>
+          <a:prstGeom prst="rect">
+            <a:avLst/>
+          </a:prstGeom>
+        </p:spPr>
+        <p:txBody>
+          <a:bodyPr wrap="square">
+            <a:spAutoFit/>
+          </a:bodyPr>
+          <a:lstStyle/>
+          <a:p>
+            <a:pPr algn="ctr"/>
+            <a:r>
+              <a:rPr lang="en-US" i="0" dirty="0" smtClean="0">
+                <a:effectLst>
+                  <a:glow rad="101600">
+                    <a:srgbClr val="000000"/>
+                  </a:glow>
+                </a:effectLst>
+              </a:rPr>
+              <a:t>seeing</a:t>
+            </a:r>
+            <a:endParaRPr lang="en-US" i="0" dirty="0">
+              <a:effectLst>
+                <a:glow rad="101600">
+                  <a:srgbClr val="000000"/>
+                </a:glow>
+              </a:effectLst>
+            </a:endParaRPr>
+          </a:p>
+        </p:txBody>
+      </p:sp>
+      <p:sp>
+        <p:nvSpPr>
+          <p:cNvPr id="16" name="Rectangle 15"/>
+          <p:cNvSpPr/>
+          <p:nvPr/>
+        </p:nvSpPr>
+        <p:spPr>
+          <a:xfrm>
+            <a:off x="7236296" y="1412776"/>
+            <a:ext cx="1296144" cy="430887"/>
+          </a:xfrm>
+          <a:prstGeom prst="rect">
+            <a:avLst/>
+          </a:prstGeom>
+        </p:spPr>
+        <p:txBody>
+          <a:bodyPr wrap="square">
+            <a:spAutoFit/>
+          </a:bodyPr>
+          <a:lstStyle/>
+          <a:p>
+            <a:pPr algn="ctr"/>
+            <a:r>
+              <a:rPr lang="en-US" i="0" dirty="0" smtClean="0">
+                <a:effectLst>
+                  <a:glow rad="101600">
+                    <a:srgbClr val="000000"/>
+                  </a:glow>
+                </a:effectLst>
+              </a:rPr>
+              <a:t>acting</a:t>
+            </a:r>
+            <a:endParaRPr lang="en-US" i="0" dirty="0">
+              <a:effectLst>
+                <a:glow rad="101600">
+                  <a:srgbClr val="000000"/>
+                </a:glow>
+              </a:effectLst>
+            </a:endParaRPr>
+          </a:p>
+        </p:txBody>
+      </p:sp>
+      <p:sp>
+        <p:nvSpPr>
+          <p:cNvPr id="7" name="Right Bracket 6"/>
+          <p:cNvSpPr/>
+          <p:nvPr/>
+        </p:nvSpPr>
+        <p:spPr bwMode="auto">
+          <a:xfrm rot="5400000">
+            <a:off x="3455876" y="-423428"/>
+            <a:ext cx="216024" cy="4896544"/>
+          </a:xfrm>
+          <a:prstGeom prst="rightBracket">
+            <a:avLst/>
+          </a:prstGeom>
+          <a:noFill/>
+          <a:ln w="38100" cap="flat" cmpd="sng" algn="ctr">
+            <a:solidFill>
+              <a:schemeClr val="bg1"/>
+            </a:solidFill>
+            <a:prstDash val="solid"/>
+            <a:round/>
+            <a:headEnd type="none" w="med" len="med"/>
+            <a:tailEnd type="none" w="med" len="med"/>
+          </a:ln>
+          <a:effectLst>
+            <a:glow rad="101600">
+              <a:schemeClr val="tx1">
+                <a:alpha val="75000"/>
+              </a:schemeClr>
+            </a:glow>
+          </a:effectLst>
+        </p:spPr>
+        <p:txBody>
+          <a:bodyPr vert="horz" wrap="square" lIns="91440" tIns="45720" rIns="91440" bIns="45720" numCol="1" rtlCol="0" anchor="t" anchorCtr="0" compatLnSpc="1">
+            <a:prstTxWarp prst="textNoShape">
+              <a:avLst/>
+            </a:prstTxWarp>
+          </a:bodyPr>
+          <a:lstStyle/>
+          <a:p>
+            <a:pPr marL="0" marR="0" indent="0" algn="l" defTabSz="449263" rtl="0" eaLnBrk="1" fontAlgn="base" latinLnBrk="0" hangingPunct="1">
+              <a:lnSpc>
+                <a:spcPct val="100000"/>
+              </a:lnSpc>
+              <a:spcBef>
+                <a:spcPct val="0"/>
+              </a:spcBef>
+              <a:spcAft>
+                <a:spcPct val="0"/>
+              </a:spcAft>
+              <a:buClr>
+                <a:srgbClr val="000000"/>
+              </a:buClr>
+              <a:buSzPct val="100000"/>
+              <a:buFont typeface="Times New Roman" charset="0"/>
+              <a:buNone/>
+              <a:tabLst/>
+            </a:pPr>
+            <a:endParaRPr kumimoji="0" lang="en-US" sz="2200" b="0" i="1" u="none" strike="noStrike" cap="none" normalizeH="0" baseline="0">
+              <a:ln>
+                <a:noFill/>
+              </a:ln>
+              <a:solidFill>
+                <a:schemeClr val="bg1"/>
+              </a:solidFill>
+              <a:effectLst/>
+              <a:latin typeface="Myriad Web" charset="0"/>
+            </a:endParaRPr>
+          </a:p>
+        </p:txBody>
+      </p:sp>
+      <p:sp>
+        <p:nvSpPr>
+          <p:cNvPr id="17" name="Right Bracket 16"/>
+          <p:cNvSpPr/>
+          <p:nvPr/>
+        </p:nvSpPr>
+        <p:spPr bwMode="auto">
+          <a:xfrm rot="5400000">
+            <a:off x="5328084" y="-279412"/>
+            <a:ext cx="504056" cy="4896544"/>
+          </a:xfrm>
+          <a:prstGeom prst="rightBracket">
+            <a:avLst/>
+          </a:prstGeom>
+          <a:noFill/>
+          <a:ln w="38100" cap="flat" cmpd="sng" algn="ctr">
+            <a:solidFill>
+              <a:schemeClr val="bg1"/>
+            </a:solidFill>
+            <a:prstDash val="solid"/>
+            <a:round/>
+            <a:headEnd type="none" w="med" len="med"/>
+            <a:tailEnd type="none" w="med" len="med"/>
+          </a:ln>
+          <a:effectLst>
+            <a:glow rad="101600">
+              <a:schemeClr val="tx1">
+                <a:alpha val="75000"/>
+              </a:schemeClr>
+            </a:glow>
+          </a:effectLst>
+        </p:spPr>
+        <p:txBody>
+          <a:bodyPr vert="horz" wrap="square" lIns="91440" tIns="45720" rIns="91440" bIns="45720" numCol="1" rtlCol="0" anchor="t" anchorCtr="0" compatLnSpc="1">
+            <a:prstTxWarp prst="textNoShape">
+              <a:avLst/>
+            </a:prstTxWarp>
+          </a:bodyPr>
+          <a:lstStyle/>
+          <a:p>
+            <a:pPr marL="0" marR="0" indent="0" algn="l" defTabSz="449263" rtl="0" eaLnBrk="1" fontAlgn="base" latinLnBrk="0" hangingPunct="1">
+              <a:lnSpc>
+                <a:spcPct val="100000"/>
+              </a:lnSpc>
+              <a:spcBef>
+                <a:spcPct val="0"/>
+              </a:spcBef>
+              <a:spcAft>
+                <a:spcPct val="0"/>
+              </a:spcAft>
+              <a:buClr>
+                <a:srgbClr val="000000"/>
+              </a:buClr>
+              <a:buSzPct val="100000"/>
+              <a:buFont typeface="Times New Roman" charset="0"/>
+              <a:buNone/>
+              <a:tabLst/>
+            </a:pPr>
+            <a:endParaRPr kumimoji="0" lang="en-US" sz="2200" b="0" i="1" u="none" strike="noStrike" cap="none" normalizeH="0" baseline="0">
+              <a:ln>
+                <a:noFill/>
+              </a:ln>
+              <a:solidFill>
+                <a:schemeClr val="bg1"/>
+              </a:solidFill>
+              <a:effectLst/>
+              <a:latin typeface="Myriad Web" charset="0"/>
+            </a:endParaRPr>
+          </a:p>
+        </p:txBody>
+      </p:sp>
+      <p:sp>
+        <p:nvSpPr>
+          <p:cNvPr id="19" name="Rectangle 18"/>
+          <p:cNvSpPr/>
+          <p:nvPr/>
+        </p:nvSpPr>
+        <p:spPr>
+          <a:xfrm>
+            <a:off x="1331640" y="2060848"/>
+            <a:ext cx="360040" cy="430887"/>
+          </a:xfrm>
+          <a:prstGeom prst="rect">
+            <a:avLst/>
+          </a:prstGeom>
+          <a:solidFill>
+            <a:srgbClr val="FFFFFF"/>
+          </a:solidFill>
+          <a:effectLst>
+            <a:glow rad="101600">
+              <a:schemeClr val="tx1">
+                <a:alpha val="75000"/>
+              </a:schemeClr>
+            </a:glow>
+          </a:effectLst>
+        </p:spPr>
+        <p:txBody>
+          <a:bodyPr wrap="square">
+            <a:spAutoFit/>
+          </a:bodyPr>
+          <a:lstStyle/>
+          <a:p>
+            <a:pPr algn="ctr"/>
+            <a:r>
+              <a:rPr lang="en-US" i="0" dirty="0" smtClean="0">
+                <a:solidFill>
+                  <a:srgbClr val="000000"/>
+                </a:solidFill>
+                <a:effectLst/>
+              </a:rPr>
+              <a:t>1</a:t>
+            </a:r>
+            <a:endParaRPr lang="en-US" i="0" dirty="0">
+              <a:solidFill>
+                <a:srgbClr val="000000"/>
+              </a:solidFill>
+              <a:effectLst/>
+            </a:endParaRPr>
+          </a:p>
+        </p:txBody>
+      </p:sp>
+      <p:sp>
+        <p:nvSpPr>
+          <p:cNvPr id="20" name="Rectangle 19"/>
+          <p:cNvSpPr/>
+          <p:nvPr/>
+        </p:nvSpPr>
+        <p:spPr>
+          <a:xfrm>
+            <a:off x="3419872" y="2348880"/>
+            <a:ext cx="360040" cy="430887"/>
+          </a:xfrm>
+          <a:prstGeom prst="rect">
+            <a:avLst/>
+          </a:prstGeom>
+          <a:solidFill>
+            <a:srgbClr val="FFFFFF"/>
+          </a:solidFill>
+          <a:effectLst>
+            <a:glow rad="101600">
+              <a:schemeClr val="tx1">
+                <a:alpha val="75000"/>
+              </a:schemeClr>
+            </a:glow>
+          </a:effectLst>
+        </p:spPr>
+        <p:txBody>
+          <a:bodyPr wrap="square">
+            <a:spAutoFit/>
+          </a:bodyPr>
+          <a:lstStyle/>
+          <a:p>
+            <a:pPr algn="ctr"/>
+            <a:r>
+              <a:rPr lang="en-US" i="0" dirty="0" smtClean="0">
+                <a:solidFill>
+                  <a:srgbClr val="000000"/>
+                </a:solidFill>
+                <a:effectLst/>
+              </a:rPr>
+              <a:t>2</a:t>
+            </a:r>
+            <a:endParaRPr lang="en-US" i="0" dirty="0">
+              <a:solidFill>
+                <a:srgbClr val="000000"/>
+              </a:solidFill>
+              <a:effectLst/>
+            </a:endParaRPr>
+          </a:p>
+        </p:txBody>
+      </p:sp>
+      <p:sp>
+        <p:nvSpPr>
+          <p:cNvPr id="21" name="Rectangle 20"/>
+          <p:cNvSpPr/>
+          <p:nvPr/>
+        </p:nvSpPr>
+        <p:spPr>
+          <a:xfrm>
+            <a:off x="2195736" y="1196752"/>
+            <a:ext cx="360040" cy="430887"/>
+          </a:xfrm>
+          <a:prstGeom prst="rect">
+            <a:avLst/>
+          </a:prstGeom>
+          <a:solidFill>
+            <a:srgbClr val="FFFFFF"/>
+          </a:solidFill>
+          <a:effectLst>
+            <a:glow rad="101600">
+              <a:schemeClr val="tx1">
+                <a:alpha val="75000"/>
+              </a:schemeClr>
+            </a:glow>
+          </a:effectLst>
+        </p:spPr>
+        <p:txBody>
+          <a:bodyPr wrap="square">
+            <a:spAutoFit/>
+          </a:bodyPr>
+          <a:lstStyle/>
+          <a:p>
+            <a:pPr algn="ctr"/>
+            <a:r>
+              <a:rPr lang="en-US" i="0" dirty="0" smtClean="0">
+                <a:solidFill>
+                  <a:srgbClr val="000000"/>
+                </a:solidFill>
+                <a:effectLst/>
+              </a:rPr>
+              <a:t>3</a:t>
+            </a:r>
+            <a:endParaRPr lang="en-US" i="0" dirty="0">
+              <a:solidFill>
+                <a:srgbClr val="000000"/>
+              </a:solidFill>
+              <a:effectLst/>
+            </a:endParaRPr>
+          </a:p>
+        </p:txBody>
+      </p:sp>
+      <p:sp>
+        <p:nvSpPr>
+          <p:cNvPr id="18" name="Lightning Bolt 17"/>
+          <p:cNvSpPr/>
+          <p:nvPr/>
+        </p:nvSpPr>
+        <p:spPr bwMode="auto">
+          <a:xfrm rot="470342">
+            <a:off x="1999937" y="1481693"/>
+            <a:ext cx="360040" cy="402237"/>
+          </a:xfrm>
+          <a:prstGeom prst="lightningBolt">
+            <a:avLst/>
+          </a:prstGeom>
+          <a:solidFill>
+            <a:srgbClr val="FFFFFF"/>
+          </a:solidFill>
+          <a:ln w="9525" cap="flat" cmpd="sng" algn="ctr">
+            <a:solidFill>
+              <a:schemeClr val="tx1"/>
+            </a:solidFill>
+            <a:prstDash val="solid"/>
+            <a:round/>
+            <a:headEnd type="none" w="med" len="med"/>
+            <a:tailEnd type="none" w="med" len="med"/>
+          </a:ln>
+          <a:effectLst>
+            <a:glow rad="101600">
+              <a:srgbClr val="FF0080">
+                <a:alpha val="50000"/>
+              </a:srgbClr>
+            </a:glow>
+          </a:effectLst>
+        </p:spPr>
+        <p:txBody>
+          <a:bodyPr vert="horz" wrap="square" lIns="91440" tIns="45720" rIns="91440" bIns="45720" numCol="1" rtlCol="0" anchor="t" anchorCtr="0" compatLnSpc="1">
+            <a:prstTxWarp prst="textNoShape">
+              <a:avLst/>
+            </a:prstTxWarp>
+          </a:bodyPr>
+          <a:lstStyle/>
+          <a:p>
+            <a:pPr marL="0" marR="0" indent="0" algn="l" defTabSz="449263" rtl="0" eaLnBrk="1" fontAlgn="base" latinLnBrk="0" hangingPunct="1">
+              <a:lnSpc>
+                <a:spcPct val="100000"/>
+              </a:lnSpc>
+              <a:spcBef>
+                <a:spcPct val="0"/>
+              </a:spcBef>
+              <a:spcAft>
+                <a:spcPct val="0"/>
+              </a:spcAft>
+              <a:buClr>
+                <a:srgbClr val="000000"/>
+              </a:buClr>
+              <a:buSzPct val="100000"/>
+              <a:buFont typeface="Times New Roman" charset="0"/>
+              <a:buNone/>
+              <a:tabLst/>
+            </a:pPr>
+            <a:endParaRPr kumimoji="0" lang="en-US" sz="2200" b="0" i="1" u="none" strike="noStrike" cap="none" normalizeH="0" baseline="0" dirty="0">
+              <a:ln>
+                <a:noFill/>
+              </a:ln>
+              <a:solidFill>
+                <a:schemeClr val="bg1"/>
+              </a:solidFill>
+              <a:effectLst/>
+              <a:latin typeface="Myriad Web" charset="0"/>
+            </a:endParaRPr>
+          </a:p>
+        </p:txBody>
+      </p:sp>
+      <p:sp>
+        <p:nvSpPr>
+          <p:cNvPr id="22" name="Oval 17"/>
+          <p:cNvSpPr>
+            <a:spLocks noChangeArrowheads="1"/>
+          </p:cNvSpPr>
+          <p:nvPr/>
+        </p:nvSpPr>
+        <p:spPr bwMode="auto">
+          <a:xfrm>
+            <a:off x="4032994" y="4222750"/>
+            <a:ext cx="1441450" cy="1441450"/>
+          </a:xfrm>
+          <a:prstGeom prst="ellipse">
+            <a:avLst/>
+          </a:prstGeom>
+          <a:solidFill>
+            <a:schemeClr val="bg1">
+              <a:lumMod val="75000"/>
+              <a:alpha val="50000"/>
+            </a:schemeClr>
+          </a:solidFill>
+          <a:ln>
+            <a:noFill/>
+          </a:ln>
+          <a:effectLst/>
+        </p:spPr>
+        <p:txBody>
+          <a:bodyPr wrap="none" anchor="ctr"/>
+          <a:lstStyle/>
+          <a:p>
+            <a:endParaRPr lang="en-US" dirty="0"/>
+          </a:p>
+        </p:txBody>
+      </p:sp>
+      <p:sp>
+        <p:nvSpPr>
+          <p:cNvPr id="23" name="Oval 18"/>
+          <p:cNvSpPr>
+            <a:spLocks noChangeArrowheads="1"/>
+          </p:cNvSpPr>
+          <p:nvPr/>
+        </p:nvSpPr>
+        <p:spPr bwMode="auto">
+          <a:xfrm>
+            <a:off x="4401294" y="4202113"/>
+            <a:ext cx="1441450" cy="1482725"/>
+          </a:xfrm>
+          <a:prstGeom prst="ellipse">
+            <a:avLst/>
+          </a:prstGeom>
+          <a:solidFill>
+            <a:schemeClr val="tx1"/>
+          </a:solidFill>
+          <a:ln w="38100">
+            <a:solidFill>
+              <a:srgbClr val="000000"/>
+            </a:solidFill>
+            <a:round/>
+            <a:headEnd/>
+            <a:tailEnd/>
+          </a:ln>
+          <a:effectLst/>
+        </p:spPr>
+        <p:txBody>
+          <a:bodyPr wrap="none" anchor="ctr"/>
+          <a:lstStyle/>
+          <a:p>
+            <a:endParaRPr lang="en-US" dirty="0"/>
+          </a:p>
+        </p:txBody>
+      </p:sp>
+      <p:sp>
+        <p:nvSpPr>
+          <p:cNvPr id="24" name="Oval 19"/>
+          <p:cNvSpPr>
+            <a:spLocks noChangeArrowheads="1"/>
+          </p:cNvSpPr>
+          <p:nvPr/>
+        </p:nvSpPr>
+        <p:spPr bwMode="auto">
+          <a:xfrm>
+            <a:off x="4426694" y="4222750"/>
+            <a:ext cx="1441450" cy="1441450"/>
+          </a:xfrm>
+          <a:prstGeom prst="ellipse">
+            <a:avLst/>
+          </a:prstGeom>
+          <a:solidFill>
+            <a:srgbClr val="FFFFFF"/>
+          </a:solidFill>
+          <a:ln>
+            <a:noFill/>
+          </a:ln>
+          <a:effectLst/>
+        </p:spPr>
+        <p:txBody>
+          <a:bodyPr wrap="none" anchor="ctr"/>
+          <a:lstStyle/>
+          <a:p>
+            <a:endParaRPr lang="en-US" dirty="0"/>
           </a:p>
         </p:txBody>
       </p:sp>
     </p:spTree>
     <p:extLst>
       <p:ext uri="{BB962C8B-B14F-4D97-AF65-F5344CB8AC3E}">
-        <p14:creationId xmlns:p14="http://schemas.microsoft.com/office/powerpoint/2010/main" val="2334089964"/>
+        <p14:creationId xmlns:p14="http://schemas.microsoft.com/office/powerpoint/2010/main" val="3401642987"/>
       </p:ext>
     </p:extLst>
   </p:cSld>
@@ -32799,116 +33038,24 @@
           <a:p>
             <a:r>
               <a:rPr lang="en-US" i="0" dirty="0" smtClean="0"/>
-              <a:t>My intention that I visit Paris on Friday is a propositional attitude.</a:t>
+              <a:t>My intention that I visit </a:t>
+            </a:r>
+            <a:r>
+              <a:rPr lang="en-US" i="0" dirty="0" smtClean="0"/>
+              <a:t>Lyon on </a:t>
+            </a:r>
+            <a:r>
+              <a:rPr lang="en-US" i="0" dirty="0" smtClean="0"/>
+              <a:t>Friday is a propositional attitude.</a:t>
             </a:r>
             <a:endParaRPr lang="en-US" i="0" dirty="0"/>
-          </a:p>
-        </p:txBody>
-      </p:sp>
-      <p:sp>
-        <p:nvSpPr>
-          <p:cNvPr id="4" name="Rectangle 3"/>
-          <p:cNvSpPr/>
-          <p:nvPr/>
-        </p:nvSpPr>
-        <p:spPr>
-          <a:xfrm>
-            <a:off x="4968552" y="1479555"/>
-            <a:ext cx="4572000" cy="1107996"/>
-          </a:xfrm>
-          <a:prstGeom prst="rect">
-            <a:avLst/>
-          </a:prstGeom>
-        </p:spPr>
-        <p:txBody>
-          <a:bodyPr>
-            <a:spAutoFit/>
-          </a:bodyPr>
-          <a:lstStyle/>
-          <a:p>
-            <a:endParaRPr lang="en-US" i="0" dirty="0" smtClean="0"/>
-          </a:p>
-          <a:p>
-            <a:r>
-              <a:rPr lang="en-US" i="0" dirty="0" smtClean="0"/>
-              <a:t>All intentions are propositional attitudes.</a:t>
-            </a:r>
-            <a:endParaRPr lang="en-US" i="0" dirty="0"/>
-          </a:p>
-        </p:txBody>
-      </p:sp>
-      <p:sp>
-        <p:nvSpPr>
-          <p:cNvPr id="7" name="Right Brace 6"/>
-          <p:cNvSpPr/>
-          <p:nvPr/>
-        </p:nvSpPr>
-        <p:spPr bwMode="auto">
-          <a:xfrm>
-            <a:off x="4355976" y="188640"/>
-            <a:ext cx="504056" cy="3888432"/>
-          </a:xfrm>
-          <a:prstGeom prst="rightBrace">
-            <a:avLst>
-              <a:gd name="adj1" fmla="val 49914"/>
-              <a:gd name="adj2" fmla="val 49683"/>
-            </a:avLst>
-          </a:prstGeom>
-          <a:noFill/>
-          <a:ln w="9525" cap="flat" cmpd="sng" algn="ctr">
-            <a:solidFill>
-              <a:srgbClr val="FFFFFF"/>
-            </a:solidFill>
-            <a:prstDash val="solid"/>
-            <a:round/>
-            <a:headEnd type="none" w="med" len="med"/>
-            <a:tailEnd type="none" w="med" len="med"/>
-          </a:ln>
-          <a:effectLst/>
-        </p:spPr>
-        <p:txBody>
-          <a:bodyPr vert="horz" wrap="square" lIns="91440" tIns="45720" rIns="91440" bIns="45720" numCol="1" rtlCol="0" anchor="t" anchorCtr="0" compatLnSpc="1">
-            <a:prstTxWarp prst="textNoShape">
-              <a:avLst/>
-            </a:prstTxWarp>
-          </a:bodyPr>
-          <a:lstStyle/>
-          <a:p>
-            <a:pPr marL="0" marR="0" indent="0" algn="l" defTabSz="449263" rtl="0" eaLnBrk="1" fontAlgn="base" latinLnBrk="0" hangingPunct="1">
-              <a:lnSpc>
-                <a:spcPct val="100000"/>
-              </a:lnSpc>
-              <a:spcBef>
-                <a:spcPct val="0"/>
-              </a:spcBef>
-              <a:spcAft>
-                <a:spcPct val="0"/>
-              </a:spcAft>
-              <a:buClr>
-                <a:srgbClr val="000000"/>
-              </a:buClr>
-              <a:buSzPct val="100000"/>
-              <a:buFont typeface="Times New Roman" charset="0"/>
-              <a:buNone/>
-              <a:tabLst/>
-            </a:pPr>
-            <a:endParaRPr kumimoji="0" lang="en-US" sz="2200" b="0" i="1" u="none" strike="noStrike" cap="none" normalizeH="0" baseline="0">
-              <a:ln>
-                <a:noFill/>
-              </a:ln>
-              <a:solidFill>
-                <a:schemeClr val="bg1"/>
-              </a:solidFill>
-              <a:effectLst/>
-              <a:latin typeface="Myriad Web" charset="0"/>
-            </a:endParaRPr>
           </a:p>
         </p:txBody>
       </p:sp>
     </p:spTree>
     <p:extLst>
       <p:ext uri="{BB962C8B-B14F-4D97-AF65-F5344CB8AC3E}">
-        <p14:creationId xmlns:p14="http://schemas.microsoft.com/office/powerpoint/2010/main" val="3385616274"/>
+        <p14:creationId xmlns:p14="http://schemas.microsoft.com/office/powerpoint/2010/main" val="2334089964"/>
       </p:ext>
     </p:extLst>
   </p:cSld>
@@ -32984,7 +33131,15 @@
           <a:p>
             <a:r>
               <a:rPr lang="en-US" i="0" dirty="0" smtClean="0"/>
-              <a:t>My intention that I visit Paris on Friday is a propositional attitude.</a:t>
+              <a:t>My intention that I visit </a:t>
+            </a:r>
+            <a:r>
+              <a:rPr lang="en-US" i="0" dirty="0" smtClean="0"/>
+              <a:t>Lyon on </a:t>
+            </a:r>
+            <a:r>
+              <a:rPr lang="en-US" i="0" dirty="0" smtClean="0"/>
+              <a:t>Friday is a propositional attitude.</a:t>
             </a:r>
             <a:endParaRPr lang="en-US" i="0" dirty="0"/>
           </a:p>
@@ -33017,51 +33172,6 @@
             <a:r>
               <a:rPr lang="en-US" i="0" dirty="0" smtClean="0"/>
               <a:t>All intentions are propositional attitudes.</a:t>
-            </a:r>
-            <a:endParaRPr lang="en-US" i="0" dirty="0"/>
-          </a:p>
-        </p:txBody>
-      </p:sp>
-      <p:sp>
-        <p:nvSpPr>
-          <p:cNvPr id="5" name="Rectangle 4"/>
-          <p:cNvSpPr/>
-          <p:nvPr/>
-        </p:nvSpPr>
-        <p:spPr>
-          <a:xfrm>
-            <a:off x="4968552" y="3595663"/>
-            <a:ext cx="4104456" cy="769441"/>
-          </a:xfrm>
-          <a:prstGeom prst="rect">
-            <a:avLst/>
-          </a:prstGeom>
-        </p:spPr>
-        <p:txBody>
-          <a:bodyPr wrap="square">
-            <a:spAutoFit/>
-          </a:bodyPr>
-          <a:lstStyle/>
-          <a:p>
-            <a:r>
-              <a:rPr lang="en-US" i="0" dirty="0" smtClean="0"/>
-              <a:t>No motor </a:t>
-            </a:r>
-            <a:r>
-              <a:rPr lang="en-US" i="0" dirty="0"/>
-              <a:t>representations are </a:t>
-            </a:r>
-            <a:r>
-              <a:rPr lang="en-US" i="0" dirty="0" smtClean="0"/>
-              <a:t>propositional </a:t>
-            </a:r>
-            <a:r>
-              <a:rPr lang="en-US" i="0" dirty="0"/>
-              <a:t>attitudes</a:t>
-            </a:r>
-            <a:r>
-              <a:rPr lang="en-US" i="0" dirty="0" smtClean="0"/>
-              <a:t>.</a:t>
             </a:r>
             <a:endParaRPr lang="en-US" i="0" dirty="0"/>
           </a:p>
@@ -33135,77 +33245,10 @@
           </a:p>
         </p:txBody>
       </p:sp>
-      <p:sp>
-        <p:nvSpPr>
-          <p:cNvPr id="8" name="Cross 7"/>
-          <p:cNvSpPr/>
-          <p:nvPr/>
-        </p:nvSpPr>
-        <p:spPr bwMode="auto">
-          <a:xfrm>
-            <a:off x="6516216" y="2708920"/>
-            <a:ext cx="720080" cy="720080"/>
-          </a:xfrm>
-          <a:prstGeom prst="plus">
-            <a:avLst>
-              <a:gd name="adj" fmla="val 47391"/>
-            </a:avLst>
-          </a:prstGeom>
-          <a:solidFill>
-            <a:schemeClr val="bg2"/>
-          </a:solidFill>
-          <a:ln w="9525" cap="flat" cmpd="sng" algn="ctr">
-            <a:noFill/>
-            <a:prstDash val="solid"/>
-            <a:round/>
-            <a:headEnd type="none" w="med" len="med"/>
-            <a:tailEnd type="none" w="med" len="med"/>
-          </a:ln>
-          <a:effectLst/>
-        </p:spPr>
-        <p:txBody>
-          <a:bodyPr vert="horz" wrap="square" lIns="91440" tIns="45720" rIns="91440" bIns="45720" numCol="1" rtlCol="0" anchor="t" anchorCtr="0" compatLnSpc="1">
-            <a:prstTxWarp prst="textNoShape">
-              <a:avLst/>
-            </a:prstTxWarp>
-          </a:bodyPr>
-          <a:lstStyle/>
-          <a:p>
-            <a:pPr marL="0" marR="0" indent="0" algn="l" defTabSz="449263" rtl="0" eaLnBrk="1" fontAlgn="base" latinLnBrk="0" hangingPunct="1">
-              <a:lnSpc>
-                <a:spcPct val="100000"/>
-              </a:lnSpc>
-              <a:spcBef>
-                <a:spcPct val="0"/>
-              </a:spcBef>
-              <a:spcAft>
-                <a:spcPct val="0"/>
-              </a:spcAft>
-              <a:buClr>
-                <a:srgbClr val="000000"/>
-              </a:buClr>
-              <a:buSzPct val="100000"/>
-              <a:buFont typeface="Times New Roman" charset="0"/>
-              <a:buNone/>
-              <a:tabLst/>
-            </a:pPr>
-            <a:endParaRPr kumimoji="0" lang="en-US" sz="2200" b="0" i="1" u="none" strike="noStrike" cap="none" normalizeH="0" baseline="0">
-              <a:ln>
-                <a:noFill/>
-              </a:ln>
-              <a:solidFill>
-                <a:schemeClr val="bg1"/>
-              </a:solidFill>
-              <a:effectLst/>
-              <a:latin typeface="Myriad Web" charset="0"/>
-            </a:endParaRPr>
-          </a:p>
-        </p:txBody>
-      </p:sp>
     </p:spTree>
     <p:extLst>
       <p:ext uri="{BB962C8B-B14F-4D97-AF65-F5344CB8AC3E}">
-        <p14:creationId xmlns:p14="http://schemas.microsoft.com/office/powerpoint/2010/main" val="3879067765"/>
+        <p14:creationId xmlns:p14="http://schemas.microsoft.com/office/powerpoint/2010/main" val="3385616274"/>
       </p:ext>
     </p:extLst>
   </p:cSld>
@@ -33930,7 +33973,15 @@
           <a:p>
             <a:r>
               <a:rPr lang="en-US" i="0" dirty="0" smtClean="0"/>
-              <a:t>My intention that I visit Paris on Friday is a propositional attitude.</a:t>
+              <a:t>My intention that I visit </a:t>
+            </a:r>
+            <a:r>
+              <a:rPr lang="en-US" i="0" dirty="0" smtClean="0"/>
+              <a:t>Lyon on </a:t>
+            </a:r>
+            <a:r>
+              <a:rPr lang="en-US" i="0" dirty="0" smtClean="0"/>
+              <a:t>Friday is a propositional attitude.</a:t>
             </a:r>
             <a:endParaRPr lang="en-US" i="0" dirty="0"/>
           </a:p>
@@ -34008,43 +34059,6 @@
             <a:r>
               <a:rPr lang="en-US" i="0" dirty="0" smtClean="0"/>
               <a:t>.</a:t>
-            </a:r>
-            <a:endParaRPr lang="en-US" i="0" dirty="0"/>
-          </a:p>
-        </p:txBody>
-      </p:sp>
-      <p:sp>
-        <p:nvSpPr>
-          <p:cNvPr id="6" name="Rectangle 5"/>
-          <p:cNvSpPr/>
-          <p:nvPr/>
-        </p:nvSpPr>
-        <p:spPr>
-          <a:xfrm>
-            <a:off x="4932040" y="5589240"/>
-            <a:ext cx="3960440" cy="769441"/>
-          </a:xfrm>
-          <a:prstGeom prst="rect">
-            <a:avLst/>
-          </a:prstGeom>
-        </p:spPr>
-        <p:txBody>
-          <a:bodyPr wrap="square">
-            <a:spAutoFit/>
-          </a:bodyPr>
-          <a:lstStyle/>
-          <a:p>
-            <a:r>
-              <a:rPr lang="en-US" i="0" dirty="0" smtClean="0"/>
-              <a:t>No motor </a:t>
-            </a:r>
-            <a:r>
-              <a:rPr lang="en-US" i="0" dirty="0"/>
-              <a:t>representations are </a:t>
-            </a:r>
-            <a:r>
-              <a:rPr lang="en-US" i="0" dirty="0" smtClean="0"/>
-              <a:t>intentions</a:t>
             </a:r>
             <a:endParaRPr lang="en-US" i="0" dirty="0"/>
           </a:p>
@@ -34120,6 +34134,348 @@
       </p:sp>
       <p:sp>
         <p:nvSpPr>
+          <p:cNvPr id="8" name="Cross 7"/>
+          <p:cNvSpPr/>
+          <p:nvPr/>
+        </p:nvSpPr>
+        <p:spPr bwMode="auto">
+          <a:xfrm>
+            <a:off x="6516216" y="2708920"/>
+            <a:ext cx="720080" cy="720080"/>
+          </a:xfrm>
+          <a:prstGeom prst="plus">
+            <a:avLst>
+              <a:gd name="adj" fmla="val 47391"/>
+            </a:avLst>
+          </a:prstGeom>
+          <a:solidFill>
+            <a:schemeClr val="bg2"/>
+          </a:solidFill>
+          <a:ln w="9525" cap="flat" cmpd="sng" algn="ctr">
+            <a:noFill/>
+            <a:prstDash val="solid"/>
+            <a:round/>
+            <a:headEnd type="none" w="med" len="med"/>
+            <a:tailEnd type="none" w="med" len="med"/>
+          </a:ln>
+          <a:effectLst/>
+        </p:spPr>
+        <p:txBody>
+          <a:bodyPr vert="horz" wrap="square" lIns="91440" tIns="45720" rIns="91440" bIns="45720" numCol="1" rtlCol="0" anchor="t" anchorCtr="0" compatLnSpc="1">
+            <a:prstTxWarp prst="textNoShape">
+              <a:avLst/>
+            </a:prstTxWarp>
+          </a:bodyPr>
+          <a:lstStyle/>
+          <a:p>
+            <a:pPr marL="0" marR="0" indent="0" algn="l" defTabSz="449263" rtl="0" eaLnBrk="1" fontAlgn="base" latinLnBrk="0" hangingPunct="1">
+              <a:lnSpc>
+                <a:spcPct val="100000"/>
+              </a:lnSpc>
+              <a:spcBef>
+                <a:spcPct val="0"/>
+              </a:spcBef>
+              <a:spcAft>
+                <a:spcPct val="0"/>
+              </a:spcAft>
+              <a:buClr>
+                <a:srgbClr val="000000"/>
+              </a:buClr>
+              <a:buSzPct val="100000"/>
+              <a:buFont typeface="Times New Roman" charset="0"/>
+              <a:buNone/>
+              <a:tabLst/>
+            </a:pPr>
+            <a:endParaRPr kumimoji="0" lang="en-US" sz="2200" b="0" i="1" u="none" strike="noStrike" cap="none" normalizeH="0" baseline="0">
+              <a:ln>
+                <a:noFill/>
+              </a:ln>
+              <a:solidFill>
+                <a:schemeClr val="bg1"/>
+              </a:solidFill>
+              <a:effectLst/>
+              <a:latin typeface="Myriad Web" charset="0"/>
+            </a:endParaRPr>
+          </a:p>
+        </p:txBody>
+      </p:sp>
+    </p:spTree>
+    <p:extLst>
+      <p:ext uri="{BB962C8B-B14F-4D97-AF65-F5344CB8AC3E}">
+        <p14:creationId xmlns:p14="http://schemas.microsoft.com/office/powerpoint/2010/main" val="3879067765"/>
+      </p:ext>
+    </p:extLst>
+  </p:cSld>
+  <p:clrMapOvr>
+    <a:masterClrMapping/>
+  </p:clrMapOvr>
+  <p:transition xmlns:p14="http://schemas.microsoft.com/office/powerpoint/2010/main"/>
+  <p:timing>
+    <p:tnLst>
+      <p:par>
+        <p:cTn xmlns:p14="http://schemas.microsoft.com/office/powerpoint/2010/main" id="1" dur="indefinite" restart="never" nodeType="tmRoot"/>
+      </p:par>
+    </p:tnLst>
+  </p:timing>
+</p:sld>
+</file>
+
+<file path=ppt/slides/slide31.xml><?xml version="1.0" encoding="utf-8"?>
+<p:sld xmlns:a="http://schemas.openxmlformats.org/drawingml/2006/main" xmlns:r="http://schemas.openxmlformats.org/officeDocument/2006/relationships" xmlns:p="http://schemas.openxmlformats.org/presentationml/2006/main">
+  <p:cSld>
+    <p:spTree>
+      <p:nvGrpSpPr>
+        <p:cNvPr id="1" name=""/>
+        <p:cNvGrpSpPr/>
+        <p:nvPr/>
+      </p:nvGrpSpPr>
+      <p:grpSpPr>
+        <a:xfrm>
+          <a:off x="0" y="0"/>
+          <a:ext cx="0" cy="0"/>
+          <a:chOff x="0" y="0"/>
+          <a:chExt cx="0" cy="0"/>
+        </a:xfrm>
+      </p:grpSpPr>
+      <p:sp>
+        <p:nvSpPr>
+          <p:cNvPr id="2" name="Rectangle 1"/>
+          <p:cNvSpPr/>
+          <p:nvPr/>
+        </p:nvSpPr>
+        <p:spPr>
+          <a:xfrm>
+            <a:off x="323528" y="188640"/>
+            <a:ext cx="4104456" cy="3816429"/>
+          </a:xfrm>
+          <a:prstGeom prst="rect">
+            <a:avLst/>
+          </a:prstGeom>
+        </p:spPr>
+        <p:txBody>
+          <a:bodyPr wrap="square">
+            <a:spAutoFit/>
+          </a:bodyPr>
+          <a:lstStyle/>
+          <a:p>
+            <a:r>
+              <a:rPr lang="en-US" i="0" dirty="0" smtClean="0"/>
+              <a:t>Only representations with a common format can be inferentially integrated.</a:t>
+            </a:r>
+          </a:p>
+          <a:p>
+            <a:endParaRPr lang="en-US" i="0" dirty="0" smtClean="0"/>
+          </a:p>
+          <a:p>
+            <a:r>
+              <a:rPr lang="en-US" i="0" dirty="0" smtClean="0"/>
+              <a:t>Any two intentions can be inferentially integrated in practical reasoning.</a:t>
+            </a:r>
+          </a:p>
+          <a:p>
+            <a:endParaRPr lang="en-US" i="0" dirty="0" smtClean="0"/>
+          </a:p>
+          <a:p>
+            <a:r>
+              <a:rPr lang="en-US" i="0" dirty="0" smtClean="0"/>
+              <a:t>My intention that I visit </a:t>
+            </a:r>
+            <a:r>
+              <a:rPr lang="en-US" i="0" dirty="0" smtClean="0"/>
+              <a:t>Lyon on </a:t>
+            </a:r>
+            <a:r>
+              <a:rPr lang="en-US" i="0" dirty="0" smtClean="0"/>
+              <a:t>Friday is a propositional attitude.</a:t>
+            </a:r>
+            <a:endParaRPr lang="en-US" i="0" dirty="0"/>
+          </a:p>
+        </p:txBody>
+      </p:sp>
+      <p:sp>
+        <p:nvSpPr>
+          <p:cNvPr id="4" name="Rectangle 3"/>
+          <p:cNvSpPr/>
+          <p:nvPr/>
+        </p:nvSpPr>
+        <p:spPr>
+          <a:xfrm>
+            <a:off x="4968552" y="1479555"/>
+            <a:ext cx="4572000" cy="1107996"/>
+          </a:xfrm>
+          <a:prstGeom prst="rect">
+            <a:avLst/>
+          </a:prstGeom>
+        </p:spPr>
+        <p:txBody>
+          <a:bodyPr>
+            <a:spAutoFit/>
+          </a:bodyPr>
+          <a:lstStyle/>
+          <a:p>
+            <a:endParaRPr lang="en-US" i="0" dirty="0" smtClean="0"/>
+          </a:p>
+          <a:p>
+            <a:r>
+              <a:rPr lang="en-US" i="0" dirty="0" smtClean="0"/>
+              <a:t>All intentions are propositional attitudes.</a:t>
+            </a:r>
+            <a:endParaRPr lang="en-US" i="0" dirty="0"/>
+          </a:p>
+        </p:txBody>
+      </p:sp>
+      <p:sp>
+        <p:nvSpPr>
+          <p:cNvPr id="5" name="Rectangle 4"/>
+          <p:cNvSpPr/>
+          <p:nvPr/>
+        </p:nvSpPr>
+        <p:spPr>
+          <a:xfrm>
+            <a:off x="4968552" y="3595663"/>
+            <a:ext cx="4104456" cy="769441"/>
+          </a:xfrm>
+          <a:prstGeom prst="rect">
+            <a:avLst/>
+          </a:prstGeom>
+        </p:spPr>
+        <p:txBody>
+          <a:bodyPr wrap="square">
+            <a:spAutoFit/>
+          </a:bodyPr>
+          <a:lstStyle/>
+          <a:p>
+            <a:r>
+              <a:rPr lang="en-US" i="0" dirty="0" smtClean="0"/>
+              <a:t>No motor </a:t>
+            </a:r>
+            <a:r>
+              <a:rPr lang="en-US" i="0" dirty="0"/>
+              <a:t>representations are </a:t>
+            </a:r>
+            <a:r>
+              <a:rPr lang="en-US" i="0" dirty="0" smtClean="0"/>
+              <a:t>propositional </a:t>
+            </a:r>
+            <a:r>
+              <a:rPr lang="en-US" i="0" dirty="0"/>
+              <a:t>attitudes</a:t>
+            </a:r>
+            <a:r>
+              <a:rPr lang="en-US" i="0" dirty="0" smtClean="0"/>
+              <a:t>.</a:t>
+            </a:r>
+            <a:endParaRPr lang="en-US" i="0" dirty="0"/>
+          </a:p>
+        </p:txBody>
+      </p:sp>
+      <p:sp>
+        <p:nvSpPr>
+          <p:cNvPr id="6" name="Rectangle 5"/>
+          <p:cNvSpPr/>
+          <p:nvPr/>
+        </p:nvSpPr>
+        <p:spPr>
+          <a:xfrm>
+            <a:off x="4932040" y="5589240"/>
+            <a:ext cx="3960440" cy="769441"/>
+          </a:xfrm>
+          <a:prstGeom prst="rect">
+            <a:avLst/>
+          </a:prstGeom>
+        </p:spPr>
+        <p:txBody>
+          <a:bodyPr wrap="square">
+            <a:spAutoFit/>
+          </a:bodyPr>
+          <a:lstStyle/>
+          <a:p>
+            <a:r>
+              <a:rPr lang="en-US" i="0" dirty="0" smtClean="0"/>
+              <a:t>No motor </a:t>
+            </a:r>
+            <a:r>
+              <a:rPr lang="en-US" i="0" dirty="0"/>
+              <a:t>representations are </a:t>
+            </a:r>
+            <a:r>
+              <a:rPr lang="en-US" i="0" dirty="0" smtClean="0"/>
+              <a:t>intentions</a:t>
+            </a:r>
+            <a:endParaRPr lang="en-US" i="0" dirty="0"/>
+          </a:p>
+        </p:txBody>
+      </p:sp>
+      <p:sp>
+        <p:nvSpPr>
+          <p:cNvPr id="7" name="Right Brace 6"/>
+          <p:cNvSpPr/>
+          <p:nvPr/>
+        </p:nvSpPr>
+        <p:spPr bwMode="auto">
+          <a:xfrm>
+            <a:off x="4355976" y="188640"/>
+            <a:ext cx="504056" cy="3888432"/>
+          </a:xfrm>
+          <a:prstGeom prst="rightBrace">
+            <a:avLst>
+              <a:gd name="adj1" fmla="val 49914"/>
+              <a:gd name="adj2" fmla="val 49683"/>
+            </a:avLst>
+          </a:prstGeom>
+          <a:noFill/>
+          <a:ln w="9525" cap="flat" cmpd="sng" algn="ctr">
+            <a:solidFill>
+              <a:srgbClr val="FFFFFF"/>
+            </a:solidFill>
+            <a:prstDash val="solid"/>
+            <a:round/>
+            <a:headEnd type="none" w="med" len="med"/>
+            <a:tailEnd type="none" w="med" len="med"/>
+          </a:ln>
+          <a:effectLst/>
+        </p:spPr>
+        <p:txBody>
+          <a:bodyPr vert="horz" wrap="square" lIns="91440" tIns="45720" rIns="91440" bIns="45720" numCol="1" rtlCol="0" anchor="t" anchorCtr="0" compatLnSpc="1">
+            <a:prstTxWarp prst="textNoShape">
+              <a:avLst/>
+            </a:prstTxWarp>
+          </a:bodyPr>
+          <a:lstStyle/>
+          <a:p>
+            <a:pPr marL="0" marR="0" indent="0" algn="l" defTabSz="449263" rtl="0" eaLnBrk="1" fontAlgn="base" latinLnBrk="0" hangingPunct="1">
+              <a:lnSpc>
+                <a:spcPct val="100000"/>
+              </a:lnSpc>
+              <a:spcBef>
+                <a:spcPct val="0"/>
+              </a:spcBef>
+              <a:spcAft>
+                <a:spcPct val="0"/>
+              </a:spcAft>
+              <a:buClr>
+                <a:srgbClr val="000000"/>
+              </a:buClr>
+              <a:buSzPct val="100000"/>
+              <a:buFont typeface="Times New Roman" charset="0"/>
+              <a:buNone/>
+              <a:tabLst/>
+            </a:pPr>
+            <a:endParaRPr kumimoji="0" lang="en-US" sz="2200" b="0" i="1" u="none" strike="noStrike" cap="none" normalizeH="0" baseline="0">
+              <a:ln>
+                <a:noFill/>
+              </a:ln>
+              <a:solidFill>
+                <a:schemeClr val="bg1"/>
+              </a:solidFill>
+              <a:effectLst/>
+              <a:latin typeface="Myriad Web" charset="0"/>
+            </a:endParaRPr>
+          </a:p>
+        </p:txBody>
+      </p:sp>
+      <p:sp>
+        <p:nvSpPr>
           <p:cNvPr id="9" name="Right Brace 8"/>
           <p:cNvSpPr/>
           <p:nvPr/>
@@ -34274,7 +34630,7 @@
 </p:sld>
 </file>
 
-<file path=ppt/slides/slide31.xml><?xml version="1.0" encoding="utf-8"?>
+<file path=ppt/slides/slide32.xml><?xml version="1.0" encoding="utf-8"?>
 <p:sld xmlns:a="http://schemas.openxmlformats.org/drawingml/2006/main" xmlns:r="http://schemas.openxmlformats.org/officeDocument/2006/relationships" xmlns:p="http://schemas.openxmlformats.org/presentationml/2006/main">
   <p:cSld>
     <p:spTree>
@@ -34448,7 +34804,27 @@
                   </a:glow>
                 </a:effectLst>
               </a:rPr>
-              <a:t>My intention that I visit Paris on Friday is a propositional attitude.</a:t>
+              <a:t>My intention that I visit </a:t>
+            </a:r>
+            <a:r>
+              <a:rPr lang="en-US" i="0" dirty="0" smtClean="0">
+                <a:effectLst>
+                  <a:glow rad="101600">
+                    <a:srgbClr val="000000"/>
+                  </a:glow>
+                </a:effectLst>
+              </a:rPr>
+              <a:t>Lyon on </a:t>
+            </a:r>
+            <a:r>
+              <a:rPr lang="en-US" i="0" dirty="0" smtClean="0">
+                <a:effectLst>
+                  <a:glow rad="101600">
+                    <a:srgbClr val="000000"/>
+                  </a:glow>
+                </a:effectLst>
+              </a:rPr>
+              <a:t>Friday is a propositional attitude.</a:t>
             </a:r>
             <a:endParaRPr lang="en-US" i="0" dirty="0">
               <a:effectLst>
@@ -34859,408 +35235,6 @@
     <p:extLst>
       <p:ext uri="{BB962C8B-B14F-4D97-AF65-F5344CB8AC3E}">
         <p14:creationId xmlns:p14="http://schemas.microsoft.com/office/powerpoint/2010/main" val="1008378986"/>
-      </p:ext>
-    </p:extLst>
-  </p:cSld>
-  <p:clrMapOvr>
-    <a:masterClrMapping/>
-  </p:clrMapOvr>
-  <p:transition xmlns:p14="http://schemas.microsoft.com/office/powerpoint/2010/main"/>
-  <p:timing>
-    <p:tnLst>
-      <p:par>
-        <p:cTn xmlns:p14="http://schemas.microsoft.com/office/powerpoint/2010/main" id="1" dur="indefinite" restart="never" nodeType="tmRoot"/>
-      </p:par>
-    </p:tnLst>
-  </p:timing>
-</p:sld>
-</file>
-
-<file path=ppt/slides/slide32.xml><?xml version="1.0" encoding="utf-8"?>
-<p:sld xmlns:a="http://schemas.openxmlformats.org/drawingml/2006/main" xmlns:r="http://schemas.openxmlformats.org/officeDocument/2006/relationships" xmlns:p="http://schemas.openxmlformats.org/presentationml/2006/main">
-  <p:cSld>
-    <p:spTree>
-      <p:nvGrpSpPr>
-        <p:cNvPr id="1" name=""/>
-        <p:cNvGrpSpPr/>
-        <p:nvPr/>
-      </p:nvGrpSpPr>
-      <p:grpSpPr>
-        <a:xfrm>
-          <a:off x="0" y="0"/>
-          <a:ext cx="0" cy="0"/>
-          <a:chOff x="0" y="0"/>
-          <a:chExt cx="0" cy="0"/>
-        </a:xfrm>
-      </p:grpSpPr>
-      <p:sp>
-        <p:nvSpPr>
-          <p:cNvPr id="2" name="Rectangle 1"/>
-          <p:cNvSpPr/>
-          <p:nvPr/>
-        </p:nvSpPr>
-        <p:spPr>
-          <a:xfrm>
-            <a:off x="323528" y="188640"/>
-            <a:ext cx="4104456" cy="3816429"/>
-          </a:xfrm>
-          <a:prstGeom prst="rect">
-            <a:avLst/>
-          </a:prstGeom>
-        </p:spPr>
-        <p:txBody>
-          <a:bodyPr wrap="square">
-            <a:spAutoFit/>
-          </a:bodyPr>
-          <a:lstStyle/>
-          <a:p>
-            <a:r>
-              <a:rPr lang="en-US" i="0" dirty="0" smtClean="0"/>
-              <a:t>Only representations with a common format can be inferentially integrated.</a:t>
-            </a:r>
-          </a:p>
-          <a:p>
-            <a:endParaRPr lang="en-US" i="0" dirty="0" smtClean="0"/>
-          </a:p>
-          <a:p>
-            <a:r>
-              <a:rPr lang="en-US" i="0" dirty="0" smtClean="0"/>
-              <a:t>Any two intentions can be inferentially integrated in practical reasoning.</a:t>
-            </a:r>
-          </a:p>
-          <a:p>
-            <a:endParaRPr lang="en-US" i="0" dirty="0" smtClean="0"/>
-          </a:p>
-          <a:p>
-            <a:r>
-              <a:rPr lang="en-US" i="0" dirty="0" smtClean="0"/>
-              <a:t>My intention that I visit Paris on Friday is a propositional attitude.</a:t>
-            </a:r>
-            <a:endParaRPr lang="en-US" i="0" dirty="0"/>
-          </a:p>
-        </p:txBody>
-      </p:sp>
-      <p:sp>
-        <p:nvSpPr>
-          <p:cNvPr id="4" name="Rectangle 3"/>
-          <p:cNvSpPr/>
-          <p:nvPr/>
-        </p:nvSpPr>
-        <p:spPr>
-          <a:xfrm>
-            <a:off x="4968552" y="1479555"/>
-            <a:ext cx="4572000" cy="1107996"/>
-          </a:xfrm>
-          <a:prstGeom prst="rect">
-            <a:avLst/>
-          </a:prstGeom>
-        </p:spPr>
-        <p:txBody>
-          <a:bodyPr>
-            <a:spAutoFit/>
-          </a:bodyPr>
-          <a:lstStyle/>
-          <a:p>
-            <a:endParaRPr lang="en-US" i="0" dirty="0" smtClean="0"/>
-          </a:p>
-          <a:p>
-            <a:r>
-              <a:rPr lang="en-US" i="0" dirty="0" smtClean="0"/>
-              <a:t>All intentions are propositional attitudes.</a:t>
-            </a:r>
-            <a:endParaRPr lang="en-US" i="0" dirty="0"/>
-          </a:p>
-        </p:txBody>
-      </p:sp>
-      <p:sp>
-        <p:nvSpPr>
-          <p:cNvPr id="5" name="Rectangle 4"/>
-          <p:cNvSpPr/>
-          <p:nvPr/>
-        </p:nvSpPr>
-        <p:spPr>
-          <a:xfrm>
-            <a:off x="4968552" y="3595663"/>
-            <a:ext cx="4104456" cy="769441"/>
-          </a:xfrm>
-          <a:prstGeom prst="rect">
-            <a:avLst/>
-          </a:prstGeom>
-        </p:spPr>
-        <p:txBody>
-          <a:bodyPr wrap="square">
-            <a:spAutoFit/>
-          </a:bodyPr>
-          <a:lstStyle/>
-          <a:p>
-            <a:r>
-              <a:rPr lang="en-US" i="0" dirty="0" smtClean="0"/>
-              <a:t>No motor </a:t>
-            </a:r>
-            <a:r>
-              <a:rPr lang="en-US" i="0" dirty="0"/>
-              <a:t>representations are </a:t>
-            </a:r>
-            <a:r>
-              <a:rPr lang="en-US" i="0" dirty="0" smtClean="0"/>
-              <a:t>propositional </a:t>
-            </a:r>
-            <a:r>
-              <a:rPr lang="en-US" i="0" dirty="0"/>
-              <a:t>attitudes</a:t>
-            </a:r>
-            <a:r>
-              <a:rPr lang="en-US" i="0" dirty="0" smtClean="0"/>
-              <a:t>.</a:t>
-            </a:r>
-            <a:endParaRPr lang="en-US" i="0" dirty="0"/>
-          </a:p>
-        </p:txBody>
-      </p:sp>
-      <p:sp>
-        <p:nvSpPr>
-          <p:cNvPr id="6" name="Rectangle 5"/>
-          <p:cNvSpPr/>
-          <p:nvPr/>
-        </p:nvSpPr>
-        <p:spPr>
-          <a:xfrm>
-            <a:off x="4932040" y="5589240"/>
-            <a:ext cx="3960440" cy="769441"/>
-          </a:xfrm>
-          <a:prstGeom prst="rect">
-            <a:avLst/>
-          </a:prstGeom>
-        </p:spPr>
-        <p:txBody>
-          <a:bodyPr wrap="square">
-            <a:spAutoFit/>
-          </a:bodyPr>
-          <a:lstStyle/>
-          <a:p>
-            <a:r>
-              <a:rPr lang="en-US" i="0" dirty="0" smtClean="0"/>
-              <a:t>No motor </a:t>
-            </a:r>
-            <a:r>
-              <a:rPr lang="en-US" i="0" dirty="0"/>
-              <a:t>representations are </a:t>
-            </a:r>
-            <a:r>
-              <a:rPr lang="en-US" i="0" dirty="0" smtClean="0"/>
-              <a:t>intentions</a:t>
-            </a:r>
-            <a:endParaRPr lang="en-US" i="0" dirty="0"/>
-          </a:p>
-        </p:txBody>
-      </p:sp>
-      <p:sp>
-        <p:nvSpPr>
-          <p:cNvPr id="7" name="Right Brace 6"/>
-          <p:cNvSpPr/>
-          <p:nvPr/>
-        </p:nvSpPr>
-        <p:spPr bwMode="auto">
-          <a:xfrm>
-            <a:off x="4355976" y="188640"/>
-            <a:ext cx="504056" cy="3888432"/>
-          </a:xfrm>
-          <a:prstGeom prst="rightBrace">
-            <a:avLst>
-              <a:gd name="adj1" fmla="val 49914"/>
-              <a:gd name="adj2" fmla="val 49683"/>
-            </a:avLst>
-          </a:prstGeom>
-          <a:noFill/>
-          <a:ln w="9525" cap="flat" cmpd="sng" algn="ctr">
-            <a:solidFill>
-              <a:srgbClr val="FFFFFF"/>
-            </a:solidFill>
-            <a:prstDash val="solid"/>
-            <a:round/>
-            <a:headEnd type="none" w="med" len="med"/>
-            <a:tailEnd type="none" w="med" len="med"/>
-          </a:ln>
-          <a:effectLst/>
-        </p:spPr>
-        <p:txBody>
-          <a:bodyPr vert="horz" wrap="square" lIns="91440" tIns="45720" rIns="91440" bIns="45720" numCol="1" rtlCol="0" anchor="t" anchorCtr="0" compatLnSpc="1">
-            <a:prstTxWarp prst="textNoShape">
-              <a:avLst/>
-            </a:prstTxWarp>
-          </a:bodyPr>
-          <a:lstStyle/>
-          <a:p>
-            <a:pPr marL="0" marR="0" indent="0" algn="l" defTabSz="449263" rtl="0" eaLnBrk="1" fontAlgn="base" latinLnBrk="0" hangingPunct="1">
-              <a:lnSpc>
-                <a:spcPct val="100000"/>
-              </a:lnSpc>
-              <a:spcBef>
-                <a:spcPct val="0"/>
-              </a:spcBef>
-              <a:spcAft>
-                <a:spcPct val="0"/>
-              </a:spcAft>
-              <a:buClr>
-                <a:srgbClr val="000000"/>
-              </a:buClr>
-              <a:buSzPct val="100000"/>
-              <a:buFont typeface="Times New Roman" charset="0"/>
-              <a:buNone/>
-              <a:tabLst/>
-            </a:pPr>
-            <a:endParaRPr kumimoji="0" lang="en-US" sz="2200" b="0" i="1" u="none" strike="noStrike" cap="none" normalizeH="0" baseline="0">
-              <a:ln>
-                <a:noFill/>
-              </a:ln>
-              <a:solidFill>
-                <a:schemeClr val="bg1"/>
-              </a:solidFill>
-              <a:effectLst/>
-              <a:latin typeface="Myriad Web" charset="0"/>
-            </a:endParaRPr>
-          </a:p>
-        </p:txBody>
-      </p:sp>
-      <p:sp>
-        <p:nvSpPr>
-          <p:cNvPr id="9" name="Right Brace 8"/>
-          <p:cNvSpPr/>
-          <p:nvPr/>
-        </p:nvSpPr>
-        <p:spPr bwMode="auto">
-          <a:xfrm rot="5400000">
-            <a:off x="6624228" y="3104964"/>
-            <a:ext cx="504056" cy="3888432"/>
-          </a:xfrm>
-          <a:prstGeom prst="rightBrace">
-            <a:avLst>
-              <a:gd name="adj1" fmla="val 49914"/>
-              <a:gd name="adj2" fmla="val 49683"/>
-            </a:avLst>
-          </a:prstGeom>
-          <a:noFill/>
-          <a:ln w="9525" cap="flat" cmpd="sng" algn="ctr">
-            <a:solidFill>
-              <a:srgbClr val="FFFFFF"/>
-            </a:solidFill>
-            <a:prstDash val="solid"/>
-            <a:round/>
-            <a:headEnd type="none" w="med" len="med"/>
-            <a:tailEnd type="none" w="med" len="med"/>
-          </a:ln>
-          <a:effectLst/>
-        </p:spPr>
-        <p:txBody>
-          <a:bodyPr vert="horz" wrap="square" lIns="91440" tIns="45720" rIns="91440" bIns="45720" numCol="1" rtlCol="0" anchor="t" anchorCtr="0" compatLnSpc="1">
-            <a:prstTxWarp prst="textNoShape">
-              <a:avLst/>
-            </a:prstTxWarp>
-          </a:bodyPr>
-          <a:lstStyle/>
-          <a:p>
-            <a:pPr marL="0" marR="0" indent="0" algn="l" defTabSz="449263" rtl="0" eaLnBrk="1" fontAlgn="base" latinLnBrk="0" hangingPunct="1">
-              <a:lnSpc>
-                <a:spcPct val="100000"/>
-              </a:lnSpc>
-              <a:spcBef>
-                <a:spcPct val="0"/>
-              </a:spcBef>
-              <a:spcAft>
-                <a:spcPct val="0"/>
-              </a:spcAft>
-              <a:buClr>
-                <a:srgbClr val="000000"/>
-              </a:buClr>
-              <a:buSzPct val="100000"/>
-              <a:buFont typeface="Times New Roman" charset="0"/>
-              <a:buNone/>
-              <a:tabLst/>
-            </a:pPr>
-            <a:endParaRPr kumimoji="0" lang="en-US" sz="2200" b="0" i="1" u="none" strike="noStrike" cap="none" normalizeH="0" baseline="0">
-              <a:ln>
-                <a:noFill/>
-              </a:ln>
-              <a:solidFill>
-                <a:schemeClr val="bg1"/>
-              </a:solidFill>
-              <a:effectLst/>
-              <a:latin typeface="Myriad Web" charset="0"/>
-            </a:endParaRPr>
-          </a:p>
-        </p:txBody>
-      </p:sp>
-      <p:sp>
-        <p:nvSpPr>
-          <p:cNvPr id="8" name="Cross 7"/>
-          <p:cNvSpPr/>
-          <p:nvPr/>
-        </p:nvSpPr>
-        <p:spPr bwMode="auto">
-          <a:xfrm>
-            <a:off x="6516216" y="2708920"/>
-            <a:ext cx="720080" cy="720080"/>
-          </a:xfrm>
-          <a:prstGeom prst="plus">
-            <a:avLst>
-              <a:gd name="adj" fmla="val 47391"/>
-            </a:avLst>
-          </a:prstGeom>
-          <a:solidFill>
-            <a:schemeClr val="bg2"/>
-          </a:solidFill>
-          <a:ln w="9525" cap="flat" cmpd="sng" algn="ctr">
-            <a:noFill/>
-            <a:prstDash val="solid"/>
-            <a:round/>
-            <a:headEnd type="none" w="med" len="med"/>
-            <a:tailEnd type="none" w="med" len="med"/>
-          </a:ln>
-          <a:effectLst/>
-        </p:spPr>
-        <p:txBody>
-          <a:bodyPr vert="horz" wrap="square" lIns="91440" tIns="45720" rIns="91440" bIns="45720" numCol="1" rtlCol="0" anchor="t" anchorCtr="0" compatLnSpc="1">
-            <a:prstTxWarp prst="textNoShape">
-              <a:avLst/>
-            </a:prstTxWarp>
-          </a:bodyPr>
-          <a:lstStyle/>
-          <a:p>
-            <a:pPr marL="0" marR="0" indent="0" algn="l" defTabSz="449263" rtl="0" eaLnBrk="1" fontAlgn="base" latinLnBrk="0" hangingPunct="1">
-              <a:lnSpc>
-                <a:spcPct val="100000"/>
-              </a:lnSpc>
-              <a:spcBef>
-                <a:spcPct val="0"/>
-              </a:spcBef>
-              <a:spcAft>
-                <a:spcPct val="0"/>
-              </a:spcAft>
-              <a:buClr>
-                <a:srgbClr val="000000"/>
-              </a:buClr>
-              <a:buSzPct val="100000"/>
-              <a:buFont typeface="Times New Roman" charset="0"/>
-              <a:buNone/>
-              <a:tabLst/>
-            </a:pPr>
-            <a:endParaRPr kumimoji="0" lang="en-US" sz="2200" b="0" i="1" u="none" strike="noStrike" cap="none" normalizeH="0" baseline="0">
-              <a:ln>
-                <a:noFill/>
-              </a:ln>
-              <a:solidFill>
-                <a:schemeClr val="bg1"/>
-              </a:solidFill>
-              <a:effectLst/>
-              <a:latin typeface="Myriad Web" charset="0"/>
-            </a:endParaRPr>
-          </a:p>
-        </p:txBody>
-      </p:sp>
-    </p:spTree>
-    <p:extLst>
-      <p:ext uri="{BB962C8B-B14F-4D97-AF65-F5344CB8AC3E}">
-        <p14:creationId xmlns:p14="http://schemas.microsoft.com/office/powerpoint/2010/main" val="1351903794"/>
       </p:ext>
     </p:extLst>
   </p:cSld>
@@ -35297,14 +35271,14 @@
       </p:grpSpPr>
       <p:sp>
         <p:nvSpPr>
-          <p:cNvPr id="9" name="Rectangle 8"/>
+          <p:cNvPr id="2" name="Rectangle 1"/>
           <p:cNvSpPr/>
           <p:nvPr/>
         </p:nvSpPr>
         <p:spPr>
           <a:xfrm>
-            <a:off x="827584" y="477833"/>
-            <a:ext cx="7200800" cy="769441"/>
+            <a:off x="323528" y="188640"/>
+            <a:ext cx="4104456" cy="3816429"/>
           </a:xfrm>
           <a:prstGeom prst="rect">
             <a:avLst/>
@@ -35316,75 +35290,353 @@
           </a:bodyPr>
           <a:lstStyle/>
           <a:p>
-            <a:pPr algn="ctr">
-              <a:tabLst>
-                <a:tab pos="0" algn="l"/>
-                <a:tab pos="914400" algn="l"/>
-                <a:tab pos="1828800" algn="l"/>
-                <a:tab pos="2743200" algn="l"/>
-                <a:tab pos="3657600" algn="l"/>
-                <a:tab pos="4572000" algn="l"/>
-                <a:tab pos="5486400" algn="l"/>
-                <a:tab pos="6400800" algn="l"/>
-                <a:tab pos="7315200" algn="l"/>
-                <a:tab pos="8229600" algn="l"/>
-                <a:tab pos="9144000" algn="l"/>
-                <a:tab pos="10058400" algn="l"/>
-              </a:tabLst>
+            <a:r>
+              <a:rPr lang="en-US" i="0" dirty="0" smtClean="0"/>
+              <a:t>Only representations with a common format can be inferentially integrated.</a:t>
+            </a:r>
+          </a:p>
+          <a:p>
+            <a:endParaRPr lang="en-US" i="0" dirty="0" smtClean="0"/>
+          </a:p>
+          <a:p>
+            <a:r>
+              <a:rPr lang="en-US" i="0" dirty="0" smtClean="0"/>
+              <a:t>Any two intentions can be inferentially integrated in practical reasoning.</a:t>
+            </a:r>
+          </a:p>
+          <a:p>
+            <a:endParaRPr lang="en-US" i="0" dirty="0" smtClean="0"/>
+          </a:p>
+          <a:p>
+            <a:r>
+              <a:rPr lang="en-US" i="0" dirty="0" smtClean="0"/>
+              <a:t>My intention that I visit </a:t>
+            </a:r>
+            <a:r>
+              <a:rPr lang="en-US" i="0" dirty="0" smtClean="0"/>
+              <a:t>Lyon on </a:t>
+            </a:r>
+            <a:r>
+              <a:rPr lang="en-US" i="0" dirty="0" smtClean="0"/>
+              <a:t>Friday is a propositional attitude.</a:t>
+            </a:r>
+            <a:endParaRPr lang="en-US" i="0" dirty="0"/>
+          </a:p>
+        </p:txBody>
+      </p:sp>
+      <p:sp>
+        <p:nvSpPr>
+          <p:cNvPr id="4" name="Rectangle 3"/>
+          <p:cNvSpPr/>
+          <p:nvPr/>
+        </p:nvSpPr>
+        <p:spPr>
+          <a:xfrm>
+            <a:off x="4968552" y="1479555"/>
+            <a:ext cx="4572000" cy="1107996"/>
+          </a:xfrm>
+          <a:prstGeom prst="rect">
+            <a:avLst/>
+          </a:prstGeom>
+        </p:spPr>
+        <p:txBody>
+          <a:bodyPr>
+            <a:spAutoFit/>
+          </a:bodyPr>
+          <a:lstStyle/>
+          <a:p>
+            <a:endParaRPr lang="en-US" i="0" dirty="0" smtClean="0"/>
+          </a:p>
+          <a:p>
+            <a:r>
+              <a:rPr lang="en-US" i="0" dirty="0" smtClean="0"/>
+              <a:t>All intentions are propositional attitudes.</a:t>
+            </a:r>
+            <a:endParaRPr lang="en-US" i="0" dirty="0"/>
+          </a:p>
+        </p:txBody>
+      </p:sp>
+      <p:sp>
+        <p:nvSpPr>
+          <p:cNvPr id="5" name="Rectangle 4"/>
+          <p:cNvSpPr/>
+          <p:nvPr/>
+        </p:nvSpPr>
+        <p:spPr>
+          <a:xfrm>
+            <a:off x="4968552" y="3595663"/>
+            <a:ext cx="4104456" cy="769441"/>
+          </a:xfrm>
+          <a:prstGeom prst="rect">
+            <a:avLst/>
+          </a:prstGeom>
+        </p:spPr>
+        <p:txBody>
+          <a:bodyPr wrap="square">
+            <a:spAutoFit/>
+          </a:bodyPr>
+          <a:lstStyle/>
+          <a:p>
+            <a:r>
+              <a:rPr lang="en-US" i="0" dirty="0" smtClean="0"/>
+              <a:t>No motor </a:t>
+            </a:r>
+            <a:r>
+              <a:rPr lang="en-US" i="0" dirty="0"/>
+              <a:t>representations are </a:t>
+            </a:r>
+            <a:r>
+              <a:rPr lang="en-US" i="0" dirty="0" smtClean="0"/>
+              <a:t>propositional </a:t>
+            </a:r>
+            <a:r>
+              <a:rPr lang="en-US" i="0" dirty="0"/>
+              <a:t>attitudes</a:t>
+            </a:r>
+            <a:r>
+              <a:rPr lang="en-US" i="0" dirty="0" smtClean="0"/>
+              <a:t>.</a:t>
+            </a:r>
+            <a:endParaRPr lang="en-US" i="0" dirty="0"/>
+          </a:p>
+        </p:txBody>
+      </p:sp>
+      <p:sp>
+        <p:nvSpPr>
+          <p:cNvPr id="6" name="Rectangle 5"/>
+          <p:cNvSpPr/>
+          <p:nvPr/>
+        </p:nvSpPr>
+        <p:spPr>
+          <a:xfrm>
+            <a:off x="4932040" y="5589240"/>
+            <a:ext cx="3960440" cy="769441"/>
+          </a:xfrm>
+          <a:prstGeom prst="rect">
+            <a:avLst/>
+          </a:prstGeom>
+        </p:spPr>
+        <p:txBody>
+          <a:bodyPr wrap="square">
+            <a:spAutoFit/>
+          </a:bodyPr>
+          <a:lstStyle/>
+          <a:p>
+            <a:r>
+              <a:rPr lang="en-US" i="0" dirty="0" smtClean="0"/>
+              <a:t>No motor </a:t>
+            </a:r>
+            <a:r>
+              <a:rPr lang="en-US" i="0" dirty="0"/>
+              <a:t>representations are </a:t>
+            </a:r>
+            <a:r>
+              <a:rPr lang="en-US" i="0" dirty="0" smtClean="0"/>
+              <a:t>intentions</a:t>
+            </a:r>
+            <a:endParaRPr lang="en-US" i="0" dirty="0"/>
+          </a:p>
+        </p:txBody>
+      </p:sp>
+      <p:sp>
+        <p:nvSpPr>
+          <p:cNvPr id="7" name="Right Brace 6"/>
+          <p:cNvSpPr/>
+          <p:nvPr/>
+        </p:nvSpPr>
+        <p:spPr bwMode="auto">
+          <a:xfrm>
+            <a:off x="4355976" y="188640"/>
+            <a:ext cx="504056" cy="3888432"/>
+          </a:xfrm>
+          <a:prstGeom prst="rightBrace">
+            <a:avLst>
+              <a:gd name="adj1" fmla="val 49914"/>
+              <a:gd name="adj2" fmla="val 49683"/>
+            </a:avLst>
+          </a:prstGeom>
+          <a:noFill/>
+          <a:ln w="9525" cap="flat" cmpd="sng" algn="ctr">
+            <a:solidFill>
+              <a:srgbClr val="FFFFFF"/>
+            </a:solidFill>
+            <a:prstDash val="solid"/>
+            <a:round/>
+            <a:headEnd type="none" w="med" len="med"/>
+            <a:tailEnd type="none" w="med" len="med"/>
+          </a:ln>
+          <a:effectLst/>
+        </p:spPr>
+        <p:txBody>
+          <a:bodyPr vert="horz" wrap="square" lIns="91440" tIns="45720" rIns="91440" bIns="45720" numCol="1" rtlCol="0" anchor="t" anchorCtr="0" compatLnSpc="1">
+            <a:prstTxWarp prst="textNoShape">
+              <a:avLst/>
+            </a:prstTxWarp>
+          </a:bodyPr>
+          <a:lstStyle/>
+          <a:p>
+            <a:pPr marL="0" marR="0" indent="0" algn="l" defTabSz="449263" rtl="0" eaLnBrk="1" fontAlgn="base" latinLnBrk="0" hangingPunct="1">
+              <a:lnSpc>
+                <a:spcPct val="100000"/>
+              </a:lnSpc>
+              <a:spcBef>
+                <a:spcPct val="0"/>
+              </a:spcBef>
+              <a:spcAft>
+                <a:spcPct val="0"/>
+              </a:spcAft>
+              <a:buClr>
+                <a:srgbClr val="000000"/>
+              </a:buClr>
+              <a:buSzPct val="100000"/>
+              <a:buFont typeface="Times New Roman" charset="0"/>
+              <a:buNone/>
+              <a:tabLst/>
             </a:pPr>
-            <a:r>
-              <a:rPr lang="en-US" i="0" dirty="0" smtClean="0">
-                <a:effectLst>
-                  <a:glow rad="101600">
-                    <a:srgbClr val="000000"/>
-                  </a:glow>
-                </a:effectLst>
-                <a:ea typeface="Arial" charset="0"/>
-                <a:cs typeface="Arial" charset="0"/>
-              </a:rPr>
-              <a:t>The Interface Problem</a:t>
-            </a:r>
-            <a:r>
-              <a:rPr lang="en-US" i="0" dirty="0" smtClean="0">
-                <a:solidFill>
-                  <a:schemeClr val="tx1"/>
-                </a:solidFill>
-                <a:effectLst>
-                  <a:glow rad="101600">
-                    <a:srgbClr val="000000"/>
-                  </a:glow>
-                </a:effectLst>
-                <a:ea typeface="Arial" charset="0"/>
-                <a:cs typeface="Arial" charset="0"/>
-              </a:rPr>
-              <a:t>: </a:t>
-            </a:r>
-          </a:p>
-          <a:p>
-            <a:pPr algn="ctr">
-              <a:tabLst>
-                <a:tab pos="0" algn="l"/>
-                <a:tab pos="914400" algn="l"/>
-                <a:tab pos="1828800" algn="l"/>
-                <a:tab pos="2743200" algn="l"/>
-                <a:tab pos="3657600" algn="l"/>
-                <a:tab pos="4572000" algn="l"/>
-                <a:tab pos="5486400" algn="l"/>
-                <a:tab pos="6400800" algn="l"/>
-                <a:tab pos="7315200" algn="l"/>
-                <a:tab pos="8229600" algn="l"/>
-                <a:tab pos="9144000" algn="l"/>
-                <a:tab pos="10058400" algn="l"/>
-              </a:tabLst>
+            <a:endParaRPr kumimoji="0" lang="en-US" sz="2200" b="0" i="1" u="none" strike="noStrike" cap="none" normalizeH="0" baseline="0">
+              <a:ln>
+                <a:noFill/>
+              </a:ln>
+              <a:solidFill>
+                <a:schemeClr val="bg1"/>
+              </a:solidFill>
+              <a:effectLst/>
+              <a:latin typeface="Myriad Web" charset="0"/>
+            </a:endParaRPr>
+          </a:p>
+        </p:txBody>
+      </p:sp>
+      <p:sp>
+        <p:nvSpPr>
+          <p:cNvPr id="9" name="Right Brace 8"/>
+          <p:cNvSpPr/>
+          <p:nvPr/>
+        </p:nvSpPr>
+        <p:spPr bwMode="auto">
+          <a:xfrm rot="5400000">
+            <a:off x="6624228" y="3104964"/>
+            <a:ext cx="504056" cy="3888432"/>
+          </a:xfrm>
+          <a:prstGeom prst="rightBrace">
+            <a:avLst>
+              <a:gd name="adj1" fmla="val 49914"/>
+              <a:gd name="adj2" fmla="val 49683"/>
+            </a:avLst>
+          </a:prstGeom>
+          <a:noFill/>
+          <a:ln w="9525" cap="flat" cmpd="sng" algn="ctr">
+            <a:solidFill>
+              <a:srgbClr val="FFFFFF"/>
+            </a:solidFill>
+            <a:prstDash val="solid"/>
+            <a:round/>
+            <a:headEnd type="none" w="med" len="med"/>
+            <a:tailEnd type="none" w="med" len="med"/>
+          </a:ln>
+          <a:effectLst/>
+        </p:spPr>
+        <p:txBody>
+          <a:bodyPr vert="horz" wrap="square" lIns="91440" tIns="45720" rIns="91440" bIns="45720" numCol="1" rtlCol="0" anchor="t" anchorCtr="0" compatLnSpc="1">
+            <a:prstTxWarp prst="textNoShape">
+              <a:avLst/>
+            </a:prstTxWarp>
+          </a:bodyPr>
+          <a:lstStyle/>
+          <a:p>
+            <a:pPr marL="0" marR="0" indent="0" algn="l" defTabSz="449263" rtl="0" eaLnBrk="1" fontAlgn="base" latinLnBrk="0" hangingPunct="1">
+              <a:lnSpc>
+                <a:spcPct val="100000"/>
+              </a:lnSpc>
+              <a:spcBef>
+                <a:spcPct val="0"/>
+              </a:spcBef>
+              <a:spcAft>
+                <a:spcPct val="0"/>
+              </a:spcAft>
+              <a:buClr>
+                <a:srgbClr val="000000"/>
+              </a:buClr>
+              <a:buSzPct val="100000"/>
+              <a:buFont typeface="Times New Roman" charset="0"/>
+              <a:buNone/>
+              <a:tabLst/>
             </a:pPr>
-            <a:endParaRPr lang="en-US" i="0" dirty="0">
-              <a:effectLst>
-                <a:glow rad="101600">
-                  <a:srgbClr val="000000"/>
-                </a:glow>
-              </a:effectLst>
-              <a:ea typeface="Arial" charset="0"/>
-              <a:cs typeface="Arial" charset="0"/>
+            <a:endParaRPr kumimoji="0" lang="en-US" sz="2200" b="0" i="1" u="none" strike="noStrike" cap="none" normalizeH="0" baseline="0">
+              <a:ln>
+                <a:noFill/>
+              </a:ln>
+              <a:solidFill>
+                <a:schemeClr val="bg1"/>
+              </a:solidFill>
+              <a:effectLst/>
+              <a:latin typeface="Myriad Web" charset="0"/>
+            </a:endParaRPr>
+          </a:p>
+        </p:txBody>
+      </p:sp>
+      <p:sp>
+        <p:nvSpPr>
+          <p:cNvPr id="8" name="Cross 7"/>
+          <p:cNvSpPr/>
+          <p:nvPr/>
+        </p:nvSpPr>
+        <p:spPr bwMode="auto">
+          <a:xfrm>
+            <a:off x="6516216" y="2708920"/>
+            <a:ext cx="720080" cy="720080"/>
+          </a:xfrm>
+          <a:prstGeom prst="plus">
+            <a:avLst>
+              <a:gd name="adj" fmla="val 47391"/>
+            </a:avLst>
+          </a:prstGeom>
+          <a:solidFill>
+            <a:schemeClr val="bg2"/>
+          </a:solidFill>
+          <a:ln w="9525" cap="flat" cmpd="sng" algn="ctr">
+            <a:noFill/>
+            <a:prstDash val="solid"/>
+            <a:round/>
+            <a:headEnd type="none" w="med" len="med"/>
+            <a:tailEnd type="none" w="med" len="med"/>
+          </a:ln>
+          <a:effectLst/>
+        </p:spPr>
+        <p:txBody>
+          <a:bodyPr vert="horz" wrap="square" lIns="91440" tIns="45720" rIns="91440" bIns="45720" numCol="1" rtlCol="0" anchor="t" anchorCtr="0" compatLnSpc="1">
+            <a:prstTxWarp prst="textNoShape">
+              <a:avLst/>
+            </a:prstTxWarp>
+          </a:bodyPr>
+          <a:lstStyle/>
+          <a:p>
+            <a:pPr marL="0" marR="0" indent="0" algn="l" defTabSz="449263" rtl="0" eaLnBrk="1" fontAlgn="base" latinLnBrk="0" hangingPunct="1">
+              <a:lnSpc>
+                <a:spcPct val="100000"/>
+              </a:lnSpc>
+              <a:spcBef>
+                <a:spcPct val="0"/>
+              </a:spcBef>
+              <a:spcAft>
+                <a:spcPct val="0"/>
+              </a:spcAft>
+              <a:buClr>
+                <a:srgbClr val="000000"/>
+              </a:buClr>
+              <a:buSzPct val="100000"/>
+              <a:buFont typeface="Times New Roman" charset="0"/>
+              <a:buNone/>
+              <a:tabLst/>
+            </a:pPr>
+            <a:endParaRPr kumimoji="0" lang="en-US" sz="2200" b="0" i="1" u="none" strike="noStrike" cap="none" normalizeH="0" baseline="0">
+              <a:ln>
+                <a:noFill/>
+              </a:ln>
+              <a:solidFill>
+                <a:schemeClr val="bg1"/>
+              </a:solidFill>
+              <a:effectLst/>
+              <a:latin typeface="Myriad Web" charset="0"/>
             </a:endParaRPr>
           </a:p>
         </p:txBody>
@@ -35392,7 +35644,7 @@
     </p:spTree>
     <p:extLst>
       <p:ext uri="{BB962C8B-B14F-4D97-AF65-F5344CB8AC3E}">
-        <p14:creationId xmlns:p14="http://schemas.microsoft.com/office/powerpoint/2010/main" val="616195740"/>
+        <p14:creationId xmlns:p14="http://schemas.microsoft.com/office/powerpoint/2010/main" val="1351903794"/>
       </p:ext>
     </p:extLst>
   </p:cSld>
@@ -35521,62 +35773,10 @@
           </a:p>
         </p:txBody>
       </p:sp>
-      <p:sp>
-        <p:nvSpPr>
-          <p:cNvPr id="4" name="Rectangle 3"/>
-          <p:cNvSpPr/>
-          <p:nvPr/>
-        </p:nvSpPr>
-        <p:spPr>
-          <a:xfrm>
-            <a:off x="5004048" y="4437112"/>
-            <a:ext cx="3582144" cy="1107996"/>
-          </a:xfrm>
-          <a:prstGeom prst="rect">
-            <a:avLst/>
-          </a:prstGeom>
-        </p:spPr>
-        <p:txBody>
-          <a:bodyPr wrap="square">
-            <a:spAutoFit/>
-          </a:bodyPr>
-          <a:lstStyle/>
-          <a:p>
-            <a:r>
-              <a:rPr lang="en-US" i="0" dirty="0" smtClean="0"/>
-              <a:t>Some </a:t>
-            </a:r>
-            <a:r>
-              <a:rPr lang="en-US" i="0" dirty="0" smtClean="0"/>
-              <a:t>actions </a:t>
-            </a:r>
-            <a:r>
-              <a:rPr lang="en-US" i="0" dirty="0" smtClean="0"/>
-              <a:t>involve both </a:t>
-            </a:r>
-            <a:r>
-              <a:rPr lang="en-US" i="0" dirty="0" smtClean="0"/>
-              <a:t>intention </a:t>
-            </a:r>
-            <a:r>
-              <a:rPr lang="en-US" i="0" dirty="0" smtClean="0"/>
-              <a:t>and </a:t>
-            </a:r>
-            <a:r>
-              <a:rPr lang="en-US" i="0" dirty="0" smtClean="0"/>
-              <a:t>motor </a:t>
-            </a:r>
-            <a:r>
-              <a:rPr lang="en-US" i="0" dirty="0" smtClean="0"/>
-              <a:t>representation</a:t>
-            </a:r>
-          </a:p>
-        </p:txBody>
-      </p:sp>
     </p:spTree>
     <p:extLst>
       <p:ext uri="{BB962C8B-B14F-4D97-AF65-F5344CB8AC3E}">
-        <p14:creationId xmlns:p14="http://schemas.microsoft.com/office/powerpoint/2010/main" val="2243876039"/>
+        <p14:creationId xmlns:p14="http://schemas.microsoft.com/office/powerpoint/2010/main" val="616195740"/>
       </p:ext>
     </p:extLst>
   </p:cSld>
@@ -35663,7 +35863,7 @@
             <a:r>
               <a:rPr lang="en-US" i="0" dirty="0" smtClean="0">
                 <a:solidFill>
-                  <a:srgbClr val="000000"/>
+                  <a:schemeClr val="tx1"/>
                 </a:solidFill>
                 <a:effectLst>
                   <a:glow rad="101600">
@@ -35707,271 +35907,7 @@
       </p:sp>
       <p:sp>
         <p:nvSpPr>
-          <p:cNvPr id="12" name="Rectangle 11"/>
-          <p:cNvSpPr/>
-          <p:nvPr/>
-        </p:nvSpPr>
-        <p:spPr>
-          <a:xfrm>
-            <a:off x="683568" y="1507426"/>
-            <a:ext cx="3312368" cy="3139321"/>
-          </a:xfrm>
-          <a:prstGeom prst="rect">
-            <a:avLst/>
-          </a:prstGeom>
-        </p:spPr>
-        <p:txBody>
-          <a:bodyPr wrap="square">
-            <a:spAutoFit/>
-          </a:bodyPr>
-          <a:lstStyle/>
-          <a:p>
-            <a:pPr>
-              <a:tabLst>
-                <a:tab pos="0" algn="l"/>
-                <a:tab pos="914400" algn="l"/>
-                <a:tab pos="1828800" algn="l"/>
-                <a:tab pos="2743200" algn="l"/>
-                <a:tab pos="3657600" algn="l"/>
-                <a:tab pos="4572000" algn="l"/>
-                <a:tab pos="5486400" algn="l"/>
-                <a:tab pos="6400800" algn="l"/>
-                <a:tab pos="7315200" algn="l"/>
-                <a:tab pos="8229600" algn="l"/>
-                <a:tab pos="9144000" algn="l"/>
-                <a:tab pos="10058400" algn="l"/>
-              </a:tabLst>
-            </a:pPr>
-            <a:r>
-              <a:rPr lang="en-US" i="0" dirty="0" smtClean="0">
-                <a:effectLst>
-                  <a:glow rad="101600">
-                    <a:srgbClr val="000000"/>
-                  </a:glow>
-                </a:effectLst>
-                <a:ea typeface="Arial" charset="0"/>
-                <a:cs typeface="Arial" charset="0"/>
-              </a:rPr>
-              <a:t>Reciprocal agent-neutral motor representations:</a:t>
-            </a:r>
-          </a:p>
-          <a:p>
-            <a:pPr>
-              <a:tabLst>
-                <a:tab pos="0" algn="l"/>
-                <a:tab pos="914400" algn="l"/>
-                <a:tab pos="1828800" algn="l"/>
-                <a:tab pos="2743200" algn="l"/>
-                <a:tab pos="3657600" algn="l"/>
-                <a:tab pos="4572000" algn="l"/>
-                <a:tab pos="5486400" algn="l"/>
-                <a:tab pos="6400800" algn="l"/>
-                <a:tab pos="7315200" algn="l"/>
-                <a:tab pos="8229600" algn="l"/>
-                <a:tab pos="9144000" algn="l"/>
-                <a:tab pos="10058400" algn="l"/>
-              </a:tabLst>
-            </a:pPr>
-            <a:endParaRPr lang="en-US" i="0" dirty="0">
-              <a:effectLst>
-                <a:glow rad="101600">
-                  <a:srgbClr val="000000"/>
-                </a:glow>
-              </a:effectLst>
-              <a:ea typeface="Arial" charset="0"/>
-              <a:cs typeface="Arial" charset="0"/>
-            </a:endParaRPr>
-          </a:p>
-          <a:p>
-            <a:pPr>
-              <a:tabLst>
-                <a:tab pos="0" algn="l"/>
-                <a:tab pos="914400" algn="l"/>
-                <a:tab pos="1828800" algn="l"/>
-                <a:tab pos="2743200" algn="l"/>
-                <a:tab pos="3657600" algn="l"/>
-                <a:tab pos="4572000" algn="l"/>
-                <a:tab pos="5486400" algn="l"/>
-                <a:tab pos="6400800" algn="l"/>
-                <a:tab pos="7315200" algn="l"/>
-                <a:tab pos="8229600" algn="l"/>
-                <a:tab pos="9144000" algn="l"/>
-                <a:tab pos="10058400" algn="l"/>
-              </a:tabLst>
-            </a:pPr>
-            <a:r>
-              <a:rPr lang="en-US" i="0" dirty="0" err="1" smtClean="0">
-                <a:effectLst>
-                  <a:glow rad="101600">
-                    <a:srgbClr val="000000"/>
-                  </a:glow>
-                </a:effectLst>
-                <a:ea typeface="Arial" charset="0"/>
-                <a:cs typeface="Arial" charset="0"/>
-              </a:rPr>
-              <a:t>i</a:t>
-            </a:r>
-            <a:r>
-              <a:rPr lang="en-US" i="0" dirty="0" smtClean="0">
-                <a:effectLst>
-                  <a:glow rad="101600">
-                    <a:srgbClr val="000000"/>
-                  </a:glow>
-                </a:effectLst>
-                <a:ea typeface="Arial" charset="0"/>
-                <a:cs typeface="Arial" charset="0"/>
-              </a:rPr>
-              <a:t>. represent outcomes;</a:t>
-            </a:r>
-          </a:p>
-          <a:p>
-            <a:pPr>
-              <a:tabLst>
-                <a:tab pos="0" algn="l"/>
-                <a:tab pos="914400" algn="l"/>
-                <a:tab pos="1828800" algn="l"/>
-                <a:tab pos="2743200" algn="l"/>
-                <a:tab pos="3657600" algn="l"/>
-                <a:tab pos="4572000" algn="l"/>
-                <a:tab pos="5486400" algn="l"/>
-                <a:tab pos="6400800" algn="l"/>
-                <a:tab pos="7315200" algn="l"/>
-                <a:tab pos="8229600" algn="l"/>
-                <a:tab pos="9144000" algn="l"/>
-                <a:tab pos="10058400" algn="l"/>
-              </a:tabLst>
-            </a:pPr>
-            <a:endParaRPr lang="en-US" i="0" dirty="0" smtClean="0">
-              <a:effectLst>
-                <a:glow rad="101600">
-                  <a:srgbClr val="000000"/>
-                </a:glow>
-              </a:effectLst>
-              <a:ea typeface="Arial" charset="0"/>
-              <a:cs typeface="Arial" charset="0"/>
-            </a:endParaRPr>
-          </a:p>
-          <a:p>
-            <a:pPr>
-              <a:tabLst>
-                <a:tab pos="0" algn="l"/>
-                <a:tab pos="914400" algn="l"/>
-                <a:tab pos="1828800" algn="l"/>
-                <a:tab pos="2743200" algn="l"/>
-                <a:tab pos="3657600" algn="l"/>
-                <a:tab pos="4572000" algn="l"/>
-                <a:tab pos="5486400" algn="l"/>
-                <a:tab pos="6400800" algn="l"/>
-                <a:tab pos="7315200" algn="l"/>
-                <a:tab pos="8229600" algn="l"/>
-                <a:tab pos="9144000" algn="l"/>
-                <a:tab pos="10058400" algn="l"/>
-              </a:tabLst>
-            </a:pPr>
-            <a:r>
-              <a:rPr lang="en-US" i="0" dirty="0" smtClean="0">
-                <a:effectLst>
-                  <a:glow rad="101600">
-                    <a:srgbClr val="000000"/>
-                  </a:glow>
-                </a:effectLst>
-                <a:ea typeface="Arial" charset="0"/>
-                <a:cs typeface="Arial" charset="0"/>
-              </a:rPr>
-              <a:t>ii. ground the purposiveness of some </a:t>
-            </a:r>
-          </a:p>
-          <a:p>
-            <a:pPr>
-              <a:tabLst>
-                <a:tab pos="0" algn="l"/>
-                <a:tab pos="914400" algn="l"/>
-                <a:tab pos="1828800" algn="l"/>
-                <a:tab pos="2743200" algn="l"/>
-                <a:tab pos="3657600" algn="l"/>
-                <a:tab pos="4572000" algn="l"/>
-                <a:tab pos="5486400" algn="l"/>
-                <a:tab pos="6400800" algn="l"/>
-                <a:tab pos="7315200" algn="l"/>
-                <a:tab pos="8229600" algn="l"/>
-                <a:tab pos="9144000" algn="l"/>
-                <a:tab pos="10058400" algn="l"/>
-              </a:tabLst>
-            </a:pPr>
-            <a:r>
-              <a:rPr lang="en-US" i="0" dirty="0" smtClean="0">
-                <a:effectLst>
-                  <a:glow rad="101600">
-                    <a:srgbClr val="000000"/>
-                  </a:glow>
-                </a:effectLst>
-                <a:ea typeface="Arial" charset="0"/>
-                <a:cs typeface="Arial" charset="0"/>
-              </a:rPr>
-              <a:t>joint actions</a:t>
-            </a:r>
-          </a:p>
-          <a:p>
-            <a:pPr>
-              <a:tabLst>
-                <a:tab pos="0" algn="l"/>
-                <a:tab pos="914400" algn="l"/>
-                <a:tab pos="1828800" algn="l"/>
-                <a:tab pos="2743200" algn="l"/>
-                <a:tab pos="3657600" algn="l"/>
-                <a:tab pos="4572000" algn="l"/>
-                <a:tab pos="5486400" algn="l"/>
-                <a:tab pos="6400800" algn="l"/>
-                <a:tab pos="7315200" algn="l"/>
-                <a:tab pos="8229600" algn="l"/>
-                <a:tab pos="9144000" algn="l"/>
-                <a:tab pos="10058400" algn="l"/>
-              </a:tabLst>
-            </a:pPr>
-            <a:endParaRPr lang="en-US" i="0" dirty="0">
-              <a:effectLst>
-                <a:glow rad="101600">
-                  <a:srgbClr val="000000"/>
-                </a:glow>
-              </a:effectLst>
-              <a:ea typeface="Arial" charset="0"/>
-              <a:cs typeface="Arial" charset="0"/>
-            </a:endParaRPr>
-          </a:p>
-        </p:txBody>
-      </p:sp>
-      <p:cxnSp>
-        <p:nvCxnSpPr>
-          <p:cNvPr id="13" name="Straight Connector 12"/>
-          <p:cNvCxnSpPr/>
-          <p:nvPr/>
-        </p:nvCxnSpPr>
-        <p:spPr bwMode="auto">
-          <a:xfrm>
-            <a:off x="4499992" y="1484784"/>
-            <a:ext cx="0" cy="4536504"/>
-          </a:xfrm>
-          <a:prstGeom prst="line">
-            <a:avLst/>
-          </a:prstGeom>
-          <a:solidFill>
-            <a:srgbClr val="00B8FF"/>
-          </a:solidFill>
-          <a:ln w="9525" cap="flat" cmpd="sng" algn="ctr">
-            <a:solidFill>
-              <a:schemeClr val="bg1"/>
-            </a:solidFill>
-            <a:prstDash val="sysDash"/>
-            <a:round/>
-            <a:headEnd type="none" w="med" len="med"/>
-            <a:tailEnd type="none" w="med" len="med"/>
-          </a:ln>
-          <a:effectLst/>
-        </p:spPr>
-      </p:cxnSp>
-      <p:sp>
-        <p:nvSpPr>
-          <p:cNvPr id="6" name="Rectangle 5"/>
+          <p:cNvPr id="4" name="Rectangle 3"/>
           <p:cNvSpPr/>
           <p:nvPr/>
         </p:nvSpPr>
@@ -36021,77 +35957,10 @@
           </a:p>
         </p:txBody>
       </p:sp>
-      <p:sp>
-        <p:nvSpPr>
-          <p:cNvPr id="2" name="Rectangle 1"/>
-          <p:cNvSpPr/>
-          <p:nvPr/>
-        </p:nvSpPr>
-        <p:spPr bwMode="auto">
-          <a:xfrm>
-            <a:off x="683568" y="1556792"/>
-            <a:ext cx="3240360" cy="432048"/>
-          </a:xfrm>
-          <a:prstGeom prst="rect">
-            <a:avLst/>
-          </a:prstGeom>
-          <a:solidFill>
-            <a:schemeClr val="tx1"/>
-          </a:solidFill>
-          <a:ln w="9525" cap="flat" cmpd="sng" algn="ctr">
-            <a:solidFill>
-              <a:schemeClr val="tx1"/>
-            </a:solidFill>
-            <a:prstDash val="solid"/>
-            <a:round/>
-            <a:headEnd type="none" w="med" len="med"/>
-            <a:tailEnd type="none" w="med" len="med"/>
-          </a:ln>
-          <a:effectLst/>
-        </p:spPr>
-        <p:txBody>
-          <a:bodyPr vert="horz" wrap="square" lIns="91440" tIns="45720" rIns="91440" bIns="45720" numCol="1" rtlCol="0" anchor="t" anchorCtr="0" compatLnSpc="1">
-            <a:prstTxWarp prst="textNoShape">
-              <a:avLst/>
-            </a:prstTxWarp>
-          </a:bodyPr>
-          <a:lstStyle/>
-          <a:p>
-            <a:pPr marL="0" marR="0" indent="0" algn="l" defTabSz="449263" rtl="0" eaLnBrk="1" fontAlgn="base" latinLnBrk="0" hangingPunct="1">
-              <a:lnSpc>
-                <a:spcPct val="100000"/>
-              </a:lnSpc>
-              <a:spcBef>
-                <a:spcPct val="0"/>
-              </a:spcBef>
-              <a:spcAft>
-                <a:spcPct val="0"/>
-              </a:spcAft>
-              <a:buClr>
-                <a:srgbClr val="000000"/>
-              </a:buClr>
-              <a:buSzPct val="100000"/>
-              <a:buFont typeface="Times New Roman" charset="0"/>
-              <a:buNone/>
-              <a:tabLst/>
-            </a:pPr>
-            <a:endParaRPr kumimoji="0" lang="en-US" sz="2200" b="0" i="1" u="none" strike="noStrike" cap="none" normalizeH="0" baseline="0">
-              <a:ln>
-                <a:noFill/>
-              </a:ln>
-              <a:solidFill>
-                <a:schemeClr val="bg1"/>
-              </a:solidFill>
-              <a:effectLst/>
-              <a:latin typeface="Myriad Web" charset="0"/>
-            </a:endParaRPr>
-          </a:p>
-        </p:txBody>
-      </p:sp>
     </p:spTree>
     <p:extLst>
       <p:ext uri="{BB962C8B-B14F-4D97-AF65-F5344CB8AC3E}">
-        <p14:creationId xmlns:p14="http://schemas.microsoft.com/office/powerpoint/2010/main" val="1449298581"/>
+        <p14:creationId xmlns:p14="http://schemas.microsoft.com/office/powerpoint/2010/main" val="2243876039"/>
       </p:ext>
     </p:extLst>
   </p:cSld>
@@ -36423,8 +36292,17 @@
                 <a:ea typeface="Arial" charset="0"/>
                 <a:cs typeface="Arial" charset="0"/>
               </a:rPr>
-              <a:t>joint actions</a:t>
-            </a:r>
+              <a:t>actions</a:t>
+            </a:r>
+            <a:endParaRPr lang="en-US" i="0" dirty="0" smtClean="0">
+              <a:effectLst>
+                <a:glow rad="101600">
+                  <a:srgbClr val="000000"/>
+                </a:glow>
+              </a:effectLst>
+              <a:ea typeface="Arial" charset="0"/>
+              <a:cs typeface="Arial" charset="0"/>
+            </a:endParaRPr>
           </a:p>
           <a:p>
             <a:pPr>
@@ -36492,6 +36370,530 @@
         </p:nvSpPr>
         <p:spPr>
           <a:xfrm>
+            <a:off x="5004048" y="4437112"/>
+            <a:ext cx="3582144" cy="1107996"/>
+          </a:xfrm>
+          <a:prstGeom prst="rect">
+            <a:avLst/>
+          </a:prstGeom>
+        </p:spPr>
+        <p:txBody>
+          <a:bodyPr wrap="square">
+            <a:spAutoFit/>
+          </a:bodyPr>
+          <a:lstStyle/>
+          <a:p>
+            <a:r>
+              <a:rPr lang="en-US" i="0" dirty="0" smtClean="0"/>
+              <a:t>Some </a:t>
+            </a:r>
+            <a:r>
+              <a:rPr lang="en-US" i="0" dirty="0" smtClean="0"/>
+              <a:t>actions </a:t>
+            </a:r>
+            <a:r>
+              <a:rPr lang="en-US" i="0" dirty="0" smtClean="0"/>
+              <a:t>involve both </a:t>
+            </a:r>
+            <a:r>
+              <a:rPr lang="en-US" i="0" dirty="0" smtClean="0"/>
+              <a:t>intention </a:t>
+            </a:r>
+            <a:r>
+              <a:rPr lang="en-US" i="0" dirty="0" smtClean="0"/>
+              <a:t>and </a:t>
+            </a:r>
+            <a:r>
+              <a:rPr lang="en-US" i="0" dirty="0" smtClean="0"/>
+              <a:t>motor </a:t>
+            </a:r>
+            <a:r>
+              <a:rPr lang="en-US" i="0" dirty="0" smtClean="0"/>
+              <a:t>representation</a:t>
+            </a:r>
+          </a:p>
+        </p:txBody>
+      </p:sp>
+      <p:sp>
+        <p:nvSpPr>
+          <p:cNvPr id="2" name="Rectangle 1"/>
+          <p:cNvSpPr/>
+          <p:nvPr/>
+        </p:nvSpPr>
+        <p:spPr bwMode="auto">
+          <a:xfrm>
+            <a:off x="683568" y="1556792"/>
+            <a:ext cx="3240360" cy="432048"/>
+          </a:xfrm>
+          <a:prstGeom prst="rect">
+            <a:avLst/>
+          </a:prstGeom>
+          <a:solidFill>
+            <a:schemeClr val="tx1"/>
+          </a:solidFill>
+          <a:ln w="9525" cap="flat" cmpd="sng" algn="ctr">
+            <a:solidFill>
+              <a:schemeClr val="tx1"/>
+            </a:solidFill>
+            <a:prstDash val="solid"/>
+            <a:round/>
+            <a:headEnd type="none" w="med" len="med"/>
+            <a:tailEnd type="none" w="med" len="med"/>
+          </a:ln>
+          <a:effectLst/>
+        </p:spPr>
+        <p:txBody>
+          <a:bodyPr vert="horz" wrap="square" lIns="91440" tIns="45720" rIns="91440" bIns="45720" numCol="1" rtlCol="0" anchor="t" anchorCtr="0" compatLnSpc="1">
+            <a:prstTxWarp prst="textNoShape">
+              <a:avLst/>
+            </a:prstTxWarp>
+          </a:bodyPr>
+          <a:lstStyle/>
+          <a:p>
+            <a:pPr marL="0" marR="0" indent="0" algn="l" defTabSz="449263" rtl="0" eaLnBrk="1" fontAlgn="base" latinLnBrk="0" hangingPunct="1">
+              <a:lnSpc>
+                <a:spcPct val="100000"/>
+              </a:lnSpc>
+              <a:spcBef>
+                <a:spcPct val="0"/>
+              </a:spcBef>
+              <a:spcAft>
+                <a:spcPct val="0"/>
+              </a:spcAft>
+              <a:buClr>
+                <a:srgbClr val="000000"/>
+              </a:buClr>
+              <a:buSzPct val="100000"/>
+              <a:buFont typeface="Times New Roman" charset="0"/>
+              <a:buNone/>
+              <a:tabLst/>
+            </a:pPr>
+            <a:endParaRPr kumimoji="0" lang="en-US" sz="2200" b="0" i="1" u="none" strike="noStrike" cap="none" normalizeH="0" baseline="0">
+              <a:ln>
+                <a:noFill/>
+              </a:ln>
+              <a:solidFill>
+                <a:schemeClr val="bg1"/>
+              </a:solidFill>
+              <a:effectLst/>
+              <a:latin typeface="Myriad Web" charset="0"/>
+            </a:endParaRPr>
+          </a:p>
+        </p:txBody>
+      </p:sp>
+    </p:spTree>
+    <p:extLst>
+      <p:ext uri="{BB962C8B-B14F-4D97-AF65-F5344CB8AC3E}">
+        <p14:creationId xmlns:p14="http://schemas.microsoft.com/office/powerpoint/2010/main" val="1449298581"/>
+      </p:ext>
+    </p:extLst>
+  </p:cSld>
+  <p:clrMapOvr>
+    <a:masterClrMapping/>
+  </p:clrMapOvr>
+  <p:transition xmlns:p14="http://schemas.microsoft.com/office/powerpoint/2010/main"/>
+  <p:timing>
+    <p:tnLst>
+      <p:par>
+        <p:cTn xmlns:p14="http://schemas.microsoft.com/office/powerpoint/2010/main" id="1" dur="indefinite" restart="never" nodeType="tmRoot"/>
+      </p:par>
+    </p:tnLst>
+  </p:timing>
+</p:sld>
+</file>
+
+<file path=ppt/slides/slide37.xml><?xml version="1.0" encoding="utf-8"?>
+<p:sld xmlns:a="http://schemas.openxmlformats.org/drawingml/2006/main" xmlns:r="http://schemas.openxmlformats.org/officeDocument/2006/relationships" xmlns:p="http://schemas.openxmlformats.org/presentationml/2006/main">
+  <p:cSld>
+    <p:spTree>
+      <p:nvGrpSpPr>
+        <p:cNvPr id="1" name=""/>
+        <p:cNvGrpSpPr/>
+        <p:nvPr/>
+      </p:nvGrpSpPr>
+      <p:grpSpPr>
+        <a:xfrm>
+          <a:off x="0" y="0"/>
+          <a:ext cx="0" cy="0"/>
+          <a:chOff x="0" y="0"/>
+          <a:chExt cx="0" cy="0"/>
+        </a:xfrm>
+      </p:grpSpPr>
+      <p:sp>
+        <p:nvSpPr>
+          <p:cNvPr id="9" name="Rectangle 8"/>
+          <p:cNvSpPr/>
+          <p:nvPr/>
+        </p:nvSpPr>
+        <p:spPr>
+          <a:xfrm>
+            <a:off x="827584" y="477833"/>
+            <a:ext cx="7200800" cy="769441"/>
+          </a:xfrm>
+          <a:prstGeom prst="rect">
+            <a:avLst/>
+          </a:prstGeom>
+        </p:spPr>
+        <p:txBody>
+          <a:bodyPr wrap="square">
+            <a:spAutoFit/>
+          </a:bodyPr>
+          <a:lstStyle/>
+          <a:p>
+            <a:pPr algn="ctr">
+              <a:tabLst>
+                <a:tab pos="0" algn="l"/>
+                <a:tab pos="914400" algn="l"/>
+                <a:tab pos="1828800" algn="l"/>
+                <a:tab pos="2743200" algn="l"/>
+                <a:tab pos="3657600" algn="l"/>
+                <a:tab pos="4572000" algn="l"/>
+                <a:tab pos="5486400" algn="l"/>
+                <a:tab pos="6400800" algn="l"/>
+                <a:tab pos="7315200" algn="l"/>
+                <a:tab pos="8229600" algn="l"/>
+                <a:tab pos="9144000" algn="l"/>
+                <a:tab pos="10058400" algn="l"/>
+              </a:tabLst>
+            </a:pPr>
+            <a:r>
+              <a:rPr lang="en-US" i="0" dirty="0" smtClean="0">
+                <a:effectLst>
+                  <a:glow rad="101600">
+                    <a:srgbClr val="000000"/>
+                  </a:glow>
+                </a:effectLst>
+                <a:ea typeface="Arial" charset="0"/>
+                <a:cs typeface="Arial" charset="0"/>
+              </a:rPr>
+              <a:t>The Interface Problem</a:t>
+            </a:r>
+            <a:r>
+              <a:rPr lang="en-US" i="0" dirty="0" smtClean="0">
+                <a:solidFill>
+                  <a:srgbClr val="000000"/>
+                </a:solidFill>
+                <a:effectLst>
+                  <a:glow rad="101600">
+                    <a:srgbClr val="000000"/>
+                  </a:glow>
+                </a:effectLst>
+                <a:ea typeface="Arial" charset="0"/>
+                <a:cs typeface="Arial" charset="0"/>
+              </a:rPr>
+              <a:t>: </a:t>
+            </a:r>
+          </a:p>
+          <a:p>
+            <a:pPr algn="ctr">
+              <a:tabLst>
+                <a:tab pos="0" algn="l"/>
+                <a:tab pos="914400" algn="l"/>
+                <a:tab pos="1828800" algn="l"/>
+                <a:tab pos="2743200" algn="l"/>
+                <a:tab pos="3657600" algn="l"/>
+                <a:tab pos="4572000" algn="l"/>
+                <a:tab pos="5486400" algn="l"/>
+                <a:tab pos="6400800" algn="l"/>
+                <a:tab pos="7315200" algn="l"/>
+                <a:tab pos="8229600" algn="l"/>
+                <a:tab pos="9144000" algn="l"/>
+                <a:tab pos="10058400" algn="l"/>
+              </a:tabLst>
+            </a:pPr>
+            <a:endParaRPr lang="en-US" i="0" dirty="0">
+              <a:effectLst>
+                <a:glow rad="101600">
+                  <a:srgbClr val="000000"/>
+                </a:glow>
+              </a:effectLst>
+              <a:ea typeface="Arial" charset="0"/>
+              <a:cs typeface="Arial" charset="0"/>
+            </a:endParaRPr>
+          </a:p>
+        </p:txBody>
+      </p:sp>
+      <p:sp>
+        <p:nvSpPr>
+          <p:cNvPr id="12" name="Rectangle 11"/>
+          <p:cNvSpPr/>
+          <p:nvPr/>
+        </p:nvSpPr>
+        <p:spPr>
+          <a:xfrm>
+            <a:off x="683568" y="1507426"/>
+            <a:ext cx="3312368" cy="3139321"/>
+          </a:xfrm>
+          <a:prstGeom prst="rect">
+            <a:avLst/>
+          </a:prstGeom>
+        </p:spPr>
+        <p:txBody>
+          <a:bodyPr wrap="square">
+            <a:spAutoFit/>
+          </a:bodyPr>
+          <a:lstStyle/>
+          <a:p>
+            <a:pPr>
+              <a:tabLst>
+                <a:tab pos="0" algn="l"/>
+                <a:tab pos="914400" algn="l"/>
+                <a:tab pos="1828800" algn="l"/>
+                <a:tab pos="2743200" algn="l"/>
+                <a:tab pos="3657600" algn="l"/>
+                <a:tab pos="4572000" algn="l"/>
+                <a:tab pos="5486400" algn="l"/>
+                <a:tab pos="6400800" algn="l"/>
+                <a:tab pos="7315200" algn="l"/>
+                <a:tab pos="8229600" algn="l"/>
+                <a:tab pos="9144000" algn="l"/>
+                <a:tab pos="10058400" algn="l"/>
+              </a:tabLst>
+            </a:pPr>
+            <a:r>
+              <a:rPr lang="en-US" i="0" dirty="0" smtClean="0">
+                <a:effectLst>
+                  <a:glow rad="101600">
+                    <a:srgbClr val="000000"/>
+                  </a:glow>
+                </a:effectLst>
+                <a:ea typeface="Arial" charset="0"/>
+                <a:cs typeface="Arial" charset="0"/>
+              </a:rPr>
+              <a:t>Reciprocal agent-neutral motor representations:</a:t>
+            </a:r>
+          </a:p>
+          <a:p>
+            <a:pPr>
+              <a:tabLst>
+                <a:tab pos="0" algn="l"/>
+                <a:tab pos="914400" algn="l"/>
+                <a:tab pos="1828800" algn="l"/>
+                <a:tab pos="2743200" algn="l"/>
+                <a:tab pos="3657600" algn="l"/>
+                <a:tab pos="4572000" algn="l"/>
+                <a:tab pos="5486400" algn="l"/>
+                <a:tab pos="6400800" algn="l"/>
+                <a:tab pos="7315200" algn="l"/>
+                <a:tab pos="8229600" algn="l"/>
+                <a:tab pos="9144000" algn="l"/>
+                <a:tab pos="10058400" algn="l"/>
+              </a:tabLst>
+            </a:pPr>
+            <a:endParaRPr lang="en-US" i="0" dirty="0">
+              <a:effectLst>
+                <a:glow rad="101600">
+                  <a:srgbClr val="000000"/>
+                </a:glow>
+              </a:effectLst>
+              <a:ea typeface="Arial" charset="0"/>
+              <a:cs typeface="Arial" charset="0"/>
+            </a:endParaRPr>
+          </a:p>
+          <a:p>
+            <a:pPr>
+              <a:tabLst>
+                <a:tab pos="0" algn="l"/>
+                <a:tab pos="914400" algn="l"/>
+                <a:tab pos="1828800" algn="l"/>
+                <a:tab pos="2743200" algn="l"/>
+                <a:tab pos="3657600" algn="l"/>
+                <a:tab pos="4572000" algn="l"/>
+                <a:tab pos="5486400" algn="l"/>
+                <a:tab pos="6400800" algn="l"/>
+                <a:tab pos="7315200" algn="l"/>
+                <a:tab pos="8229600" algn="l"/>
+                <a:tab pos="9144000" algn="l"/>
+                <a:tab pos="10058400" algn="l"/>
+              </a:tabLst>
+            </a:pPr>
+            <a:r>
+              <a:rPr lang="en-US" i="0" dirty="0" err="1" smtClean="0">
+                <a:effectLst>
+                  <a:glow rad="101600">
+                    <a:srgbClr val="000000"/>
+                  </a:glow>
+                </a:effectLst>
+                <a:ea typeface="Arial" charset="0"/>
+                <a:cs typeface="Arial" charset="0"/>
+              </a:rPr>
+              <a:t>i</a:t>
+            </a:r>
+            <a:r>
+              <a:rPr lang="en-US" i="0" dirty="0" smtClean="0">
+                <a:effectLst>
+                  <a:glow rad="101600">
+                    <a:srgbClr val="000000"/>
+                  </a:glow>
+                </a:effectLst>
+                <a:ea typeface="Arial" charset="0"/>
+                <a:cs typeface="Arial" charset="0"/>
+              </a:rPr>
+              <a:t>. represent outcomes;</a:t>
+            </a:r>
+          </a:p>
+          <a:p>
+            <a:pPr>
+              <a:tabLst>
+                <a:tab pos="0" algn="l"/>
+                <a:tab pos="914400" algn="l"/>
+                <a:tab pos="1828800" algn="l"/>
+                <a:tab pos="2743200" algn="l"/>
+                <a:tab pos="3657600" algn="l"/>
+                <a:tab pos="4572000" algn="l"/>
+                <a:tab pos="5486400" algn="l"/>
+                <a:tab pos="6400800" algn="l"/>
+                <a:tab pos="7315200" algn="l"/>
+                <a:tab pos="8229600" algn="l"/>
+                <a:tab pos="9144000" algn="l"/>
+                <a:tab pos="10058400" algn="l"/>
+              </a:tabLst>
+            </a:pPr>
+            <a:endParaRPr lang="en-US" i="0" dirty="0" smtClean="0">
+              <a:effectLst>
+                <a:glow rad="101600">
+                  <a:srgbClr val="000000"/>
+                </a:glow>
+              </a:effectLst>
+              <a:ea typeface="Arial" charset="0"/>
+              <a:cs typeface="Arial" charset="0"/>
+            </a:endParaRPr>
+          </a:p>
+          <a:p>
+            <a:pPr>
+              <a:tabLst>
+                <a:tab pos="0" algn="l"/>
+                <a:tab pos="914400" algn="l"/>
+                <a:tab pos="1828800" algn="l"/>
+                <a:tab pos="2743200" algn="l"/>
+                <a:tab pos="3657600" algn="l"/>
+                <a:tab pos="4572000" algn="l"/>
+                <a:tab pos="5486400" algn="l"/>
+                <a:tab pos="6400800" algn="l"/>
+                <a:tab pos="7315200" algn="l"/>
+                <a:tab pos="8229600" algn="l"/>
+                <a:tab pos="9144000" algn="l"/>
+                <a:tab pos="10058400" algn="l"/>
+              </a:tabLst>
+            </a:pPr>
+            <a:r>
+              <a:rPr lang="en-US" i="0" dirty="0" smtClean="0">
+                <a:effectLst>
+                  <a:glow rad="101600">
+                    <a:srgbClr val="000000"/>
+                  </a:glow>
+                </a:effectLst>
+                <a:ea typeface="Arial" charset="0"/>
+                <a:cs typeface="Arial" charset="0"/>
+              </a:rPr>
+              <a:t>ii. ground the purposiveness of some </a:t>
+            </a:r>
+          </a:p>
+          <a:p>
+            <a:pPr>
+              <a:tabLst>
+                <a:tab pos="0" algn="l"/>
+                <a:tab pos="914400" algn="l"/>
+                <a:tab pos="1828800" algn="l"/>
+                <a:tab pos="2743200" algn="l"/>
+                <a:tab pos="3657600" algn="l"/>
+                <a:tab pos="4572000" algn="l"/>
+                <a:tab pos="5486400" algn="l"/>
+                <a:tab pos="6400800" algn="l"/>
+                <a:tab pos="7315200" algn="l"/>
+                <a:tab pos="8229600" algn="l"/>
+                <a:tab pos="9144000" algn="l"/>
+                <a:tab pos="10058400" algn="l"/>
+              </a:tabLst>
+            </a:pPr>
+            <a:r>
+              <a:rPr lang="en-US" i="0" dirty="0" smtClean="0">
+                <a:effectLst>
+                  <a:glow rad="101600">
+                    <a:srgbClr val="000000"/>
+                  </a:glow>
+                </a:effectLst>
+                <a:ea typeface="Arial" charset="0"/>
+                <a:cs typeface="Arial" charset="0"/>
+              </a:rPr>
+              <a:t>actions</a:t>
+            </a:r>
+            <a:endParaRPr lang="en-US" i="0" dirty="0" smtClean="0">
+              <a:effectLst>
+                <a:glow rad="101600">
+                  <a:srgbClr val="000000"/>
+                </a:glow>
+              </a:effectLst>
+              <a:ea typeface="Arial" charset="0"/>
+              <a:cs typeface="Arial" charset="0"/>
+            </a:endParaRPr>
+          </a:p>
+          <a:p>
+            <a:pPr>
+              <a:tabLst>
+                <a:tab pos="0" algn="l"/>
+                <a:tab pos="914400" algn="l"/>
+                <a:tab pos="1828800" algn="l"/>
+                <a:tab pos="2743200" algn="l"/>
+                <a:tab pos="3657600" algn="l"/>
+                <a:tab pos="4572000" algn="l"/>
+                <a:tab pos="5486400" algn="l"/>
+                <a:tab pos="6400800" algn="l"/>
+                <a:tab pos="7315200" algn="l"/>
+                <a:tab pos="8229600" algn="l"/>
+                <a:tab pos="9144000" algn="l"/>
+                <a:tab pos="10058400" algn="l"/>
+              </a:tabLst>
+            </a:pPr>
+            <a:endParaRPr lang="en-US" i="0" dirty="0">
+              <a:effectLst>
+                <a:glow rad="101600">
+                  <a:srgbClr val="000000"/>
+                </a:glow>
+              </a:effectLst>
+              <a:ea typeface="Arial" charset="0"/>
+              <a:cs typeface="Arial" charset="0"/>
+            </a:endParaRPr>
+          </a:p>
+        </p:txBody>
+      </p:sp>
+      <p:cxnSp>
+        <p:nvCxnSpPr>
+          <p:cNvPr id="13" name="Straight Connector 12"/>
+          <p:cNvCxnSpPr/>
+          <p:nvPr/>
+        </p:nvCxnSpPr>
+        <p:spPr bwMode="auto">
+          <a:xfrm>
+            <a:off x="4499992" y="1484784"/>
+            <a:ext cx="0" cy="4536504"/>
+          </a:xfrm>
+          <a:prstGeom prst="line">
+            <a:avLst/>
+          </a:prstGeom>
+          <a:solidFill>
+            <a:srgbClr val="00B8FF"/>
+          </a:solidFill>
+          <a:ln w="9525" cap="flat" cmpd="sng" algn="ctr">
+            <a:solidFill>
+              <a:schemeClr val="bg1"/>
+            </a:solidFill>
+            <a:prstDash val="sysDash"/>
+            <a:round/>
+            <a:headEnd type="none" w="med" len="med"/>
+            <a:tailEnd type="none" w="med" len="med"/>
+          </a:ln>
+          <a:effectLst/>
+        </p:spPr>
+      </p:cxnSp>
+      <p:sp>
+        <p:nvSpPr>
+          <p:cNvPr id="6" name="Rectangle 5"/>
+          <p:cNvSpPr/>
+          <p:nvPr/>
+        </p:nvSpPr>
+        <p:spPr>
+          <a:xfrm>
             <a:off x="5004048" y="1507426"/>
             <a:ext cx="3654152" cy="2462212"/>
           </a:xfrm>
@@ -36688,7 +37090,7 @@
 </p:sld>
 </file>
 
-<file path=ppt/slides/slide37.xml><?xml version="1.0" encoding="utf-8"?>
+<file path=ppt/slides/slide38.xml><?xml version="1.0" encoding="utf-8"?>
 <p:sld xmlns:a="http://schemas.openxmlformats.org/drawingml/2006/main" xmlns:r="http://schemas.openxmlformats.org/officeDocument/2006/relationships" xmlns:p="http://schemas.openxmlformats.org/presentationml/2006/main">
   <p:cSld>
     <p:spTree>
@@ -37109,8 +37511,17 @@
                 <a:ea typeface="Arial" charset="0"/>
                 <a:cs typeface="Arial" charset="0"/>
               </a:rPr>
-              <a:t>joint actions</a:t>
-            </a:r>
+              <a:t>actions</a:t>
+            </a:r>
+            <a:endParaRPr lang="en-US" i="0" dirty="0" smtClean="0">
+              <a:effectLst>
+                <a:glow rad="101600">
+                  <a:srgbClr val="000000"/>
+                </a:glow>
+              </a:effectLst>
+              <a:ea typeface="Arial" charset="0"/>
+              <a:cs typeface="Arial" charset="0"/>
+            </a:endParaRPr>
           </a:p>
           <a:p>
             <a:pPr>
@@ -37434,7 +37845,7 @@
 </p:sld>
 </file>
 
-<file path=ppt/slides/slide38.xml><?xml version="1.0" encoding="utf-8"?>
+<file path=ppt/slides/slide39.xml><?xml version="1.0" encoding="utf-8"?>
 <p:sld xmlns:a="http://schemas.openxmlformats.org/drawingml/2006/main" xmlns:r="http://schemas.openxmlformats.org/officeDocument/2006/relationships" xmlns:p="http://schemas.openxmlformats.org/presentationml/2006/main">
   <p:cSld>
     <p:spTree>
@@ -37831,7 +38242,19 @@
                 <a:ea typeface="Arial" charset="0"/>
                 <a:cs typeface="Arial" charset="0"/>
               </a:rPr>
-              <a:t>joint actions; and</a:t>
+              <a:t>actions</a:t>
+            </a:r>
+            <a:r>
+              <a:rPr lang="en-US" i="0" dirty="0" smtClean="0">
+                <a:effectLst>
+                  <a:glow rad="101600">
+                    <a:srgbClr val="000000"/>
+                  </a:glow>
+                </a:effectLst>
+                <a:ea typeface="Arial" charset="0"/>
+                <a:cs typeface="Arial" charset="0"/>
+              </a:rPr>
+              <a:t>; and</a:t>
             </a:r>
           </a:p>
           <a:p>
@@ -38142,664 +38565,6 @@
     <p:extLst>
       <p:ext uri="{BB962C8B-B14F-4D97-AF65-F5344CB8AC3E}">
         <p14:creationId xmlns:p14="http://schemas.microsoft.com/office/powerpoint/2010/main" val="2846121382"/>
-      </p:ext>
-    </p:extLst>
-  </p:cSld>
-  <p:clrMapOvr>
-    <a:masterClrMapping/>
-  </p:clrMapOvr>
-  <p:transition xmlns:p14="http://schemas.microsoft.com/office/powerpoint/2010/main"/>
-  <p:timing>
-    <p:tnLst>
-      <p:par>
-        <p:cTn xmlns:p14="http://schemas.microsoft.com/office/powerpoint/2010/main" id="1" dur="indefinite" restart="never" nodeType="tmRoot"/>
-      </p:par>
-    </p:tnLst>
-  </p:timing>
-</p:sld>
-</file>
-
-<file path=ppt/slides/slide39.xml><?xml version="1.0" encoding="utf-8"?>
-<p:sld xmlns:a="http://schemas.openxmlformats.org/drawingml/2006/main" xmlns:r="http://schemas.openxmlformats.org/officeDocument/2006/relationships" xmlns:p="http://schemas.openxmlformats.org/presentationml/2006/main">
-  <p:cSld>
-    <p:spTree>
-      <p:nvGrpSpPr>
-        <p:cNvPr id="1" name=""/>
-        <p:cNvGrpSpPr/>
-        <p:nvPr/>
-      </p:nvGrpSpPr>
-      <p:grpSpPr>
-        <a:xfrm>
-          <a:off x="0" y="0"/>
-          <a:ext cx="0" cy="0"/>
-          <a:chOff x="0" y="0"/>
-          <a:chExt cx="0" cy="0"/>
-        </a:xfrm>
-      </p:grpSpPr>
-      <p:sp>
-        <p:nvSpPr>
-          <p:cNvPr id="9" name="Rectangle 8"/>
-          <p:cNvSpPr/>
-          <p:nvPr/>
-        </p:nvSpPr>
-        <p:spPr>
-          <a:xfrm>
-            <a:off x="827584" y="477833"/>
-            <a:ext cx="7200800" cy="1107996"/>
-          </a:xfrm>
-          <a:prstGeom prst="rect">
-            <a:avLst/>
-          </a:prstGeom>
-        </p:spPr>
-        <p:txBody>
-          <a:bodyPr wrap="square">
-            <a:spAutoFit/>
-          </a:bodyPr>
-          <a:lstStyle/>
-          <a:p>
-            <a:pPr algn="ctr">
-              <a:tabLst>
-                <a:tab pos="0" algn="l"/>
-                <a:tab pos="914400" algn="l"/>
-                <a:tab pos="1828800" algn="l"/>
-                <a:tab pos="2743200" algn="l"/>
-                <a:tab pos="3657600" algn="l"/>
-                <a:tab pos="4572000" algn="l"/>
-                <a:tab pos="5486400" algn="l"/>
-                <a:tab pos="6400800" algn="l"/>
-                <a:tab pos="7315200" algn="l"/>
-                <a:tab pos="8229600" algn="l"/>
-                <a:tab pos="9144000" algn="l"/>
-                <a:tab pos="10058400" algn="l"/>
-              </a:tabLst>
-            </a:pPr>
-            <a:r>
-              <a:rPr lang="en-US" i="0" dirty="0" smtClean="0">
-                <a:effectLst>
-                  <a:glow rad="101600">
-                    <a:srgbClr val="000000"/>
-                  </a:glow>
-                </a:effectLst>
-                <a:ea typeface="Arial" charset="0"/>
-                <a:cs typeface="Arial" charset="0"/>
-              </a:rPr>
-              <a:t>The Interface Problem: </a:t>
-            </a:r>
-          </a:p>
-          <a:p>
-            <a:pPr algn="ctr">
-              <a:tabLst>
-                <a:tab pos="0" algn="l"/>
-                <a:tab pos="914400" algn="l"/>
-                <a:tab pos="1828800" algn="l"/>
-                <a:tab pos="2743200" algn="l"/>
-                <a:tab pos="3657600" algn="l"/>
-                <a:tab pos="4572000" algn="l"/>
-                <a:tab pos="5486400" algn="l"/>
-                <a:tab pos="6400800" algn="l"/>
-                <a:tab pos="7315200" algn="l"/>
-                <a:tab pos="8229600" algn="l"/>
-                <a:tab pos="9144000" algn="l"/>
-                <a:tab pos="10058400" algn="l"/>
-              </a:tabLst>
-            </a:pPr>
-            <a:r>
-              <a:rPr lang="en-US" i="0" dirty="0" smtClean="0"/>
-              <a:t>How are non</a:t>
-            </a:r>
-            <a:r>
-              <a:rPr lang="en-US" i="0" dirty="0"/>
-              <a:t>-accidental matches </a:t>
-            </a:r>
-            <a:r>
-              <a:rPr lang="en-US" i="0" dirty="0" smtClean="0"/>
-              <a:t>possible?</a:t>
-            </a:r>
-            <a:endParaRPr lang="en-US" i="0" dirty="0"/>
-          </a:p>
-          <a:p>
-            <a:pPr algn="ctr">
-              <a:tabLst>
-                <a:tab pos="0" algn="l"/>
-                <a:tab pos="914400" algn="l"/>
-                <a:tab pos="1828800" algn="l"/>
-                <a:tab pos="2743200" algn="l"/>
-                <a:tab pos="3657600" algn="l"/>
-                <a:tab pos="4572000" algn="l"/>
-                <a:tab pos="5486400" algn="l"/>
-                <a:tab pos="6400800" algn="l"/>
-                <a:tab pos="7315200" algn="l"/>
-                <a:tab pos="8229600" algn="l"/>
-                <a:tab pos="9144000" algn="l"/>
-                <a:tab pos="10058400" algn="l"/>
-              </a:tabLst>
-            </a:pPr>
-            <a:endParaRPr lang="en-US" i="0" dirty="0">
-              <a:effectLst>
-                <a:glow rad="101600">
-                  <a:srgbClr val="000000"/>
-                </a:glow>
-              </a:effectLst>
-              <a:ea typeface="Arial" charset="0"/>
-              <a:cs typeface="Arial" charset="0"/>
-            </a:endParaRPr>
-          </a:p>
-        </p:txBody>
-      </p:sp>
-      <p:sp>
-        <p:nvSpPr>
-          <p:cNvPr id="12" name="Rectangle 11"/>
-          <p:cNvSpPr/>
-          <p:nvPr/>
-        </p:nvSpPr>
-        <p:spPr>
-          <a:xfrm>
-            <a:off x="683568" y="1507426"/>
-            <a:ext cx="3312368" cy="3816429"/>
-          </a:xfrm>
-          <a:prstGeom prst="rect">
-            <a:avLst/>
-          </a:prstGeom>
-        </p:spPr>
-        <p:txBody>
-          <a:bodyPr wrap="square">
-            <a:spAutoFit/>
-          </a:bodyPr>
-          <a:lstStyle/>
-          <a:p>
-            <a:pPr>
-              <a:tabLst>
-                <a:tab pos="0" algn="l"/>
-                <a:tab pos="914400" algn="l"/>
-                <a:tab pos="1828800" algn="l"/>
-                <a:tab pos="2743200" algn="l"/>
-                <a:tab pos="3657600" algn="l"/>
-                <a:tab pos="4572000" algn="l"/>
-                <a:tab pos="5486400" algn="l"/>
-                <a:tab pos="6400800" algn="l"/>
-                <a:tab pos="7315200" algn="l"/>
-                <a:tab pos="8229600" algn="l"/>
-                <a:tab pos="9144000" algn="l"/>
-                <a:tab pos="10058400" algn="l"/>
-              </a:tabLst>
-            </a:pPr>
-            <a:r>
-              <a:rPr lang="en-US" i="0" dirty="0" smtClean="0">
-                <a:effectLst>
-                  <a:glow rad="101600">
-                    <a:srgbClr val="000000"/>
-                  </a:glow>
-                </a:effectLst>
-                <a:ea typeface="Arial" charset="0"/>
-                <a:cs typeface="Arial" charset="0"/>
-              </a:rPr>
-              <a:t>Reciprocal agent-neutral motor representations:</a:t>
-            </a:r>
-          </a:p>
-          <a:p>
-            <a:pPr>
-              <a:tabLst>
-                <a:tab pos="0" algn="l"/>
-                <a:tab pos="914400" algn="l"/>
-                <a:tab pos="1828800" algn="l"/>
-                <a:tab pos="2743200" algn="l"/>
-                <a:tab pos="3657600" algn="l"/>
-                <a:tab pos="4572000" algn="l"/>
-                <a:tab pos="5486400" algn="l"/>
-                <a:tab pos="6400800" algn="l"/>
-                <a:tab pos="7315200" algn="l"/>
-                <a:tab pos="8229600" algn="l"/>
-                <a:tab pos="9144000" algn="l"/>
-                <a:tab pos="10058400" algn="l"/>
-              </a:tabLst>
-            </a:pPr>
-            <a:endParaRPr lang="en-US" i="0" dirty="0">
-              <a:effectLst>
-                <a:glow rad="101600">
-                  <a:srgbClr val="000000"/>
-                </a:glow>
-              </a:effectLst>
-              <a:ea typeface="Arial" charset="0"/>
-              <a:cs typeface="Arial" charset="0"/>
-            </a:endParaRPr>
-          </a:p>
-          <a:p>
-            <a:pPr>
-              <a:tabLst>
-                <a:tab pos="0" algn="l"/>
-                <a:tab pos="914400" algn="l"/>
-                <a:tab pos="1828800" algn="l"/>
-                <a:tab pos="2743200" algn="l"/>
-                <a:tab pos="3657600" algn="l"/>
-                <a:tab pos="4572000" algn="l"/>
-                <a:tab pos="5486400" algn="l"/>
-                <a:tab pos="6400800" algn="l"/>
-                <a:tab pos="7315200" algn="l"/>
-                <a:tab pos="8229600" algn="l"/>
-                <a:tab pos="9144000" algn="l"/>
-                <a:tab pos="10058400" algn="l"/>
-              </a:tabLst>
-            </a:pPr>
-            <a:r>
-              <a:rPr lang="en-US" i="0" dirty="0" err="1" smtClean="0">
-                <a:effectLst>
-                  <a:glow rad="101600">
-                    <a:srgbClr val="000000"/>
-                  </a:glow>
-                </a:effectLst>
-                <a:ea typeface="Arial" charset="0"/>
-                <a:cs typeface="Arial" charset="0"/>
-              </a:rPr>
-              <a:t>i</a:t>
-            </a:r>
-            <a:r>
-              <a:rPr lang="en-US" i="0" dirty="0" smtClean="0">
-                <a:effectLst>
-                  <a:glow rad="101600">
-                    <a:srgbClr val="000000"/>
-                  </a:glow>
-                </a:effectLst>
-                <a:ea typeface="Arial" charset="0"/>
-                <a:cs typeface="Arial" charset="0"/>
-              </a:rPr>
-              <a:t>. represent outcomes;</a:t>
-            </a:r>
-          </a:p>
-          <a:p>
-            <a:pPr>
-              <a:tabLst>
-                <a:tab pos="0" algn="l"/>
-                <a:tab pos="914400" algn="l"/>
-                <a:tab pos="1828800" algn="l"/>
-                <a:tab pos="2743200" algn="l"/>
-                <a:tab pos="3657600" algn="l"/>
-                <a:tab pos="4572000" algn="l"/>
-                <a:tab pos="5486400" algn="l"/>
-                <a:tab pos="6400800" algn="l"/>
-                <a:tab pos="7315200" algn="l"/>
-                <a:tab pos="8229600" algn="l"/>
-                <a:tab pos="9144000" algn="l"/>
-                <a:tab pos="10058400" algn="l"/>
-              </a:tabLst>
-            </a:pPr>
-            <a:endParaRPr lang="en-US" i="0" dirty="0" smtClean="0">
-              <a:effectLst>
-                <a:glow rad="101600">
-                  <a:srgbClr val="000000"/>
-                </a:glow>
-              </a:effectLst>
-              <a:ea typeface="Arial" charset="0"/>
-              <a:cs typeface="Arial" charset="0"/>
-            </a:endParaRPr>
-          </a:p>
-          <a:p>
-            <a:pPr>
-              <a:tabLst>
-                <a:tab pos="0" algn="l"/>
-                <a:tab pos="914400" algn="l"/>
-                <a:tab pos="1828800" algn="l"/>
-                <a:tab pos="2743200" algn="l"/>
-                <a:tab pos="3657600" algn="l"/>
-                <a:tab pos="4572000" algn="l"/>
-                <a:tab pos="5486400" algn="l"/>
-                <a:tab pos="6400800" algn="l"/>
-                <a:tab pos="7315200" algn="l"/>
-                <a:tab pos="8229600" algn="l"/>
-                <a:tab pos="9144000" algn="l"/>
-                <a:tab pos="10058400" algn="l"/>
-              </a:tabLst>
-            </a:pPr>
-            <a:r>
-              <a:rPr lang="en-US" i="0" dirty="0" smtClean="0">
-                <a:effectLst>
-                  <a:glow rad="101600">
-                    <a:srgbClr val="000000"/>
-                  </a:glow>
-                </a:effectLst>
-                <a:ea typeface="Arial" charset="0"/>
-                <a:cs typeface="Arial" charset="0"/>
-              </a:rPr>
-              <a:t>ii. ground the purposiveness of some </a:t>
-            </a:r>
-          </a:p>
-          <a:p>
-            <a:pPr>
-              <a:tabLst>
-                <a:tab pos="0" algn="l"/>
-                <a:tab pos="914400" algn="l"/>
-                <a:tab pos="1828800" algn="l"/>
-                <a:tab pos="2743200" algn="l"/>
-                <a:tab pos="3657600" algn="l"/>
-                <a:tab pos="4572000" algn="l"/>
-                <a:tab pos="5486400" algn="l"/>
-                <a:tab pos="6400800" algn="l"/>
-                <a:tab pos="7315200" algn="l"/>
-                <a:tab pos="8229600" algn="l"/>
-                <a:tab pos="9144000" algn="l"/>
-                <a:tab pos="10058400" algn="l"/>
-              </a:tabLst>
-            </a:pPr>
-            <a:r>
-              <a:rPr lang="en-US" i="0" dirty="0" smtClean="0">
-                <a:effectLst>
-                  <a:glow rad="101600">
-                    <a:srgbClr val="000000"/>
-                  </a:glow>
-                </a:effectLst>
-                <a:ea typeface="Arial" charset="0"/>
-                <a:cs typeface="Arial" charset="0"/>
-              </a:rPr>
-              <a:t>joint actions; and</a:t>
-            </a:r>
-          </a:p>
-          <a:p>
-            <a:pPr>
-              <a:tabLst>
-                <a:tab pos="0" algn="l"/>
-                <a:tab pos="914400" algn="l"/>
-                <a:tab pos="1828800" algn="l"/>
-                <a:tab pos="2743200" algn="l"/>
-                <a:tab pos="3657600" algn="l"/>
-                <a:tab pos="4572000" algn="l"/>
-                <a:tab pos="5486400" algn="l"/>
-                <a:tab pos="6400800" algn="l"/>
-                <a:tab pos="7315200" algn="l"/>
-                <a:tab pos="8229600" algn="l"/>
-                <a:tab pos="9144000" algn="l"/>
-                <a:tab pos="10058400" algn="l"/>
-              </a:tabLst>
-            </a:pPr>
-            <a:endParaRPr lang="en-US" i="0" dirty="0">
-              <a:effectLst>
-                <a:glow rad="101600">
-                  <a:srgbClr val="000000"/>
-                </a:glow>
-              </a:effectLst>
-              <a:ea typeface="Arial" charset="0"/>
-              <a:cs typeface="Arial" charset="0"/>
-            </a:endParaRPr>
-          </a:p>
-          <a:p>
-            <a:pPr>
-              <a:tabLst>
-                <a:tab pos="0" algn="l"/>
-                <a:tab pos="914400" algn="l"/>
-                <a:tab pos="1828800" algn="l"/>
-                <a:tab pos="2743200" algn="l"/>
-                <a:tab pos="3657600" algn="l"/>
-                <a:tab pos="4572000" algn="l"/>
-                <a:tab pos="5486400" algn="l"/>
-                <a:tab pos="6400800" algn="l"/>
-                <a:tab pos="7315200" algn="l"/>
-                <a:tab pos="8229600" algn="l"/>
-                <a:tab pos="9144000" algn="l"/>
-                <a:tab pos="10058400" algn="l"/>
-              </a:tabLst>
-            </a:pPr>
-            <a:r>
-              <a:rPr lang="en-US" i="0" dirty="0" smtClean="0">
-                <a:effectLst>
-                  <a:glow rad="101600">
-                    <a:srgbClr val="000000"/>
-                  </a:glow>
-                </a:effectLst>
-                <a:ea typeface="Arial" charset="0"/>
-                <a:cs typeface="Arial" charset="0"/>
-              </a:rPr>
-              <a:t>iii. differ in format from </a:t>
-            </a:r>
-            <a:r>
-              <a:rPr lang="en-US" i="0" dirty="0" smtClean="0">
-                <a:effectLst>
-                  <a:glow rad="101600">
-                    <a:srgbClr val="000000"/>
-                  </a:glow>
-                </a:effectLst>
-                <a:ea typeface="Arial" charset="0"/>
-                <a:cs typeface="Arial" charset="0"/>
-              </a:rPr>
-              <a:t>intentions</a:t>
-            </a:r>
-            <a:r>
-              <a:rPr lang="en-US" i="0" dirty="0" smtClean="0">
-                <a:effectLst>
-                  <a:glow rad="101600">
-                    <a:srgbClr val="000000"/>
-                  </a:glow>
-                </a:effectLst>
-                <a:ea typeface="Arial" charset="0"/>
-                <a:cs typeface="Arial" charset="0"/>
-              </a:rPr>
-              <a:t>.</a:t>
-            </a:r>
-            <a:endParaRPr lang="en-US" i="0" dirty="0">
-              <a:effectLst>
-                <a:glow rad="101600">
-                  <a:srgbClr val="000000"/>
-                </a:glow>
-              </a:effectLst>
-              <a:ea typeface="Arial" charset="0"/>
-              <a:cs typeface="Arial" charset="0"/>
-            </a:endParaRPr>
-          </a:p>
-        </p:txBody>
-      </p:sp>
-      <p:sp>
-        <p:nvSpPr>
-          <p:cNvPr id="3" name="Rectangle 2"/>
-          <p:cNvSpPr/>
-          <p:nvPr/>
-        </p:nvSpPr>
-        <p:spPr>
-          <a:xfrm>
-            <a:off x="5004048" y="1507426"/>
-            <a:ext cx="3654152" cy="2462212"/>
-          </a:xfrm>
-          <a:prstGeom prst="rect">
-            <a:avLst/>
-          </a:prstGeom>
-        </p:spPr>
-        <p:txBody>
-          <a:bodyPr wrap="square">
-            <a:spAutoFit/>
-          </a:bodyPr>
-          <a:lstStyle/>
-          <a:p>
-            <a:r>
-              <a:rPr lang="en-US" i="0" dirty="0" smtClean="0"/>
-              <a:t>Two  outcomes</a:t>
-            </a:r>
-            <a:r>
-              <a:rPr lang="en-US" i="0" dirty="0"/>
-              <a:t>, A and B, </a:t>
-            </a:r>
-            <a:r>
-              <a:rPr lang="en-US" dirty="0"/>
-              <a:t>match</a:t>
-            </a:r>
-            <a:r>
-              <a:rPr lang="en-US" i="0" dirty="0"/>
-              <a:t> in a particular context just if, in that context, either the occurrence of </a:t>
-            </a:r>
-            <a:r>
-              <a:rPr lang="en-US" i="0" dirty="0" smtClean="0"/>
-              <a:t>A would </a:t>
-            </a:r>
-            <a:r>
-              <a:rPr lang="en-US" i="0" dirty="0"/>
-              <a:t>normally constitute or cause, at least partially, the </a:t>
-            </a:r>
-            <a:r>
-              <a:rPr lang="en-US" i="0" dirty="0" smtClean="0"/>
-              <a:t>occurrence </a:t>
-            </a:r>
-            <a:r>
-              <a:rPr lang="en-US" i="0" dirty="0"/>
-              <a:t>of </a:t>
-            </a:r>
-            <a:r>
-              <a:rPr lang="en-US" i="0" dirty="0" smtClean="0"/>
-              <a:t>B or </a:t>
-            </a:r>
-            <a:r>
-              <a:rPr lang="en-US" i="0" dirty="0"/>
-              <a:t>vice versa. </a:t>
-            </a:r>
-          </a:p>
-        </p:txBody>
-      </p:sp>
-      <p:cxnSp>
-        <p:nvCxnSpPr>
-          <p:cNvPr id="13" name="Straight Connector 12"/>
-          <p:cNvCxnSpPr/>
-          <p:nvPr/>
-        </p:nvCxnSpPr>
-        <p:spPr bwMode="auto">
-          <a:xfrm>
-            <a:off x="4499992" y="1484784"/>
-            <a:ext cx="0" cy="4536504"/>
-          </a:xfrm>
-          <a:prstGeom prst="line">
-            <a:avLst/>
-          </a:prstGeom>
-          <a:solidFill>
-            <a:srgbClr val="00B8FF"/>
-          </a:solidFill>
-          <a:ln w="9525" cap="flat" cmpd="sng" algn="ctr">
-            <a:solidFill>
-              <a:schemeClr val="bg1"/>
-            </a:solidFill>
-            <a:prstDash val="sysDash"/>
-            <a:round/>
-            <a:headEnd type="none" w="med" len="med"/>
-            <a:tailEnd type="none" w="med" len="med"/>
-          </a:ln>
-          <a:effectLst/>
-        </p:spPr>
-      </p:cxnSp>
-      <p:sp>
-        <p:nvSpPr>
-          <p:cNvPr id="7" name="Rectangle 6"/>
-          <p:cNvSpPr/>
-          <p:nvPr/>
-        </p:nvSpPr>
-        <p:spPr>
-          <a:xfrm>
-            <a:off x="5004048" y="4437112"/>
-            <a:ext cx="3582144" cy="1107996"/>
-          </a:xfrm>
-          <a:prstGeom prst="rect">
-            <a:avLst/>
-          </a:prstGeom>
-        </p:spPr>
-        <p:txBody>
-          <a:bodyPr wrap="square">
-            <a:spAutoFit/>
-          </a:bodyPr>
-          <a:lstStyle/>
-          <a:p>
-            <a:r>
-              <a:rPr lang="en-US" i="0" dirty="0" smtClean="0"/>
-              <a:t>Some </a:t>
-            </a:r>
-            <a:r>
-              <a:rPr lang="en-US" i="0" dirty="0" smtClean="0"/>
-              <a:t>actions </a:t>
-            </a:r>
-            <a:r>
-              <a:rPr lang="en-US" i="0" dirty="0" smtClean="0"/>
-              <a:t>involve both </a:t>
-            </a:r>
-            <a:r>
-              <a:rPr lang="en-US" i="0" dirty="0" smtClean="0"/>
-              <a:t>intention </a:t>
-            </a:r>
-            <a:r>
-              <a:rPr lang="en-US" i="0" dirty="0" smtClean="0"/>
-              <a:t>and </a:t>
-            </a:r>
-            <a:r>
-              <a:rPr lang="en-US" i="0" dirty="0" smtClean="0"/>
-              <a:t>motor </a:t>
-            </a:r>
-            <a:r>
-              <a:rPr lang="en-US" i="0" dirty="0" smtClean="0"/>
-              <a:t>representation</a:t>
-            </a:r>
-          </a:p>
-        </p:txBody>
-      </p:sp>
-      <p:sp>
-        <p:nvSpPr>
-          <p:cNvPr id="8" name="Rectangle 7"/>
-          <p:cNvSpPr/>
-          <p:nvPr/>
-        </p:nvSpPr>
-        <p:spPr bwMode="auto">
-          <a:xfrm>
-            <a:off x="683568" y="1556792"/>
-            <a:ext cx="3240360" cy="432048"/>
-          </a:xfrm>
-          <a:prstGeom prst="rect">
-            <a:avLst/>
-          </a:prstGeom>
-          <a:solidFill>
-            <a:schemeClr val="tx1"/>
-          </a:solidFill>
-          <a:ln w="9525" cap="flat" cmpd="sng" algn="ctr">
-            <a:solidFill>
-              <a:schemeClr val="tx1"/>
-            </a:solidFill>
-            <a:prstDash val="solid"/>
-            <a:round/>
-            <a:headEnd type="none" w="med" len="med"/>
-            <a:tailEnd type="none" w="med" len="med"/>
-          </a:ln>
-          <a:effectLst/>
-        </p:spPr>
-        <p:txBody>
-          <a:bodyPr vert="horz" wrap="square" lIns="91440" tIns="45720" rIns="91440" bIns="45720" numCol="1" rtlCol="0" anchor="t" anchorCtr="0" compatLnSpc="1">
-            <a:prstTxWarp prst="textNoShape">
-              <a:avLst/>
-            </a:prstTxWarp>
-          </a:bodyPr>
-          <a:lstStyle/>
-          <a:p>
-            <a:pPr marL="0" marR="0" indent="0" algn="l" defTabSz="449263" rtl="0" eaLnBrk="1" fontAlgn="base" latinLnBrk="0" hangingPunct="1">
-              <a:lnSpc>
-                <a:spcPct val="100000"/>
-              </a:lnSpc>
-              <a:spcBef>
-                <a:spcPct val="0"/>
-              </a:spcBef>
-              <a:spcAft>
-                <a:spcPct val="0"/>
-              </a:spcAft>
-              <a:buClr>
-                <a:srgbClr val="000000"/>
-              </a:buClr>
-              <a:buSzPct val="100000"/>
-              <a:buFont typeface="Times New Roman" charset="0"/>
-              <a:buNone/>
-              <a:tabLst/>
-            </a:pPr>
-            <a:endParaRPr kumimoji="0" lang="en-US" sz="2200" b="0" i="1" u="none" strike="noStrike" cap="none" normalizeH="0" baseline="0">
-              <a:ln>
-                <a:noFill/>
-              </a:ln>
-              <a:solidFill>
-                <a:schemeClr val="bg1"/>
-              </a:solidFill>
-              <a:effectLst/>
-              <a:latin typeface="Myriad Web" charset="0"/>
-            </a:endParaRPr>
-          </a:p>
-        </p:txBody>
-      </p:sp>
-    </p:spTree>
-    <p:extLst>
-      <p:ext uri="{BB962C8B-B14F-4D97-AF65-F5344CB8AC3E}">
-        <p14:creationId xmlns:p14="http://schemas.microsoft.com/office/powerpoint/2010/main" val="852063117"/>
       </p:ext>
     </p:extLst>
   </p:cSld>
@@ -39565,154 +39330,16 @@
           <a:chExt cx="0" cy="0"/>
         </a:xfrm>
       </p:grpSpPr>
-      <p:grpSp>
-        <p:nvGrpSpPr>
-          <p:cNvPr id="2" name="Group 1"/>
-          <p:cNvGrpSpPr/>
-          <p:nvPr/>
-        </p:nvGrpSpPr>
-        <p:grpSpPr>
-          <a:xfrm>
-            <a:off x="4860032" y="1700808"/>
-            <a:ext cx="3139920" cy="3240360"/>
-            <a:chOff x="5464528" y="3128639"/>
-            <a:chExt cx="3139920" cy="3240360"/>
-          </a:xfrm>
-        </p:grpSpPr>
-        <p:pic>
-          <p:nvPicPr>
-            <p:cNvPr id="5" name="Picture 4"/>
-            <p:cNvPicPr>
-              <a:picLocks noChangeAspect="1"/>
-            </p:cNvPicPr>
-            <p:nvPr/>
-          </p:nvPicPr>
-          <p:blipFill>
-            <a:blip r:embed="rId3">
-              <a:extLst>
-                <a:ext uri="{BEBA8EAE-BF5A-486C-A8C5-ECC9F3942E4B}">
-                  <a14:imgProps xmlns:a14="http://schemas.microsoft.com/office/drawing/2010/main">
-                    <a14:imgLayer r:embed="rId4">
-                      <a14:imgEffect>
-                        <a14:sharpenSoften amount="-100000"/>
-                      </a14:imgEffect>
-                      <a14:imgEffect>
-                        <a14:colorTemperature colorTemp="11500"/>
-                      </a14:imgEffect>
-                      <a14:imgEffect>
-                        <a14:saturation sat="0"/>
-                      </a14:imgEffect>
-                      <a14:imgEffect>
-                        <a14:brightnessContrast bright="-43000" contrast="48000"/>
-                      </a14:imgEffect>
-                    </a14:imgLayer>
-                  </a14:imgProps>
-                </a:ext>
-              </a:extLst>
-            </a:blip>
-            <a:stretch>
-              <a:fillRect/>
-            </a:stretch>
-          </p:blipFill>
-          <p:spPr>
-            <a:xfrm>
-              <a:off x="5483700" y="3140968"/>
-              <a:ext cx="3073400" cy="3213100"/>
-            </a:xfrm>
-            <a:prstGeom prst="rect">
-              <a:avLst/>
-            </a:prstGeom>
-          </p:spPr>
-        </p:pic>
-        <p:sp>
-          <p:nvSpPr>
-            <p:cNvPr id="13" name="Rectangle 12"/>
-            <p:cNvSpPr/>
-            <p:nvPr/>
-          </p:nvSpPr>
-          <p:spPr bwMode="auto">
-            <a:xfrm>
-              <a:off x="5464528" y="3128639"/>
-              <a:ext cx="3139920" cy="3240360"/>
-            </a:xfrm>
-            <a:prstGeom prst="rect">
-              <a:avLst/>
-            </a:prstGeom>
-            <a:gradFill flip="none" rotWithShape="1">
-              <a:gsLst>
-                <a:gs pos="76000">
-                  <a:schemeClr val="tx1">
-                    <a:alpha val="0"/>
-                  </a:schemeClr>
-                </a:gs>
-                <a:gs pos="100000">
-                  <a:schemeClr val="tx1"/>
-                </a:gs>
-              </a:gsLst>
-              <a:path path="circle">
-                <a:fillToRect l="50000" t="50000" r="50000" b="50000"/>
-              </a:path>
-              <a:tileRect/>
-            </a:gradFill>
-            <a:ln w="9525" cap="flat" cmpd="sng" algn="ctr">
-              <a:noFill/>
-              <a:prstDash val="solid"/>
-              <a:round/>
-              <a:headEnd type="none" w="med" len="med"/>
-              <a:tailEnd type="none" w="med" len="med"/>
-            </a:ln>
-            <a:effectLst/>
-          </p:spPr>
-          <p:txBody>
-            <a:bodyPr vert="horz" wrap="square" lIns="91440" tIns="45720" rIns="91440" bIns="45720" numCol="1" rtlCol="0" anchor="t" anchorCtr="0" compatLnSpc="1">
-              <a:prstTxWarp prst="textNoShape">
-                <a:avLst/>
-              </a:prstTxWarp>
-            </a:bodyPr>
-            <a:lstStyle/>
-            <a:p>
-              <a:pPr marL="0" marR="0" indent="0" algn="l" defTabSz="449263" rtl="0" eaLnBrk="1" fontAlgn="base" latinLnBrk="0" hangingPunct="1">
-                <a:lnSpc>
-                  <a:spcPct val="100000"/>
-                </a:lnSpc>
-                <a:spcBef>
-                  <a:spcPct val="0"/>
-                </a:spcBef>
-                <a:spcAft>
-                  <a:spcPct val="0"/>
-                </a:spcAft>
-                <a:buClr>
-                  <a:srgbClr val="000000"/>
-                </a:buClr>
-                <a:buSzPct val="100000"/>
-                <a:buFont typeface="Times New Roman" charset="0"/>
-                <a:buNone/>
-                <a:tabLst/>
-              </a:pPr>
-              <a:endParaRPr kumimoji="0" lang="en-US" sz="2200" b="0" i="1" u="none" strike="noStrike" cap="none" normalizeH="0" baseline="0">
-                <a:ln>
-                  <a:noFill/>
-                </a:ln>
-                <a:solidFill>
-                  <a:schemeClr val="bg1"/>
-                </a:solidFill>
-                <a:effectLst/>
-                <a:latin typeface="Myriad Web" charset="0"/>
-              </a:endParaRPr>
-            </a:p>
-          </p:txBody>
-        </p:sp>
-      </p:grpSp>
       <p:sp>
         <p:nvSpPr>
-          <p:cNvPr id="14" name="Rectangle 13"/>
+          <p:cNvPr id="9" name="Rectangle 8"/>
           <p:cNvSpPr/>
           <p:nvPr/>
         </p:nvSpPr>
         <p:spPr>
           <a:xfrm>
-            <a:off x="611560" y="2348880"/>
-            <a:ext cx="2987824" cy="1785104"/>
+            <a:off x="827584" y="477833"/>
+            <a:ext cx="7200800" cy="1107996"/>
           </a:xfrm>
           <a:prstGeom prst="rect">
             <a:avLst/>
@@ -39724,6 +39351,22 @@
           </a:bodyPr>
           <a:lstStyle/>
           <a:p>
+            <a:pPr algn="ctr">
+              <a:tabLst>
+                <a:tab pos="0" algn="l"/>
+                <a:tab pos="914400" algn="l"/>
+                <a:tab pos="1828800" algn="l"/>
+                <a:tab pos="2743200" algn="l"/>
+                <a:tab pos="3657600" algn="l"/>
+                <a:tab pos="4572000" algn="l"/>
+                <a:tab pos="5486400" algn="l"/>
+                <a:tab pos="6400800" algn="l"/>
+                <a:tab pos="7315200" algn="l"/>
+                <a:tab pos="8229600" algn="l"/>
+                <a:tab pos="9144000" algn="l"/>
+                <a:tab pos="10058400" algn="l"/>
+              </a:tabLst>
+            </a:pPr>
             <a:r>
               <a:rPr lang="en-US" i="0" dirty="0" smtClean="0">
                 <a:effectLst>
@@ -39731,116 +39374,68 @@
                     <a:srgbClr val="000000"/>
                   </a:glow>
                 </a:effectLst>
+                <a:ea typeface="Arial" charset="0"/>
+                <a:cs typeface="Arial" charset="0"/>
               </a:rPr>
-              <a:t>Head </a:t>
-            </a:r>
-            <a:r>
-              <a:rPr lang="en-US" i="0" dirty="0">
-                <a:effectLst>
-                  <a:glow rad="101600">
-                    <a:srgbClr val="000000"/>
-                  </a:glow>
-                </a:effectLst>
-              </a:rPr>
-              <a:t>southeast on Rue </a:t>
-            </a:r>
-            <a:r>
-              <a:rPr lang="en-US" i="0" dirty="0" err="1">
-                <a:effectLst>
-                  <a:glow rad="101600">
-                    <a:srgbClr val="000000"/>
-                  </a:glow>
-                </a:effectLst>
-              </a:rPr>
-              <a:t>Cujas</a:t>
-            </a:r>
-            <a:r>
-              <a:rPr lang="en-US" i="0" dirty="0">
-                <a:effectLst>
-                  <a:glow rad="101600">
-                    <a:srgbClr val="000000"/>
-                  </a:glow>
-                </a:effectLst>
-              </a:rPr>
-              <a:t> toward Rue Victor </a:t>
-            </a:r>
-            <a:r>
-              <a:rPr lang="en-US" i="0" dirty="0" smtClean="0">
-                <a:effectLst>
-                  <a:glow rad="101600">
-                    <a:srgbClr val="000000"/>
-                  </a:glow>
-                </a:effectLst>
-              </a:rPr>
-              <a:t>Cousin.  Turn </a:t>
-            </a:r>
-            <a:r>
-              <a:rPr lang="en-US" i="0" dirty="0">
-                <a:effectLst>
-                  <a:glow rad="101600">
-                    <a:srgbClr val="000000"/>
-                  </a:glow>
-                </a:effectLst>
-              </a:rPr>
-              <a:t>right onto Rue Saint-</a:t>
-            </a:r>
-            <a:r>
-              <a:rPr lang="en-US" i="0" dirty="0" smtClean="0">
-                <a:effectLst>
-                  <a:glow rad="101600">
-                    <a:srgbClr val="000000"/>
-                  </a:glow>
-                </a:effectLst>
-              </a:rPr>
-              <a:t>Jacques. ...</a:t>
-            </a:r>
+              <a:t>The Interface Problem: </a:t>
+            </a:r>
+          </a:p>
+          <a:p>
+            <a:pPr algn="ctr">
+              <a:tabLst>
+                <a:tab pos="0" algn="l"/>
+                <a:tab pos="914400" algn="l"/>
+                <a:tab pos="1828800" algn="l"/>
+                <a:tab pos="2743200" algn="l"/>
+                <a:tab pos="3657600" algn="l"/>
+                <a:tab pos="4572000" algn="l"/>
+                <a:tab pos="5486400" algn="l"/>
+                <a:tab pos="6400800" algn="l"/>
+                <a:tab pos="7315200" algn="l"/>
+                <a:tab pos="8229600" algn="l"/>
+                <a:tab pos="9144000" algn="l"/>
+                <a:tab pos="10058400" algn="l"/>
+              </a:tabLst>
+            </a:pPr>
+            <a:r>
+              <a:rPr lang="en-US" i="0" dirty="0" smtClean="0"/>
+              <a:t>How are non</a:t>
+            </a:r>
+            <a:r>
+              <a:rPr lang="en-US" i="0" dirty="0"/>
+              <a:t>-accidental matches </a:t>
+            </a:r>
+            <a:r>
+              <a:rPr lang="en-US" i="0" dirty="0" smtClean="0"/>
+              <a:t>possible?</a:t>
+            </a:r>
+            <a:endParaRPr lang="en-US" i="0" dirty="0"/>
+          </a:p>
+          <a:p>
+            <a:pPr algn="ctr">
+              <a:tabLst>
+                <a:tab pos="0" algn="l"/>
+                <a:tab pos="914400" algn="l"/>
+                <a:tab pos="1828800" algn="l"/>
+                <a:tab pos="2743200" algn="l"/>
+                <a:tab pos="3657600" algn="l"/>
+                <a:tab pos="4572000" algn="l"/>
+                <a:tab pos="5486400" algn="l"/>
+                <a:tab pos="6400800" algn="l"/>
+                <a:tab pos="7315200" algn="l"/>
+                <a:tab pos="8229600" algn="l"/>
+                <a:tab pos="9144000" algn="l"/>
+                <a:tab pos="10058400" algn="l"/>
+              </a:tabLst>
+            </a:pPr>
             <a:endParaRPr lang="en-US" i="0" dirty="0">
               <a:effectLst>
                 <a:glow rad="101600">
                   <a:srgbClr val="000000"/>
                 </a:glow>
               </a:effectLst>
-            </a:endParaRPr>
-          </a:p>
-        </p:txBody>
-      </p:sp>
-      <p:sp>
-        <p:nvSpPr>
-          <p:cNvPr id="11" name="Rectangle 10"/>
-          <p:cNvSpPr/>
-          <p:nvPr/>
-        </p:nvSpPr>
-        <p:spPr>
-          <a:xfrm>
-            <a:off x="3635896" y="2492896"/>
-            <a:ext cx="2987824" cy="1446550"/>
-          </a:xfrm>
-          <a:prstGeom prst="rect">
-            <a:avLst/>
-          </a:prstGeom>
-        </p:spPr>
-        <p:txBody>
-          <a:bodyPr wrap="square">
-            <a:spAutoFit/>
-          </a:bodyPr>
-          <a:lstStyle/>
-          <a:p>
-            <a:r>
-              <a:rPr lang="en-US" sz="8800" i="0" dirty="0" smtClean="0">
-                <a:effectLst>
-                  <a:glow rad="101600">
-                    <a:srgbClr val="000000"/>
-                  </a:glow>
-                </a:effectLst>
-              </a:rPr>
-              <a:t>=</a:t>
-            </a:r>
-            <a:endParaRPr lang="en-US" sz="8800" i="0" dirty="0">
-              <a:effectLst>
-                <a:glow rad="101600">
-                  <a:srgbClr val="000000"/>
-                </a:glow>
-              </a:effectLst>
+              <a:ea typeface="Arial" charset="0"/>
+              <a:cs typeface="Arial" charset="0"/>
             </a:endParaRPr>
           </a:p>
         </p:txBody>
@@ -39853,8 +39448,8 @@
         </p:nvSpPr>
         <p:spPr>
           <a:xfrm>
-            <a:off x="8388424" y="2636912"/>
-            <a:ext cx="2987824" cy="1446550"/>
+            <a:off x="683568" y="1507426"/>
+            <a:ext cx="3312368" cy="3816429"/>
           </a:xfrm>
           <a:prstGeom prst="rect">
             <a:avLst/>
@@ -39866,22 +39461,503 @@
           </a:bodyPr>
           <a:lstStyle/>
           <a:p>
-            <a:r>
-              <a:rPr lang="en-US" sz="8800" i="0" dirty="0" smtClean="0">
+            <a:pPr>
+              <a:tabLst>
+                <a:tab pos="0" algn="l"/>
+                <a:tab pos="914400" algn="l"/>
+                <a:tab pos="1828800" algn="l"/>
+                <a:tab pos="2743200" algn="l"/>
+                <a:tab pos="3657600" algn="l"/>
+                <a:tab pos="4572000" algn="l"/>
+                <a:tab pos="5486400" algn="l"/>
+                <a:tab pos="6400800" algn="l"/>
+                <a:tab pos="7315200" algn="l"/>
+                <a:tab pos="8229600" algn="l"/>
+                <a:tab pos="9144000" algn="l"/>
+                <a:tab pos="10058400" algn="l"/>
+              </a:tabLst>
+            </a:pPr>
+            <a:r>
+              <a:rPr lang="en-US" i="0" dirty="0" smtClean="0">
                 <a:effectLst>
                   <a:glow rad="101600">
                     <a:srgbClr val="000000"/>
                   </a:glow>
                 </a:effectLst>
+                <a:ea typeface="Arial" charset="0"/>
+                <a:cs typeface="Arial" charset="0"/>
               </a:rPr>
-              <a:t>?</a:t>
-            </a:r>
-            <a:endParaRPr lang="en-US" sz="8800" i="0" dirty="0">
+              <a:t>Reciprocal agent-neutral motor representations:</a:t>
+            </a:r>
+          </a:p>
+          <a:p>
+            <a:pPr>
+              <a:tabLst>
+                <a:tab pos="0" algn="l"/>
+                <a:tab pos="914400" algn="l"/>
+                <a:tab pos="1828800" algn="l"/>
+                <a:tab pos="2743200" algn="l"/>
+                <a:tab pos="3657600" algn="l"/>
+                <a:tab pos="4572000" algn="l"/>
+                <a:tab pos="5486400" algn="l"/>
+                <a:tab pos="6400800" algn="l"/>
+                <a:tab pos="7315200" algn="l"/>
+                <a:tab pos="8229600" algn="l"/>
+                <a:tab pos="9144000" algn="l"/>
+                <a:tab pos="10058400" algn="l"/>
+              </a:tabLst>
+            </a:pPr>
+            <a:endParaRPr lang="en-US" i="0" dirty="0">
               <a:effectLst>
                 <a:glow rad="101600">
                   <a:srgbClr val="000000"/>
                 </a:glow>
               </a:effectLst>
+              <a:ea typeface="Arial" charset="0"/>
+              <a:cs typeface="Arial" charset="0"/>
+            </a:endParaRPr>
+          </a:p>
+          <a:p>
+            <a:pPr>
+              <a:tabLst>
+                <a:tab pos="0" algn="l"/>
+                <a:tab pos="914400" algn="l"/>
+                <a:tab pos="1828800" algn="l"/>
+                <a:tab pos="2743200" algn="l"/>
+                <a:tab pos="3657600" algn="l"/>
+                <a:tab pos="4572000" algn="l"/>
+                <a:tab pos="5486400" algn="l"/>
+                <a:tab pos="6400800" algn="l"/>
+                <a:tab pos="7315200" algn="l"/>
+                <a:tab pos="8229600" algn="l"/>
+                <a:tab pos="9144000" algn="l"/>
+                <a:tab pos="10058400" algn="l"/>
+              </a:tabLst>
+            </a:pPr>
+            <a:r>
+              <a:rPr lang="en-US" i="0" dirty="0" err="1" smtClean="0">
+                <a:effectLst>
+                  <a:glow rad="101600">
+                    <a:srgbClr val="000000"/>
+                  </a:glow>
+                </a:effectLst>
+                <a:ea typeface="Arial" charset="0"/>
+                <a:cs typeface="Arial" charset="0"/>
+              </a:rPr>
+              <a:t>i</a:t>
+            </a:r>
+            <a:r>
+              <a:rPr lang="en-US" i="0" dirty="0" smtClean="0">
+                <a:effectLst>
+                  <a:glow rad="101600">
+                    <a:srgbClr val="000000"/>
+                  </a:glow>
+                </a:effectLst>
+                <a:ea typeface="Arial" charset="0"/>
+                <a:cs typeface="Arial" charset="0"/>
+              </a:rPr>
+              <a:t>. represent outcomes;</a:t>
+            </a:r>
+          </a:p>
+          <a:p>
+            <a:pPr>
+              <a:tabLst>
+                <a:tab pos="0" algn="l"/>
+                <a:tab pos="914400" algn="l"/>
+                <a:tab pos="1828800" algn="l"/>
+                <a:tab pos="2743200" algn="l"/>
+                <a:tab pos="3657600" algn="l"/>
+                <a:tab pos="4572000" algn="l"/>
+                <a:tab pos="5486400" algn="l"/>
+                <a:tab pos="6400800" algn="l"/>
+                <a:tab pos="7315200" algn="l"/>
+                <a:tab pos="8229600" algn="l"/>
+                <a:tab pos="9144000" algn="l"/>
+                <a:tab pos="10058400" algn="l"/>
+              </a:tabLst>
+            </a:pPr>
+            <a:endParaRPr lang="en-US" i="0" dirty="0" smtClean="0">
+              <a:effectLst>
+                <a:glow rad="101600">
+                  <a:srgbClr val="000000"/>
+                </a:glow>
+              </a:effectLst>
+              <a:ea typeface="Arial" charset="0"/>
+              <a:cs typeface="Arial" charset="0"/>
+            </a:endParaRPr>
+          </a:p>
+          <a:p>
+            <a:pPr>
+              <a:tabLst>
+                <a:tab pos="0" algn="l"/>
+                <a:tab pos="914400" algn="l"/>
+                <a:tab pos="1828800" algn="l"/>
+                <a:tab pos="2743200" algn="l"/>
+                <a:tab pos="3657600" algn="l"/>
+                <a:tab pos="4572000" algn="l"/>
+                <a:tab pos="5486400" algn="l"/>
+                <a:tab pos="6400800" algn="l"/>
+                <a:tab pos="7315200" algn="l"/>
+                <a:tab pos="8229600" algn="l"/>
+                <a:tab pos="9144000" algn="l"/>
+                <a:tab pos="10058400" algn="l"/>
+              </a:tabLst>
+            </a:pPr>
+            <a:r>
+              <a:rPr lang="en-US" i="0" dirty="0" smtClean="0">
+                <a:effectLst>
+                  <a:glow rad="101600">
+                    <a:srgbClr val="000000"/>
+                  </a:glow>
+                </a:effectLst>
+                <a:ea typeface="Arial" charset="0"/>
+                <a:cs typeface="Arial" charset="0"/>
+              </a:rPr>
+              <a:t>ii. ground the purposiveness of some </a:t>
+            </a:r>
+          </a:p>
+          <a:p>
+            <a:pPr>
+              <a:tabLst>
+                <a:tab pos="0" algn="l"/>
+                <a:tab pos="914400" algn="l"/>
+                <a:tab pos="1828800" algn="l"/>
+                <a:tab pos="2743200" algn="l"/>
+                <a:tab pos="3657600" algn="l"/>
+                <a:tab pos="4572000" algn="l"/>
+                <a:tab pos="5486400" algn="l"/>
+                <a:tab pos="6400800" algn="l"/>
+                <a:tab pos="7315200" algn="l"/>
+                <a:tab pos="8229600" algn="l"/>
+                <a:tab pos="9144000" algn="l"/>
+                <a:tab pos="10058400" algn="l"/>
+              </a:tabLst>
+            </a:pPr>
+            <a:r>
+              <a:rPr lang="en-US" i="0" dirty="0" smtClean="0">
+                <a:effectLst>
+                  <a:glow rad="101600">
+                    <a:srgbClr val="000000"/>
+                  </a:glow>
+                </a:effectLst>
+                <a:ea typeface="Arial" charset="0"/>
+                <a:cs typeface="Arial" charset="0"/>
+              </a:rPr>
+              <a:t>actions</a:t>
+            </a:r>
+            <a:r>
+              <a:rPr lang="en-US" i="0" dirty="0" smtClean="0">
+                <a:effectLst>
+                  <a:glow rad="101600">
+                    <a:srgbClr val="000000"/>
+                  </a:glow>
+                </a:effectLst>
+                <a:ea typeface="Arial" charset="0"/>
+                <a:cs typeface="Arial" charset="0"/>
+              </a:rPr>
+              <a:t>; and</a:t>
+            </a:r>
+          </a:p>
+          <a:p>
+            <a:pPr>
+              <a:tabLst>
+                <a:tab pos="0" algn="l"/>
+                <a:tab pos="914400" algn="l"/>
+                <a:tab pos="1828800" algn="l"/>
+                <a:tab pos="2743200" algn="l"/>
+                <a:tab pos="3657600" algn="l"/>
+                <a:tab pos="4572000" algn="l"/>
+                <a:tab pos="5486400" algn="l"/>
+                <a:tab pos="6400800" algn="l"/>
+                <a:tab pos="7315200" algn="l"/>
+                <a:tab pos="8229600" algn="l"/>
+                <a:tab pos="9144000" algn="l"/>
+                <a:tab pos="10058400" algn="l"/>
+              </a:tabLst>
+            </a:pPr>
+            <a:endParaRPr lang="en-US" i="0" dirty="0">
+              <a:effectLst>
+                <a:glow rad="101600">
+                  <a:srgbClr val="000000"/>
+                </a:glow>
+              </a:effectLst>
+              <a:ea typeface="Arial" charset="0"/>
+              <a:cs typeface="Arial" charset="0"/>
+            </a:endParaRPr>
+          </a:p>
+          <a:p>
+            <a:pPr>
+              <a:tabLst>
+                <a:tab pos="0" algn="l"/>
+                <a:tab pos="914400" algn="l"/>
+                <a:tab pos="1828800" algn="l"/>
+                <a:tab pos="2743200" algn="l"/>
+                <a:tab pos="3657600" algn="l"/>
+                <a:tab pos="4572000" algn="l"/>
+                <a:tab pos="5486400" algn="l"/>
+                <a:tab pos="6400800" algn="l"/>
+                <a:tab pos="7315200" algn="l"/>
+                <a:tab pos="8229600" algn="l"/>
+                <a:tab pos="9144000" algn="l"/>
+                <a:tab pos="10058400" algn="l"/>
+              </a:tabLst>
+            </a:pPr>
+            <a:r>
+              <a:rPr lang="en-US" i="0" dirty="0" smtClean="0">
+                <a:effectLst>
+                  <a:glow rad="101600">
+                    <a:srgbClr val="000000"/>
+                  </a:glow>
+                </a:effectLst>
+                <a:ea typeface="Arial" charset="0"/>
+                <a:cs typeface="Arial" charset="0"/>
+              </a:rPr>
+              <a:t>iii. differ in format from </a:t>
+            </a:r>
+            <a:r>
+              <a:rPr lang="en-US" i="0" dirty="0" smtClean="0">
+                <a:effectLst>
+                  <a:glow rad="101600">
+                    <a:srgbClr val="000000"/>
+                  </a:glow>
+                </a:effectLst>
+                <a:ea typeface="Arial" charset="0"/>
+                <a:cs typeface="Arial" charset="0"/>
+              </a:rPr>
+              <a:t>intentions</a:t>
+            </a:r>
+            <a:r>
+              <a:rPr lang="en-US" i="0" dirty="0" smtClean="0">
+                <a:effectLst>
+                  <a:glow rad="101600">
+                    <a:srgbClr val="000000"/>
+                  </a:glow>
+                </a:effectLst>
+                <a:ea typeface="Arial" charset="0"/>
+                <a:cs typeface="Arial" charset="0"/>
+              </a:rPr>
+              <a:t>.</a:t>
+            </a:r>
+            <a:endParaRPr lang="en-US" i="0" dirty="0">
+              <a:effectLst>
+                <a:glow rad="101600">
+                  <a:srgbClr val="000000"/>
+                </a:glow>
+              </a:effectLst>
+              <a:ea typeface="Arial" charset="0"/>
+              <a:cs typeface="Arial" charset="0"/>
+            </a:endParaRPr>
+          </a:p>
+        </p:txBody>
+      </p:sp>
+      <p:sp>
+        <p:nvSpPr>
+          <p:cNvPr id="3" name="Rectangle 2"/>
+          <p:cNvSpPr/>
+          <p:nvPr/>
+        </p:nvSpPr>
+        <p:spPr>
+          <a:xfrm>
+            <a:off x="5004048" y="1507426"/>
+            <a:ext cx="3654152" cy="2462212"/>
+          </a:xfrm>
+          <a:prstGeom prst="rect">
+            <a:avLst/>
+          </a:prstGeom>
+        </p:spPr>
+        <p:txBody>
+          <a:bodyPr wrap="square">
+            <a:spAutoFit/>
+          </a:bodyPr>
+          <a:lstStyle/>
+          <a:p>
+            <a:r>
+              <a:rPr lang="en-US" i="0" dirty="0" smtClean="0"/>
+              <a:t>Two  outcomes</a:t>
+            </a:r>
+            <a:r>
+              <a:rPr lang="en-US" i="0" dirty="0"/>
+              <a:t>, A and B, </a:t>
+            </a:r>
+            <a:r>
+              <a:rPr lang="en-US" dirty="0"/>
+              <a:t>match</a:t>
+            </a:r>
+            <a:r>
+              <a:rPr lang="en-US" i="0" dirty="0"/>
+              <a:t> in a particular context just if, in that context, either the occurrence of </a:t>
+            </a:r>
+            <a:r>
+              <a:rPr lang="en-US" i="0" dirty="0" smtClean="0"/>
+              <a:t>A would </a:t>
+            </a:r>
+            <a:r>
+              <a:rPr lang="en-US" i="0" dirty="0"/>
+              <a:t>normally constitute or cause, at least partially, the </a:t>
+            </a:r>
+            <a:r>
+              <a:rPr lang="en-US" i="0" dirty="0" smtClean="0"/>
+              <a:t>occurrence </a:t>
+            </a:r>
+            <a:r>
+              <a:rPr lang="en-US" i="0" dirty="0"/>
+              <a:t>of </a:t>
+            </a:r>
+            <a:r>
+              <a:rPr lang="en-US" i="0" dirty="0" smtClean="0"/>
+              <a:t>B or </a:t>
+            </a:r>
+            <a:r>
+              <a:rPr lang="en-US" i="0" dirty="0"/>
+              <a:t>vice versa. </a:t>
+            </a:r>
+          </a:p>
+        </p:txBody>
+      </p:sp>
+      <p:cxnSp>
+        <p:nvCxnSpPr>
+          <p:cNvPr id="13" name="Straight Connector 12"/>
+          <p:cNvCxnSpPr/>
+          <p:nvPr/>
+        </p:nvCxnSpPr>
+        <p:spPr bwMode="auto">
+          <a:xfrm>
+            <a:off x="4499992" y="1484784"/>
+            <a:ext cx="0" cy="4536504"/>
+          </a:xfrm>
+          <a:prstGeom prst="line">
+            <a:avLst/>
+          </a:prstGeom>
+          <a:solidFill>
+            <a:srgbClr val="00B8FF"/>
+          </a:solidFill>
+          <a:ln w="9525" cap="flat" cmpd="sng" algn="ctr">
+            <a:solidFill>
+              <a:schemeClr val="bg1"/>
+            </a:solidFill>
+            <a:prstDash val="sysDash"/>
+            <a:round/>
+            <a:headEnd type="none" w="med" len="med"/>
+            <a:tailEnd type="none" w="med" len="med"/>
+          </a:ln>
+          <a:effectLst/>
+        </p:spPr>
+      </p:cxnSp>
+      <p:sp>
+        <p:nvSpPr>
+          <p:cNvPr id="7" name="Rectangle 6"/>
+          <p:cNvSpPr/>
+          <p:nvPr/>
+        </p:nvSpPr>
+        <p:spPr>
+          <a:xfrm>
+            <a:off x="5004048" y="4437112"/>
+            <a:ext cx="3582144" cy="1107996"/>
+          </a:xfrm>
+          <a:prstGeom prst="rect">
+            <a:avLst/>
+          </a:prstGeom>
+        </p:spPr>
+        <p:txBody>
+          <a:bodyPr wrap="square">
+            <a:spAutoFit/>
+          </a:bodyPr>
+          <a:lstStyle/>
+          <a:p>
+            <a:r>
+              <a:rPr lang="en-US" i="0" dirty="0" smtClean="0"/>
+              <a:t>Some </a:t>
+            </a:r>
+            <a:r>
+              <a:rPr lang="en-US" i="0" dirty="0" smtClean="0"/>
+              <a:t>actions </a:t>
+            </a:r>
+            <a:r>
+              <a:rPr lang="en-US" i="0" dirty="0" smtClean="0"/>
+              <a:t>involve both </a:t>
+            </a:r>
+            <a:r>
+              <a:rPr lang="en-US" i="0" dirty="0" smtClean="0"/>
+              <a:t>intention </a:t>
+            </a:r>
+            <a:r>
+              <a:rPr lang="en-US" i="0" dirty="0" smtClean="0"/>
+              <a:t>and </a:t>
+            </a:r>
+            <a:r>
+              <a:rPr lang="en-US" i="0" dirty="0" smtClean="0"/>
+              <a:t>motor </a:t>
+            </a:r>
+            <a:r>
+              <a:rPr lang="en-US" i="0" dirty="0" smtClean="0"/>
+              <a:t>representation</a:t>
+            </a:r>
+          </a:p>
+        </p:txBody>
+      </p:sp>
+      <p:sp>
+        <p:nvSpPr>
+          <p:cNvPr id="8" name="Rectangle 7"/>
+          <p:cNvSpPr/>
+          <p:nvPr/>
+        </p:nvSpPr>
+        <p:spPr bwMode="auto">
+          <a:xfrm>
+            <a:off x="683568" y="1556792"/>
+            <a:ext cx="3240360" cy="432048"/>
+          </a:xfrm>
+          <a:prstGeom prst="rect">
+            <a:avLst/>
+          </a:prstGeom>
+          <a:solidFill>
+            <a:schemeClr val="tx1"/>
+          </a:solidFill>
+          <a:ln w="9525" cap="flat" cmpd="sng" algn="ctr">
+            <a:solidFill>
+              <a:schemeClr val="tx1"/>
+            </a:solidFill>
+            <a:prstDash val="solid"/>
+            <a:round/>
+            <a:headEnd type="none" w="med" len="med"/>
+            <a:tailEnd type="none" w="med" len="med"/>
+          </a:ln>
+          <a:effectLst/>
+        </p:spPr>
+        <p:txBody>
+          <a:bodyPr vert="horz" wrap="square" lIns="91440" tIns="45720" rIns="91440" bIns="45720" numCol="1" rtlCol="0" anchor="t" anchorCtr="0" compatLnSpc="1">
+            <a:prstTxWarp prst="textNoShape">
+              <a:avLst/>
+            </a:prstTxWarp>
+          </a:bodyPr>
+          <a:lstStyle/>
+          <a:p>
+            <a:pPr marL="0" marR="0" indent="0" algn="l" defTabSz="449263" rtl="0" eaLnBrk="1" fontAlgn="base" latinLnBrk="0" hangingPunct="1">
+              <a:lnSpc>
+                <a:spcPct val="100000"/>
+              </a:lnSpc>
+              <a:spcBef>
+                <a:spcPct val="0"/>
+              </a:spcBef>
+              <a:spcAft>
+                <a:spcPct val="0"/>
+              </a:spcAft>
+              <a:buClr>
+                <a:srgbClr val="000000"/>
+              </a:buClr>
+              <a:buSzPct val="100000"/>
+              <a:buFont typeface="Times New Roman" charset="0"/>
+              <a:buNone/>
+              <a:tabLst/>
+            </a:pPr>
+            <a:endParaRPr kumimoji="0" lang="en-US" sz="2200" b="0" i="1" u="none" strike="noStrike" cap="none" normalizeH="0" baseline="0">
+              <a:ln>
+                <a:noFill/>
+              </a:ln>
+              <a:solidFill>
+                <a:schemeClr val="bg1"/>
+              </a:solidFill>
+              <a:effectLst/>
+              <a:latin typeface="Myriad Web" charset="0"/>
             </a:endParaRPr>
           </a:p>
         </p:txBody>
@@ -39889,7 +39965,7 @@
     </p:spTree>
     <p:extLst>
       <p:ext uri="{BB962C8B-B14F-4D97-AF65-F5344CB8AC3E}">
-        <p14:creationId xmlns:p14="http://schemas.microsoft.com/office/powerpoint/2010/main" val="984700554"/>
+        <p14:creationId xmlns:p14="http://schemas.microsoft.com/office/powerpoint/2010/main" val="852063117"/>
       </p:ext>
     </p:extLst>
   </p:cSld>
@@ -40071,7 +40147,7 @@
         <p:spPr>
           <a:xfrm>
             <a:off x="611560" y="2348880"/>
-            <a:ext cx="2987824" cy="430887"/>
+            <a:ext cx="2987824" cy="1785104"/>
           </a:xfrm>
           <a:prstGeom prst="rect">
             <a:avLst/>
@@ -40091,17 +40167,37 @@
                   </a:glow>
                 </a:effectLst>
               </a:rPr>
-              <a:t>Follow </a:t>
-            </a:r>
-            <a:r>
-              <a:rPr lang="en-US" dirty="0" smtClean="0">
+              <a:t>Head </a:t>
+            </a:r>
+            <a:r>
+              <a:rPr lang="en-US" i="0" dirty="0">
                 <a:effectLst>
                   <a:glow rad="101600">
                     <a:srgbClr val="000000"/>
                   </a:glow>
                 </a:effectLst>
               </a:rPr>
-              <a:t>that</a:t>
+              <a:t>southeast on Rue </a:t>
+            </a:r>
+            <a:r>
+              <a:rPr lang="en-US" i="0" dirty="0" err="1">
+                <a:effectLst>
+                  <a:glow rad="101600">
+                    <a:srgbClr val="000000"/>
+                  </a:glow>
+                </a:effectLst>
+              </a:rPr>
+              <a:t>Cujas</a:t>
+            </a:r>
+            <a:r>
+              <a:rPr lang="en-US" i="0" dirty="0">
+                <a:effectLst>
+                  <a:glow rad="101600">
+                    <a:srgbClr val="000000"/>
+                  </a:glow>
+                </a:effectLst>
+              </a:rPr>
+              <a:t> toward Rue Victor </a:t>
             </a:r>
             <a:r>
               <a:rPr lang="en-US" i="0" dirty="0" smtClean="0">
@@ -40111,7 +40207,27 @@
                   </a:glow>
                 </a:effectLst>
               </a:rPr>
-              <a:t> route</a:t>
+              <a:t>Cousin.  Turn </a:t>
+            </a:r>
+            <a:r>
+              <a:rPr lang="en-US" i="0" dirty="0">
+                <a:effectLst>
+                  <a:glow rad="101600">
+                    <a:srgbClr val="000000"/>
+                  </a:glow>
+                </a:effectLst>
+              </a:rPr>
+              <a:t>right onto Rue Saint-</a:t>
+            </a:r>
+            <a:r>
+              <a:rPr lang="en-US" i="0" dirty="0" smtClean="0">
+                <a:effectLst>
+                  <a:glow rad="101600">
+                    <a:srgbClr val="000000"/>
+                  </a:glow>
+                </a:effectLst>
+              </a:rPr>
+              <a:t>Jacques. ...</a:t>
             </a:r>
             <a:endParaRPr lang="en-US" i="0" dirty="0">
               <a:effectLst>
@@ -40208,7 +40324,7 @@
     </p:spTree>
     <p:extLst>
       <p:ext uri="{BB962C8B-B14F-4D97-AF65-F5344CB8AC3E}">
-        <p14:creationId xmlns:p14="http://schemas.microsoft.com/office/powerpoint/2010/main" val="3114065030"/>
+        <p14:creationId xmlns:p14="http://schemas.microsoft.com/office/powerpoint/2010/main" val="984700554"/>
       </p:ext>
     </p:extLst>
   </p:cSld>
@@ -40524,224 +40640,10 @@
           </a:p>
         </p:txBody>
       </p:sp>
-      <p:sp>
-        <p:nvSpPr>
-          <p:cNvPr id="4" name="Freeform 3"/>
-          <p:cNvSpPr/>
-          <p:nvPr/>
-        </p:nvSpPr>
-        <p:spPr>
-          <a:xfrm>
-            <a:off x="1854200" y="672623"/>
-            <a:ext cx="4533900" cy="2829520"/>
-          </a:xfrm>
-          <a:custGeom>
-            <a:avLst/>
-            <a:gdLst>
-              <a:gd name="connsiteX0" fmla="*/ 1091359 w 6271180"/>
-              <a:gd name="connsiteY0" fmla="*/ 1937427 h 2724500"/>
-              <a:gd name="connsiteX1" fmla="*/ 291259 w 6271180"/>
-              <a:gd name="connsiteY1" fmla="*/ 2623227 h 2724500"/>
-              <a:gd name="connsiteX2" fmla="*/ 5434759 w 6271180"/>
-              <a:gd name="connsiteY2" fmla="*/ 7027 h 2724500"/>
-              <a:gd name="connsiteX3" fmla="*/ 6260259 w 6271180"/>
-              <a:gd name="connsiteY3" fmla="*/ 1797727 h 2724500"/>
-              <a:gd name="connsiteX4" fmla="*/ 6260259 w 6271180"/>
-              <a:gd name="connsiteY4" fmla="*/ 1797727 h 2724500"/>
-              <a:gd name="connsiteX0" fmla="*/ 1091359 w 6261838"/>
-              <a:gd name="connsiteY0" fmla="*/ 1939030 h 2726103"/>
-              <a:gd name="connsiteX1" fmla="*/ 291259 w 6261838"/>
-              <a:gd name="connsiteY1" fmla="*/ 2624830 h 2726103"/>
-              <a:gd name="connsiteX2" fmla="*/ 5434759 w 6261838"/>
-              <a:gd name="connsiteY2" fmla="*/ 8630 h 2726103"/>
-              <a:gd name="connsiteX3" fmla="*/ 6260259 w 6261838"/>
-              <a:gd name="connsiteY3" fmla="*/ 1799330 h 2726103"/>
-              <a:gd name="connsiteX4" fmla="*/ 5625259 w 6261838"/>
-              <a:gd name="connsiteY4" fmla="*/ 2294630 h 2726103"/>
-              <a:gd name="connsiteX0" fmla="*/ 1091359 w 8385796"/>
-              <a:gd name="connsiteY0" fmla="*/ 1938557 h 2725630"/>
-              <a:gd name="connsiteX1" fmla="*/ 291259 w 8385796"/>
-              <a:gd name="connsiteY1" fmla="*/ 2624357 h 2725630"/>
-              <a:gd name="connsiteX2" fmla="*/ 5434759 w 8385796"/>
-              <a:gd name="connsiteY2" fmla="*/ 8157 h 2725630"/>
-              <a:gd name="connsiteX3" fmla="*/ 6260259 w 8385796"/>
-              <a:gd name="connsiteY3" fmla="*/ 1798857 h 2725630"/>
-              <a:gd name="connsiteX4" fmla="*/ 8381159 w 8385796"/>
-              <a:gd name="connsiteY4" fmla="*/ 1709958 h 2725630"/>
-              <a:gd name="connsiteX5" fmla="*/ 5625259 w 8385796"/>
-              <a:gd name="connsiteY5" fmla="*/ 2294157 h 2725630"/>
-              <a:gd name="connsiteX0" fmla="*/ 1091359 w 6261616"/>
-              <a:gd name="connsiteY0" fmla="*/ 1939030 h 2726103"/>
-              <a:gd name="connsiteX1" fmla="*/ 291259 w 6261616"/>
-              <a:gd name="connsiteY1" fmla="*/ 2624830 h 2726103"/>
-              <a:gd name="connsiteX2" fmla="*/ 5434759 w 6261616"/>
-              <a:gd name="connsiteY2" fmla="*/ 8630 h 2726103"/>
-              <a:gd name="connsiteX3" fmla="*/ 6260259 w 6261616"/>
-              <a:gd name="connsiteY3" fmla="*/ 1799330 h 2726103"/>
-              <a:gd name="connsiteX4" fmla="*/ 5625259 w 6261616"/>
-              <a:gd name="connsiteY4" fmla="*/ 2294630 h 2726103"/>
-              <a:gd name="connsiteX0" fmla="*/ 1091359 w 5875292"/>
-              <a:gd name="connsiteY0" fmla="*/ 1931594 h 2718667"/>
-              <a:gd name="connsiteX1" fmla="*/ 291259 w 5875292"/>
-              <a:gd name="connsiteY1" fmla="*/ 2617394 h 2718667"/>
-              <a:gd name="connsiteX2" fmla="*/ 5434759 w 5875292"/>
-              <a:gd name="connsiteY2" fmla="*/ 1194 h 2718667"/>
-              <a:gd name="connsiteX3" fmla="*/ 5625259 w 5875292"/>
-              <a:gd name="connsiteY3" fmla="*/ 2287194 h 2718667"/>
-              <a:gd name="connsiteX0" fmla="*/ 582867 w 5312211"/>
-              <a:gd name="connsiteY0" fmla="*/ 1932644 h 2833081"/>
-              <a:gd name="connsiteX1" fmla="*/ 532067 w 5312211"/>
-              <a:gd name="connsiteY1" fmla="*/ 2745444 h 2833081"/>
-              <a:gd name="connsiteX2" fmla="*/ 4926267 w 5312211"/>
-              <a:gd name="connsiteY2" fmla="*/ 2244 h 2833081"/>
-              <a:gd name="connsiteX3" fmla="*/ 5116767 w 5312211"/>
-              <a:gd name="connsiteY3" fmla="*/ 2288244 h 2833081"/>
-              <a:gd name="connsiteX0" fmla="*/ 189056 w 4793144"/>
-              <a:gd name="connsiteY0" fmla="*/ 1930874 h 2318360"/>
-              <a:gd name="connsiteX1" fmla="*/ 1890856 w 4793144"/>
-              <a:gd name="connsiteY1" fmla="*/ 2083274 h 2318360"/>
-              <a:gd name="connsiteX2" fmla="*/ 4532456 w 4793144"/>
-              <a:gd name="connsiteY2" fmla="*/ 474 h 2318360"/>
-              <a:gd name="connsiteX3" fmla="*/ 4722956 w 4793144"/>
-              <a:gd name="connsiteY3" fmla="*/ 2286474 h 2318360"/>
-              <a:gd name="connsiteX0" fmla="*/ 361258 w 5048322"/>
-              <a:gd name="connsiteY0" fmla="*/ 1932525 h 2821469"/>
-              <a:gd name="connsiteX1" fmla="*/ 894658 w 5048322"/>
-              <a:gd name="connsiteY1" fmla="*/ 2732625 h 2821469"/>
-              <a:gd name="connsiteX2" fmla="*/ 4704658 w 5048322"/>
-              <a:gd name="connsiteY2" fmla="*/ 2125 h 2821469"/>
-              <a:gd name="connsiteX3" fmla="*/ 4895158 w 5048322"/>
-              <a:gd name="connsiteY3" fmla="*/ 2288125 h 2821469"/>
-              <a:gd name="connsiteX0" fmla="*/ 163717 w 4850781"/>
-              <a:gd name="connsiteY0" fmla="*/ 1932525 h 2840028"/>
-              <a:gd name="connsiteX1" fmla="*/ 697117 w 4850781"/>
-              <a:gd name="connsiteY1" fmla="*/ 2732625 h 2840028"/>
-              <a:gd name="connsiteX2" fmla="*/ 4507117 w 4850781"/>
-              <a:gd name="connsiteY2" fmla="*/ 2125 h 2840028"/>
-              <a:gd name="connsiteX3" fmla="*/ 4697617 w 4850781"/>
-              <a:gd name="connsiteY3" fmla="*/ 2288125 h 2840028"/>
-              <a:gd name="connsiteX0" fmla="*/ 0 w 4687064"/>
-              <a:gd name="connsiteY0" fmla="*/ 1932525 h 2841586"/>
-              <a:gd name="connsiteX1" fmla="*/ 533400 w 4687064"/>
-              <a:gd name="connsiteY1" fmla="*/ 2732625 h 2841586"/>
-              <a:gd name="connsiteX2" fmla="*/ 4343400 w 4687064"/>
-              <a:gd name="connsiteY2" fmla="*/ 2125 h 2841586"/>
-              <a:gd name="connsiteX3" fmla="*/ 4533900 w 4687064"/>
-              <a:gd name="connsiteY3" fmla="*/ 2288125 h 2841586"/>
-              <a:gd name="connsiteX0" fmla="*/ 0 w 4639785"/>
-              <a:gd name="connsiteY0" fmla="*/ 1930919 h 2652272"/>
-              <a:gd name="connsiteX1" fmla="*/ 1193800 w 4639785"/>
-              <a:gd name="connsiteY1" fmla="*/ 2502419 h 2652272"/>
-              <a:gd name="connsiteX2" fmla="*/ 4343400 w 4639785"/>
-              <a:gd name="connsiteY2" fmla="*/ 519 h 2652272"/>
-              <a:gd name="connsiteX3" fmla="*/ 4533900 w 4639785"/>
-              <a:gd name="connsiteY3" fmla="*/ 2286519 h 2652272"/>
-              <a:gd name="connsiteX0" fmla="*/ 0 w 4533900"/>
-              <a:gd name="connsiteY0" fmla="*/ 2095976 h 2829520"/>
-              <a:gd name="connsiteX1" fmla="*/ 1193800 w 4533900"/>
-              <a:gd name="connsiteY1" fmla="*/ 2667476 h 2829520"/>
-              <a:gd name="connsiteX2" fmla="*/ 3568700 w 4533900"/>
-              <a:gd name="connsiteY2" fmla="*/ 476 h 2829520"/>
-              <a:gd name="connsiteX3" fmla="*/ 4533900 w 4533900"/>
-              <a:gd name="connsiteY3" fmla="*/ 2451576 h 2829520"/>
-            </a:gdLst>
-            <a:ahLst/>
-            <a:cxnLst>
-              <a:cxn ang="0">
-                <a:pos x="connsiteX0" y="connsiteY0"/>
-              </a:cxn>
-              <a:cxn ang="0">
-                <a:pos x="connsiteX1" y="connsiteY1"/>
-              </a:cxn>
-              <a:cxn ang="0">
-                <a:pos x="connsiteX2" y="connsiteY2"/>
-              </a:cxn>
-              <a:cxn ang="0">
-                <a:pos x="connsiteX3" y="connsiteY3"/>
-              </a:cxn>
-            </a:cxnLst>
-            <a:rect l="l" t="t" r="r" b="b"/>
-            <a:pathLst>
-              <a:path w="4533900" h="2829520">
-                <a:moveTo>
-                  <a:pt x="0" y="2095976"/>
-                </a:moveTo>
-                <a:cubicBezTo>
-                  <a:pt x="190500" y="2790242"/>
-                  <a:pt x="599017" y="3016726"/>
-                  <a:pt x="1193800" y="2667476"/>
-                </a:cubicBezTo>
-                <a:cubicBezTo>
-                  <a:pt x="1788583" y="2318226"/>
-                  <a:pt x="3012017" y="36459"/>
-                  <a:pt x="3568700" y="476"/>
-                </a:cubicBezTo>
-                <a:cubicBezTo>
-                  <a:pt x="4125383" y="-35507"/>
-                  <a:pt x="4494213" y="1975326"/>
-                  <a:pt x="4533900" y="2451576"/>
-                </a:cubicBezTo>
-              </a:path>
-            </a:pathLst>
-          </a:custGeom>
-          <a:ln>
-            <a:solidFill>
-              <a:srgbClr val="FFFF00"/>
-            </a:solidFill>
-            <a:headEnd type="none"/>
-            <a:tailEnd type="arrow"/>
-          </a:ln>
-          <a:effectLst>
-            <a:glow rad="101600">
-              <a:schemeClr val="tx1">
-                <a:alpha val="75000"/>
-              </a:schemeClr>
-            </a:glow>
-          </a:effectLst>
-        </p:spPr>
-        <p:txBody>
-          <a:bodyPr vert="horz" wrap="square" lIns="91440" tIns="45720" rIns="91440" bIns="45720" numCol="1" rtlCol="0" anchor="t" anchorCtr="0" compatLnSpc="1">
-            <a:prstTxWarp prst="textNoShape">
-              <a:avLst/>
-            </a:prstTxWarp>
-          </a:bodyPr>
-          <a:lstStyle/>
-          <a:p>
-            <a:pPr marL="0" marR="0" indent="0" algn="l" defTabSz="449263" rtl="0" eaLnBrk="1" fontAlgn="base" latinLnBrk="0" hangingPunct="1">
-              <a:lnSpc>
-                <a:spcPct val="100000"/>
-              </a:lnSpc>
-              <a:spcBef>
-                <a:spcPct val="0"/>
-              </a:spcBef>
-              <a:spcAft>
-                <a:spcPct val="0"/>
-              </a:spcAft>
-              <a:buClr>
-                <a:srgbClr val="000000"/>
-              </a:buClr>
-              <a:buSzPct val="100000"/>
-              <a:buFont typeface="Times New Roman" charset="0"/>
-              <a:buNone/>
-              <a:tabLst/>
-            </a:pPr>
-            <a:endParaRPr kumimoji="0" lang="en-US" sz="2200" b="0" i="1" u="none" strike="noStrike" cap="none" normalizeH="0" baseline="0">
-              <a:ln>
-                <a:noFill/>
-              </a:ln>
-              <a:solidFill>
-                <a:schemeClr val="bg1"/>
-              </a:solidFill>
-              <a:effectLst/>
-              <a:latin typeface="Myriad Web" charset="0"/>
-            </a:endParaRPr>
-          </a:p>
-        </p:txBody>
-      </p:sp>
     </p:spTree>
     <p:extLst>
       <p:ext uri="{BB962C8B-B14F-4D97-AF65-F5344CB8AC3E}">
-        <p14:creationId xmlns:p14="http://schemas.microsoft.com/office/powerpoint/2010/main" val="1609724773"/>
+        <p14:creationId xmlns:p14="http://schemas.microsoft.com/office/powerpoint/2010/main" val="3114065030"/>
       </p:ext>
     </p:extLst>
   </p:cSld>
@@ -40776,105 +40678,144 @@
           <a:chExt cx="0" cy="0"/>
         </a:xfrm>
       </p:grpSpPr>
-      <p:pic>
-        <p:nvPicPr>
-          <p:cNvPr id="168" name="Picture 167"/>
-          <p:cNvPicPr>
-            <a:picLocks noChangeAspect="1"/>
-          </p:cNvPicPr>
+      <p:grpSp>
+        <p:nvGrpSpPr>
+          <p:cNvPr id="2" name="Group 1"/>
+          <p:cNvGrpSpPr/>
           <p:nvPr/>
-        </p:nvPicPr>
-        <p:blipFill rotWithShape="1">
-          <a:blip r:embed="rId3"/>
-          <a:srcRect l="1095" r="1966" b="2224"/>
-          <a:stretch/>
-        </p:blipFill>
-        <p:spPr>
+        </p:nvGrpSpPr>
+        <p:grpSpPr>
           <a:xfrm>
-            <a:off x="3985840" y="2996952"/>
-            <a:ext cx="4546600" cy="2574652"/>
+            <a:off x="4860032" y="1700808"/>
+            <a:ext cx="3139920" cy="3240360"/>
+            <a:chOff x="5464528" y="3128639"/>
+            <a:chExt cx="3139920" cy="3240360"/>
           </a:xfrm>
-          <a:prstGeom prst="rect">
-            <a:avLst/>
-          </a:prstGeom>
-        </p:spPr>
-      </p:pic>
-      <p:sp>
-        <p:nvSpPr>
-          <p:cNvPr id="7" name="Rectangle 6"/>
-          <p:cNvSpPr/>
-          <p:nvPr/>
-        </p:nvSpPr>
-        <p:spPr bwMode="auto">
-          <a:xfrm>
-            <a:off x="3923928" y="3068960"/>
-            <a:ext cx="4680520" cy="2520280"/>
-          </a:xfrm>
-          <a:prstGeom prst="rect">
-            <a:avLst/>
-          </a:prstGeom>
-          <a:gradFill flip="none" rotWithShape="1">
-            <a:gsLst>
-              <a:gs pos="0">
-                <a:schemeClr val="tx1"/>
-              </a:gs>
-              <a:gs pos="90000">
-                <a:schemeClr val="tx1">
-                  <a:alpha val="0"/>
-                </a:schemeClr>
-              </a:gs>
-            </a:gsLst>
-            <a:lin ang="16200000" scaled="0"/>
-            <a:tileRect/>
-          </a:gradFill>
-          <a:ln w="9525" cap="flat" cmpd="sng" algn="ctr">
-            <a:noFill/>
-            <a:prstDash val="solid"/>
-            <a:round/>
-            <a:headEnd type="none" w="med" len="med"/>
-            <a:tailEnd type="none" w="med" len="med"/>
-          </a:ln>
-          <a:effectLst/>
-        </p:spPr>
-        <p:txBody>
-          <a:bodyPr vert="horz" wrap="square" lIns="91440" tIns="45720" rIns="91440" bIns="45720" numCol="1" rtlCol="0" anchor="t" anchorCtr="0" compatLnSpc="1">
-            <a:prstTxWarp prst="textNoShape">
+        </p:grpSpPr>
+        <p:pic>
+          <p:nvPicPr>
+            <p:cNvPr id="5" name="Picture 4"/>
+            <p:cNvPicPr>
+              <a:picLocks noChangeAspect="1"/>
+            </p:cNvPicPr>
+            <p:nvPr/>
+          </p:nvPicPr>
+          <p:blipFill>
+            <a:blip r:embed="rId3">
+              <a:extLst>
+                <a:ext uri="{BEBA8EAE-BF5A-486C-A8C5-ECC9F3942E4B}">
+                  <a14:imgProps xmlns:a14="http://schemas.microsoft.com/office/drawing/2010/main">
+                    <a14:imgLayer r:embed="rId4">
+                      <a14:imgEffect>
+                        <a14:sharpenSoften amount="-100000"/>
+                      </a14:imgEffect>
+                      <a14:imgEffect>
+                        <a14:colorTemperature colorTemp="11500"/>
+                      </a14:imgEffect>
+                      <a14:imgEffect>
+                        <a14:saturation sat="0"/>
+                      </a14:imgEffect>
+                      <a14:imgEffect>
+                        <a14:brightnessContrast bright="-43000" contrast="48000"/>
+                      </a14:imgEffect>
+                    </a14:imgLayer>
+                  </a14:imgProps>
+                </a:ext>
+              </a:extLst>
+            </a:blip>
+            <a:stretch>
+              <a:fillRect/>
+            </a:stretch>
+          </p:blipFill>
+          <p:spPr>
+            <a:xfrm>
+              <a:off x="5483700" y="3140968"/>
+              <a:ext cx="3073400" cy="3213100"/>
+            </a:xfrm>
+            <a:prstGeom prst="rect">
               <a:avLst/>
-            </a:prstTxWarp>
-          </a:bodyPr>
-          <a:lstStyle/>
-          <a:p>
-            <a:pPr marL="0" marR="0" indent="0" algn="l" defTabSz="449263" rtl="0" eaLnBrk="1" fontAlgn="base" latinLnBrk="0" hangingPunct="1">
-              <a:lnSpc>
-                <a:spcPct val="100000"/>
-              </a:lnSpc>
-              <a:spcBef>
-                <a:spcPct val="0"/>
-              </a:spcBef>
-              <a:spcAft>
-                <a:spcPct val="0"/>
-              </a:spcAft>
-              <a:buClr>
-                <a:srgbClr val="000000"/>
-              </a:buClr>
-              <a:buSzPct val="100000"/>
-              <a:buFont typeface="Times New Roman" charset="0"/>
-              <a:buNone/>
-              <a:tabLst/>
-            </a:pPr>
-            <a:endParaRPr kumimoji="0" lang="en-US" sz="2200" b="0" i="1" u="none" strike="noStrike" cap="none" normalizeH="0" baseline="0">
-              <a:ln>
-                <a:noFill/>
-              </a:ln>
-              <a:solidFill>
-                <a:schemeClr val="bg1"/>
-              </a:solidFill>
-              <a:effectLst/>
-              <a:latin typeface="Myriad Web" charset="0"/>
-            </a:endParaRPr>
-          </a:p>
-        </p:txBody>
-      </p:sp>
+            </a:prstGeom>
+          </p:spPr>
+        </p:pic>
+        <p:sp>
+          <p:nvSpPr>
+            <p:cNvPr id="13" name="Rectangle 12"/>
+            <p:cNvSpPr/>
+            <p:nvPr/>
+          </p:nvSpPr>
+          <p:spPr bwMode="auto">
+            <a:xfrm>
+              <a:off x="5464528" y="3128639"/>
+              <a:ext cx="3139920" cy="3240360"/>
+            </a:xfrm>
+            <a:prstGeom prst="rect">
+              <a:avLst/>
+            </a:prstGeom>
+            <a:gradFill flip="none" rotWithShape="1">
+              <a:gsLst>
+                <a:gs pos="76000">
+                  <a:schemeClr val="tx1">
+                    <a:alpha val="0"/>
+                  </a:schemeClr>
+                </a:gs>
+                <a:gs pos="100000">
+                  <a:schemeClr val="tx1"/>
+                </a:gs>
+              </a:gsLst>
+              <a:path path="circle">
+                <a:fillToRect l="50000" t="50000" r="50000" b="50000"/>
+              </a:path>
+              <a:tileRect/>
+            </a:gradFill>
+            <a:ln w="9525" cap="flat" cmpd="sng" algn="ctr">
+              <a:noFill/>
+              <a:prstDash val="solid"/>
+              <a:round/>
+              <a:headEnd type="none" w="med" len="med"/>
+              <a:tailEnd type="none" w="med" len="med"/>
+            </a:ln>
+            <a:effectLst/>
+          </p:spPr>
+          <p:txBody>
+            <a:bodyPr vert="horz" wrap="square" lIns="91440" tIns="45720" rIns="91440" bIns="45720" numCol="1" rtlCol="0" anchor="t" anchorCtr="0" compatLnSpc="1">
+              <a:prstTxWarp prst="textNoShape">
+                <a:avLst/>
+              </a:prstTxWarp>
+            </a:bodyPr>
+            <a:lstStyle/>
+            <a:p>
+              <a:pPr marL="0" marR="0" indent="0" algn="l" defTabSz="449263" rtl="0" eaLnBrk="1" fontAlgn="base" latinLnBrk="0" hangingPunct="1">
+                <a:lnSpc>
+                  <a:spcPct val="100000"/>
+                </a:lnSpc>
+                <a:spcBef>
+                  <a:spcPct val="0"/>
+                </a:spcBef>
+                <a:spcAft>
+                  <a:spcPct val="0"/>
+                </a:spcAft>
+                <a:buClr>
+                  <a:srgbClr val="000000"/>
+                </a:buClr>
+                <a:buSzPct val="100000"/>
+                <a:buFont typeface="Times New Roman" charset="0"/>
+                <a:buNone/>
+                <a:tabLst/>
+              </a:pPr>
+              <a:endParaRPr kumimoji="0" lang="en-US" sz="2200" b="0" i="1" u="none" strike="noStrike" cap="none" normalizeH="0" baseline="0">
+                <a:ln>
+                  <a:noFill/>
+                </a:ln>
+                <a:solidFill>
+                  <a:schemeClr val="bg1"/>
+                </a:solidFill>
+                <a:effectLst/>
+                <a:latin typeface="Myriad Web" charset="0"/>
+              </a:endParaRPr>
+            </a:p>
+          </p:txBody>
+        </p:sp>
+      </p:grpSp>
       <p:sp>
         <p:nvSpPr>
           <p:cNvPr id="14" name="Rectangle 13"/>
@@ -40883,7 +40824,7 @@
         </p:nvSpPr>
         <p:spPr>
           <a:xfrm>
-            <a:off x="1080120" y="2348880"/>
+            <a:off x="611560" y="2348880"/>
             <a:ext cx="2987824" cy="430887"/>
           </a:xfrm>
           <a:prstGeom prst="rect">
@@ -40904,7 +40845,7 @@
                   </a:glow>
                 </a:effectLst>
               </a:rPr>
-              <a:t>Do </a:t>
+              <a:t>Follow </a:t>
             </a:r>
             <a:r>
               <a:rPr lang="en-US" dirty="0" smtClean="0">
@@ -40915,6 +40856,16 @@
                 </a:effectLst>
               </a:rPr>
               <a:t>that</a:t>
+            </a:r>
+            <a:r>
+              <a:rPr lang="en-US" i="0" dirty="0" smtClean="0">
+                <a:effectLst>
+                  <a:glow rad="101600">
+                    <a:srgbClr val="000000"/>
+                  </a:glow>
+                </a:effectLst>
+              </a:rPr>
+              <a:t> route</a:t>
             </a:r>
             <a:endParaRPr lang="en-US" i="0" dirty="0">
               <a:effectLst>
@@ -41225,6 +41176,490 @@
     </p:spTree>
     <p:extLst>
       <p:ext uri="{BB962C8B-B14F-4D97-AF65-F5344CB8AC3E}">
+        <p14:creationId xmlns:p14="http://schemas.microsoft.com/office/powerpoint/2010/main" val="1609724773"/>
+      </p:ext>
+    </p:extLst>
+  </p:cSld>
+  <p:clrMapOvr>
+    <a:masterClrMapping/>
+  </p:clrMapOvr>
+  <p:transition xmlns:p14="http://schemas.microsoft.com/office/powerpoint/2010/main"/>
+  <p:timing>
+    <p:tnLst>
+      <p:par>
+        <p:cTn xmlns:p14="http://schemas.microsoft.com/office/powerpoint/2010/main" id="1" dur="indefinite" restart="never" nodeType="tmRoot"/>
+      </p:par>
+    </p:tnLst>
+  </p:timing>
+</p:sld>
+</file>
+
+<file path=ppt/slides/slide44.xml><?xml version="1.0" encoding="utf-8"?>
+<p:sld xmlns:a="http://schemas.openxmlformats.org/drawingml/2006/main" xmlns:r="http://schemas.openxmlformats.org/officeDocument/2006/relationships" xmlns:p="http://schemas.openxmlformats.org/presentationml/2006/main">
+  <p:cSld>
+    <p:spTree>
+      <p:nvGrpSpPr>
+        <p:cNvPr id="1" name=""/>
+        <p:cNvGrpSpPr/>
+        <p:nvPr/>
+      </p:nvGrpSpPr>
+      <p:grpSpPr>
+        <a:xfrm>
+          <a:off x="0" y="0"/>
+          <a:ext cx="0" cy="0"/>
+          <a:chOff x="0" y="0"/>
+          <a:chExt cx="0" cy="0"/>
+        </a:xfrm>
+      </p:grpSpPr>
+      <p:pic>
+        <p:nvPicPr>
+          <p:cNvPr id="168" name="Picture 167"/>
+          <p:cNvPicPr>
+            <a:picLocks noChangeAspect="1"/>
+          </p:cNvPicPr>
+          <p:nvPr/>
+        </p:nvPicPr>
+        <p:blipFill rotWithShape="1">
+          <a:blip r:embed="rId3"/>
+          <a:srcRect l="1095" r="1966" b="2224"/>
+          <a:stretch/>
+        </p:blipFill>
+        <p:spPr>
+          <a:xfrm>
+            <a:off x="3985840" y="2996952"/>
+            <a:ext cx="4546600" cy="2574652"/>
+          </a:xfrm>
+          <a:prstGeom prst="rect">
+            <a:avLst/>
+          </a:prstGeom>
+        </p:spPr>
+      </p:pic>
+      <p:sp>
+        <p:nvSpPr>
+          <p:cNvPr id="7" name="Rectangle 6"/>
+          <p:cNvSpPr/>
+          <p:nvPr/>
+        </p:nvSpPr>
+        <p:spPr bwMode="auto">
+          <a:xfrm>
+            <a:off x="3923928" y="3068960"/>
+            <a:ext cx="4680520" cy="2520280"/>
+          </a:xfrm>
+          <a:prstGeom prst="rect">
+            <a:avLst/>
+          </a:prstGeom>
+          <a:gradFill flip="none" rotWithShape="1">
+            <a:gsLst>
+              <a:gs pos="0">
+                <a:schemeClr val="tx1"/>
+              </a:gs>
+              <a:gs pos="90000">
+                <a:schemeClr val="tx1">
+                  <a:alpha val="0"/>
+                </a:schemeClr>
+              </a:gs>
+            </a:gsLst>
+            <a:lin ang="16200000" scaled="0"/>
+            <a:tileRect/>
+          </a:gradFill>
+          <a:ln w="9525" cap="flat" cmpd="sng" algn="ctr">
+            <a:noFill/>
+            <a:prstDash val="solid"/>
+            <a:round/>
+            <a:headEnd type="none" w="med" len="med"/>
+            <a:tailEnd type="none" w="med" len="med"/>
+          </a:ln>
+          <a:effectLst/>
+        </p:spPr>
+        <p:txBody>
+          <a:bodyPr vert="horz" wrap="square" lIns="91440" tIns="45720" rIns="91440" bIns="45720" numCol="1" rtlCol="0" anchor="t" anchorCtr="0" compatLnSpc="1">
+            <a:prstTxWarp prst="textNoShape">
+              <a:avLst/>
+            </a:prstTxWarp>
+          </a:bodyPr>
+          <a:lstStyle/>
+          <a:p>
+            <a:pPr marL="0" marR="0" indent="0" algn="l" defTabSz="449263" rtl="0" eaLnBrk="1" fontAlgn="base" latinLnBrk="0" hangingPunct="1">
+              <a:lnSpc>
+                <a:spcPct val="100000"/>
+              </a:lnSpc>
+              <a:spcBef>
+                <a:spcPct val="0"/>
+              </a:spcBef>
+              <a:spcAft>
+                <a:spcPct val="0"/>
+              </a:spcAft>
+              <a:buClr>
+                <a:srgbClr val="000000"/>
+              </a:buClr>
+              <a:buSzPct val="100000"/>
+              <a:buFont typeface="Times New Roman" charset="0"/>
+              <a:buNone/>
+              <a:tabLst/>
+            </a:pPr>
+            <a:endParaRPr kumimoji="0" lang="en-US" sz="2200" b="0" i="1" u="none" strike="noStrike" cap="none" normalizeH="0" baseline="0">
+              <a:ln>
+                <a:noFill/>
+              </a:ln>
+              <a:solidFill>
+                <a:schemeClr val="bg1"/>
+              </a:solidFill>
+              <a:effectLst/>
+              <a:latin typeface="Myriad Web" charset="0"/>
+            </a:endParaRPr>
+          </a:p>
+        </p:txBody>
+      </p:sp>
+      <p:sp>
+        <p:nvSpPr>
+          <p:cNvPr id="14" name="Rectangle 13"/>
+          <p:cNvSpPr/>
+          <p:nvPr/>
+        </p:nvSpPr>
+        <p:spPr>
+          <a:xfrm>
+            <a:off x="1080120" y="2348880"/>
+            <a:ext cx="2987824" cy="430887"/>
+          </a:xfrm>
+          <a:prstGeom prst="rect">
+            <a:avLst/>
+          </a:prstGeom>
+        </p:spPr>
+        <p:txBody>
+          <a:bodyPr wrap="square">
+            <a:spAutoFit/>
+          </a:bodyPr>
+          <a:lstStyle/>
+          <a:p>
+            <a:r>
+              <a:rPr lang="en-US" i="0" dirty="0" smtClean="0">
+                <a:effectLst>
+                  <a:glow rad="101600">
+                    <a:srgbClr val="000000"/>
+                  </a:glow>
+                </a:effectLst>
+              </a:rPr>
+              <a:t>Do </a:t>
+            </a:r>
+            <a:r>
+              <a:rPr lang="en-US" dirty="0" smtClean="0">
+                <a:effectLst>
+                  <a:glow rad="101600">
+                    <a:srgbClr val="000000"/>
+                  </a:glow>
+                </a:effectLst>
+              </a:rPr>
+              <a:t>that</a:t>
+            </a:r>
+            <a:endParaRPr lang="en-US" i="0" dirty="0">
+              <a:effectLst>
+                <a:glow rad="101600">
+                  <a:srgbClr val="000000"/>
+                </a:glow>
+              </a:effectLst>
+            </a:endParaRPr>
+          </a:p>
+        </p:txBody>
+      </p:sp>
+      <p:sp>
+        <p:nvSpPr>
+          <p:cNvPr id="11" name="Rectangle 10"/>
+          <p:cNvSpPr/>
+          <p:nvPr/>
+        </p:nvSpPr>
+        <p:spPr>
+          <a:xfrm>
+            <a:off x="3635896" y="2492896"/>
+            <a:ext cx="2987824" cy="1446550"/>
+          </a:xfrm>
+          <a:prstGeom prst="rect">
+            <a:avLst/>
+          </a:prstGeom>
+        </p:spPr>
+        <p:txBody>
+          <a:bodyPr wrap="square">
+            <a:spAutoFit/>
+          </a:bodyPr>
+          <a:lstStyle/>
+          <a:p>
+            <a:r>
+              <a:rPr lang="en-US" sz="8800" i="0" dirty="0" smtClean="0">
+                <a:effectLst>
+                  <a:glow rad="101600">
+                    <a:srgbClr val="000000"/>
+                  </a:glow>
+                </a:effectLst>
+              </a:rPr>
+              <a:t>=</a:t>
+            </a:r>
+            <a:endParaRPr lang="en-US" sz="8800" i="0" dirty="0">
+              <a:effectLst>
+                <a:glow rad="101600">
+                  <a:srgbClr val="000000"/>
+                </a:glow>
+              </a:effectLst>
+            </a:endParaRPr>
+          </a:p>
+        </p:txBody>
+      </p:sp>
+      <p:sp>
+        <p:nvSpPr>
+          <p:cNvPr id="12" name="Rectangle 11"/>
+          <p:cNvSpPr/>
+          <p:nvPr/>
+        </p:nvSpPr>
+        <p:spPr>
+          <a:xfrm>
+            <a:off x="8388424" y="2636912"/>
+            <a:ext cx="2987824" cy="1446550"/>
+          </a:xfrm>
+          <a:prstGeom prst="rect">
+            <a:avLst/>
+          </a:prstGeom>
+        </p:spPr>
+        <p:txBody>
+          <a:bodyPr wrap="square">
+            <a:spAutoFit/>
+          </a:bodyPr>
+          <a:lstStyle/>
+          <a:p>
+            <a:r>
+              <a:rPr lang="en-US" sz="8800" i="0" dirty="0" smtClean="0">
+                <a:effectLst>
+                  <a:glow rad="101600">
+                    <a:srgbClr val="000000"/>
+                  </a:glow>
+                </a:effectLst>
+              </a:rPr>
+              <a:t>?</a:t>
+            </a:r>
+            <a:endParaRPr lang="en-US" sz="8800" i="0" dirty="0">
+              <a:effectLst>
+                <a:glow rad="101600">
+                  <a:srgbClr val="000000"/>
+                </a:glow>
+              </a:effectLst>
+            </a:endParaRPr>
+          </a:p>
+        </p:txBody>
+      </p:sp>
+      <p:sp>
+        <p:nvSpPr>
+          <p:cNvPr id="4" name="Freeform 3"/>
+          <p:cNvSpPr/>
+          <p:nvPr/>
+        </p:nvSpPr>
+        <p:spPr>
+          <a:xfrm>
+            <a:off x="1854200" y="672623"/>
+            <a:ext cx="4533900" cy="2829520"/>
+          </a:xfrm>
+          <a:custGeom>
+            <a:avLst/>
+            <a:gdLst>
+              <a:gd name="connsiteX0" fmla="*/ 1091359 w 6271180"/>
+              <a:gd name="connsiteY0" fmla="*/ 1937427 h 2724500"/>
+              <a:gd name="connsiteX1" fmla="*/ 291259 w 6271180"/>
+              <a:gd name="connsiteY1" fmla="*/ 2623227 h 2724500"/>
+              <a:gd name="connsiteX2" fmla="*/ 5434759 w 6271180"/>
+              <a:gd name="connsiteY2" fmla="*/ 7027 h 2724500"/>
+              <a:gd name="connsiteX3" fmla="*/ 6260259 w 6271180"/>
+              <a:gd name="connsiteY3" fmla="*/ 1797727 h 2724500"/>
+              <a:gd name="connsiteX4" fmla="*/ 6260259 w 6271180"/>
+              <a:gd name="connsiteY4" fmla="*/ 1797727 h 2724500"/>
+              <a:gd name="connsiteX0" fmla="*/ 1091359 w 6261838"/>
+              <a:gd name="connsiteY0" fmla="*/ 1939030 h 2726103"/>
+              <a:gd name="connsiteX1" fmla="*/ 291259 w 6261838"/>
+              <a:gd name="connsiteY1" fmla="*/ 2624830 h 2726103"/>
+              <a:gd name="connsiteX2" fmla="*/ 5434759 w 6261838"/>
+              <a:gd name="connsiteY2" fmla="*/ 8630 h 2726103"/>
+              <a:gd name="connsiteX3" fmla="*/ 6260259 w 6261838"/>
+              <a:gd name="connsiteY3" fmla="*/ 1799330 h 2726103"/>
+              <a:gd name="connsiteX4" fmla="*/ 5625259 w 6261838"/>
+              <a:gd name="connsiteY4" fmla="*/ 2294630 h 2726103"/>
+              <a:gd name="connsiteX0" fmla="*/ 1091359 w 8385796"/>
+              <a:gd name="connsiteY0" fmla="*/ 1938557 h 2725630"/>
+              <a:gd name="connsiteX1" fmla="*/ 291259 w 8385796"/>
+              <a:gd name="connsiteY1" fmla="*/ 2624357 h 2725630"/>
+              <a:gd name="connsiteX2" fmla="*/ 5434759 w 8385796"/>
+              <a:gd name="connsiteY2" fmla="*/ 8157 h 2725630"/>
+              <a:gd name="connsiteX3" fmla="*/ 6260259 w 8385796"/>
+              <a:gd name="connsiteY3" fmla="*/ 1798857 h 2725630"/>
+              <a:gd name="connsiteX4" fmla="*/ 8381159 w 8385796"/>
+              <a:gd name="connsiteY4" fmla="*/ 1709958 h 2725630"/>
+              <a:gd name="connsiteX5" fmla="*/ 5625259 w 8385796"/>
+              <a:gd name="connsiteY5" fmla="*/ 2294157 h 2725630"/>
+              <a:gd name="connsiteX0" fmla="*/ 1091359 w 6261616"/>
+              <a:gd name="connsiteY0" fmla="*/ 1939030 h 2726103"/>
+              <a:gd name="connsiteX1" fmla="*/ 291259 w 6261616"/>
+              <a:gd name="connsiteY1" fmla="*/ 2624830 h 2726103"/>
+              <a:gd name="connsiteX2" fmla="*/ 5434759 w 6261616"/>
+              <a:gd name="connsiteY2" fmla="*/ 8630 h 2726103"/>
+              <a:gd name="connsiteX3" fmla="*/ 6260259 w 6261616"/>
+              <a:gd name="connsiteY3" fmla="*/ 1799330 h 2726103"/>
+              <a:gd name="connsiteX4" fmla="*/ 5625259 w 6261616"/>
+              <a:gd name="connsiteY4" fmla="*/ 2294630 h 2726103"/>
+              <a:gd name="connsiteX0" fmla="*/ 1091359 w 5875292"/>
+              <a:gd name="connsiteY0" fmla="*/ 1931594 h 2718667"/>
+              <a:gd name="connsiteX1" fmla="*/ 291259 w 5875292"/>
+              <a:gd name="connsiteY1" fmla="*/ 2617394 h 2718667"/>
+              <a:gd name="connsiteX2" fmla="*/ 5434759 w 5875292"/>
+              <a:gd name="connsiteY2" fmla="*/ 1194 h 2718667"/>
+              <a:gd name="connsiteX3" fmla="*/ 5625259 w 5875292"/>
+              <a:gd name="connsiteY3" fmla="*/ 2287194 h 2718667"/>
+              <a:gd name="connsiteX0" fmla="*/ 582867 w 5312211"/>
+              <a:gd name="connsiteY0" fmla="*/ 1932644 h 2833081"/>
+              <a:gd name="connsiteX1" fmla="*/ 532067 w 5312211"/>
+              <a:gd name="connsiteY1" fmla="*/ 2745444 h 2833081"/>
+              <a:gd name="connsiteX2" fmla="*/ 4926267 w 5312211"/>
+              <a:gd name="connsiteY2" fmla="*/ 2244 h 2833081"/>
+              <a:gd name="connsiteX3" fmla="*/ 5116767 w 5312211"/>
+              <a:gd name="connsiteY3" fmla="*/ 2288244 h 2833081"/>
+              <a:gd name="connsiteX0" fmla="*/ 189056 w 4793144"/>
+              <a:gd name="connsiteY0" fmla="*/ 1930874 h 2318360"/>
+              <a:gd name="connsiteX1" fmla="*/ 1890856 w 4793144"/>
+              <a:gd name="connsiteY1" fmla="*/ 2083274 h 2318360"/>
+              <a:gd name="connsiteX2" fmla="*/ 4532456 w 4793144"/>
+              <a:gd name="connsiteY2" fmla="*/ 474 h 2318360"/>
+              <a:gd name="connsiteX3" fmla="*/ 4722956 w 4793144"/>
+              <a:gd name="connsiteY3" fmla="*/ 2286474 h 2318360"/>
+              <a:gd name="connsiteX0" fmla="*/ 361258 w 5048322"/>
+              <a:gd name="connsiteY0" fmla="*/ 1932525 h 2821469"/>
+              <a:gd name="connsiteX1" fmla="*/ 894658 w 5048322"/>
+              <a:gd name="connsiteY1" fmla="*/ 2732625 h 2821469"/>
+              <a:gd name="connsiteX2" fmla="*/ 4704658 w 5048322"/>
+              <a:gd name="connsiteY2" fmla="*/ 2125 h 2821469"/>
+              <a:gd name="connsiteX3" fmla="*/ 4895158 w 5048322"/>
+              <a:gd name="connsiteY3" fmla="*/ 2288125 h 2821469"/>
+              <a:gd name="connsiteX0" fmla="*/ 163717 w 4850781"/>
+              <a:gd name="connsiteY0" fmla="*/ 1932525 h 2840028"/>
+              <a:gd name="connsiteX1" fmla="*/ 697117 w 4850781"/>
+              <a:gd name="connsiteY1" fmla="*/ 2732625 h 2840028"/>
+              <a:gd name="connsiteX2" fmla="*/ 4507117 w 4850781"/>
+              <a:gd name="connsiteY2" fmla="*/ 2125 h 2840028"/>
+              <a:gd name="connsiteX3" fmla="*/ 4697617 w 4850781"/>
+              <a:gd name="connsiteY3" fmla="*/ 2288125 h 2840028"/>
+              <a:gd name="connsiteX0" fmla="*/ 0 w 4687064"/>
+              <a:gd name="connsiteY0" fmla="*/ 1932525 h 2841586"/>
+              <a:gd name="connsiteX1" fmla="*/ 533400 w 4687064"/>
+              <a:gd name="connsiteY1" fmla="*/ 2732625 h 2841586"/>
+              <a:gd name="connsiteX2" fmla="*/ 4343400 w 4687064"/>
+              <a:gd name="connsiteY2" fmla="*/ 2125 h 2841586"/>
+              <a:gd name="connsiteX3" fmla="*/ 4533900 w 4687064"/>
+              <a:gd name="connsiteY3" fmla="*/ 2288125 h 2841586"/>
+              <a:gd name="connsiteX0" fmla="*/ 0 w 4639785"/>
+              <a:gd name="connsiteY0" fmla="*/ 1930919 h 2652272"/>
+              <a:gd name="connsiteX1" fmla="*/ 1193800 w 4639785"/>
+              <a:gd name="connsiteY1" fmla="*/ 2502419 h 2652272"/>
+              <a:gd name="connsiteX2" fmla="*/ 4343400 w 4639785"/>
+              <a:gd name="connsiteY2" fmla="*/ 519 h 2652272"/>
+              <a:gd name="connsiteX3" fmla="*/ 4533900 w 4639785"/>
+              <a:gd name="connsiteY3" fmla="*/ 2286519 h 2652272"/>
+              <a:gd name="connsiteX0" fmla="*/ 0 w 4533900"/>
+              <a:gd name="connsiteY0" fmla="*/ 2095976 h 2829520"/>
+              <a:gd name="connsiteX1" fmla="*/ 1193800 w 4533900"/>
+              <a:gd name="connsiteY1" fmla="*/ 2667476 h 2829520"/>
+              <a:gd name="connsiteX2" fmla="*/ 3568700 w 4533900"/>
+              <a:gd name="connsiteY2" fmla="*/ 476 h 2829520"/>
+              <a:gd name="connsiteX3" fmla="*/ 4533900 w 4533900"/>
+              <a:gd name="connsiteY3" fmla="*/ 2451576 h 2829520"/>
+            </a:gdLst>
+            <a:ahLst/>
+            <a:cxnLst>
+              <a:cxn ang="0">
+                <a:pos x="connsiteX0" y="connsiteY0"/>
+              </a:cxn>
+              <a:cxn ang="0">
+                <a:pos x="connsiteX1" y="connsiteY1"/>
+              </a:cxn>
+              <a:cxn ang="0">
+                <a:pos x="connsiteX2" y="connsiteY2"/>
+              </a:cxn>
+              <a:cxn ang="0">
+                <a:pos x="connsiteX3" y="connsiteY3"/>
+              </a:cxn>
+            </a:cxnLst>
+            <a:rect l="l" t="t" r="r" b="b"/>
+            <a:pathLst>
+              <a:path w="4533900" h="2829520">
+                <a:moveTo>
+                  <a:pt x="0" y="2095976"/>
+                </a:moveTo>
+                <a:cubicBezTo>
+                  <a:pt x="190500" y="2790242"/>
+                  <a:pt x="599017" y="3016726"/>
+                  <a:pt x="1193800" y="2667476"/>
+                </a:cubicBezTo>
+                <a:cubicBezTo>
+                  <a:pt x="1788583" y="2318226"/>
+                  <a:pt x="3012017" y="36459"/>
+                  <a:pt x="3568700" y="476"/>
+                </a:cubicBezTo>
+                <a:cubicBezTo>
+                  <a:pt x="4125383" y="-35507"/>
+                  <a:pt x="4494213" y="1975326"/>
+                  <a:pt x="4533900" y="2451576"/>
+                </a:cubicBezTo>
+              </a:path>
+            </a:pathLst>
+          </a:custGeom>
+          <a:ln>
+            <a:solidFill>
+              <a:srgbClr val="FFFF00"/>
+            </a:solidFill>
+            <a:headEnd type="none"/>
+            <a:tailEnd type="arrow"/>
+          </a:ln>
+          <a:effectLst>
+            <a:glow rad="101600">
+              <a:schemeClr val="tx1">
+                <a:alpha val="75000"/>
+              </a:schemeClr>
+            </a:glow>
+          </a:effectLst>
+        </p:spPr>
+        <p:txBody>
+          <a:bodyPr vert="horz" wrap="square" lIns="91440" tIns="45720" rIns="91440" bIns="45720" numCol="1" rtlCol="0" anchor="t" anchorCtr="0" compatLnSpc="1">
+            <a:prstTxWarp prst="textNoShape">
+              <a:avLst/>
+            </a:prstTxWarp>
+          </a:bodyPr>
+          <a:lstStyle/>
+          <a:p>
+            <a:pPr marL="0" marR="0" indent="0" algn="l" defTabSz="449263" rtl="0" eaLnBrk="1" fontAlgn="base" latinLnBrk="0" hangingPunct="1">
+              <a:lnSpc>
+                <a:spcPct val="100000"/>
+              </a:lnSpc>
+              <a:spcBef>
+                <a:spcPct val="0"/>
+              </a:spcBef>
+              <a:spcAft>
+                <a:spcPct val="0"/>
+              </a:spcAft>
+              <a:buClr>
+                <a:srgbClr val="000000"/>
+              </a:buClr>
+              <a:buSzPct val="100000"/>
+              <a:buFont typeface="Times New Roman" charset="0"/>
+              <a:buNone/>
+              <a:tabLst/>
+            </a:pPr>
+            <a:endParaRPr kumimoji="0" lang="en-US" sz="2200" b="0" i="1" u="none" strike="noStrike" cap="none" normalizeH="0" baseline="0">
+              <a:ln>
+                <a:noFill/>
+              </a:ln>
+              <a:solidFill>
+                <a:schemeClr val="bg1"/>
+              </a:solidFill>
+              <a:effectLst/>
+              <a:latin typeface="Myriad Web" charset="0"/>
+            </a:endParaRPr>
+          </a:p>
+        </p:txBody>
+      </p:sp>
+    </p:spTree>
+    <p:extLst>
+      <p:ext uri="{BB962C8B-B14F-4D97-AF65-F5344CB8AC3E}">
         <p14:creationId xmlns:p14="http://schemas.microsoft.com/office/powerpoint/2010/main" val="2306481044"/>
       </p:ext>
     </p:extLst>
@@ -41243,7 +41678,7 @@
 </p:sld>
 </file>
 
-<file path=ppt/slides/slide44.xml><?xml version="1.0" encoding="utf-8"?>
+<file path=ppt/slides/slide45.xml><?xml version="1.0" encoding="utf-8"?>
 <p:sld xmlns:a="http://schemas.openxmlformats.org/drawingml/2006/main" xmlns:r="http://schemas.openxmlformats.org/officeDocument/2006/relationships" xmlns:p="http://schemas.openxmlformats.org/presentationml/2006/main">
   <p:cSld>
     <p:spTree>
@@ -41320,7 +41755,7 @@
 </p:sld>
 </file>
 
-<file path=ppt/slides/slide45.xml><?xml version="1.0" encoding="utf-8"?>
+<file path=ppt/slides/slide46.xml><?xml version="1.0" encoding="utf-8"?>
 <p:sld xmlns:a="http://schemas.openxmlformats.org/drawingml/2006/main" xmlns:r="http://schemas.openxmlformats.org/officeDocument/2006/relationships" xmlns:p="http://schemas.openxmlformats.org/presentationml/2006/main">
   <p:cSld>
     <p:spTree>
@@ -41458,7 +41893,7 @@
 </p:sld>
 </file>
 
-<file path=ppt/slides/slide46.xml><?xml version="1.0" encoding="utf-8"?>
+<file path=ppt/slides/slide47.xml><?xml version="1.0" encoding="utf-8"?>
 <p:sld xmlns:a="http://schemas.openxmlformats.org/drawingml/2006/main" xmlns:r="http://schemas.openxmlformats.org/officeDocument/2006/relationships" xmlns:p="http://schemas.openxmlformats.org/presentationml/2006/main">
   <p:cSld>
     <p:spTree>
